--- a/Pélec_03_Presentation.pptx
+++ b/Pélec_03_Presentation.pptx
@@ -5,7 +5,7 @@
     <p:sldMasterId id="2147483648" r:id="rId1"/>
   </p:sldMasterIdLst>
   <p:notesMasterIdLst>
-    <p:notesMasterId r:id="rId63"/>
+    <p:notesMasterId r:id="rId65"/>
   </p:notesMasterIdLst>
   <p:sldIdLst>
     <p:sldId id="256" r:id="rId2"/>
@@ -42,33 +42,35 @@
     <p:sldId id="272" r:id="rId33"/>
     <p:sldId id="308" r:id="rId34"/>
     <p:sldId id="314" r:id="rId35"/>
-    <p:sldId id="273" r:id="rId36"/>
-    <p:sldId id="310" r:id="rId37"/>
-    <p:sldId id="315" r:id="rId38"/>
-    <p:sldId id="274" r:id="rId39"/>
-    <p:sldId id="316" r:id="rId40"/>
-    <p:sldId id="317" r:id="rId41"/>
-    <p:sldId id="263" r:id="rId42"/>
-    <p:sldId id="311" r:id="rId43"/>
-    <p:sldId id="275" r:id="rId44"/>
-    <p:sldId id="318" r:id="rId45"/>
-    <p:sldId id="321" r:id="rId46"/>
-    <p:sldId id="320" r:id="rId47"/>
-    <p:sldId id="322" r:id="rId48"/>
-    <p:sldId id="264" r:id="rId49"/>
-    <p:sldId id="278" r:id="rId50"/>
-    <p:sldId id="324" r:id="rId51"/>
-    <p:sldId id="323" r:id="rId52"/>
-    <p:sldId id="279" r:id="rId53"/>
-    <p:sldId id="312" r:id="rId54"/>
-    <p:sldId id="325" r:id="rId55"/>
-    <p:sldId id="265" r:id="rId56"/>
-    <p:sldId id="281" r:id="rId57"/>
-    <p:sldId id="328" r:id="rId58"/>
-    <p:sldId id="266" r:id="rId59"/>
-    <p:sldId id="284" r:id="rId60"/>
-    <p:sldId id="327" r:id="rId61"/>
-    <p:sldId id="267" r:id="rId62"/>
+    <p:sldId id="329" r:id="rId36"/>
+    <p:sldId id="273" r:id="rId37"/>
+    <p:sldId id="310" r:id="rId38"/>
+    <p:sldId id="315" r:id="rId39"/>
+    <p:sldId id="330" r:id="rId40"/>
+    <p:sldId id="274" r:id="rId41"/>
+    <p:sldId id="316" r:id="rId42"/>
+    <p:sldId id="317" r:id="rId43"/>
+    <p:sldId id="263" r:id="rId44"/>
+    <p:sldId id="311" r:id="rId45"/>
+    <p:sldId id="275" r:id="rId46"/>
+    <p:sldId id="318" r:id="rId47"/>
+    <p:sldId id="321" r:id="rId48"/>
+    <p:sldId id="320" r:id="rId49"/>
+    <p:sldId id="322" r:id="rId50"/>
+    <p:sldId id="264" r:id="rId51"/>
+    <p:sldId id="278" r:id="rId52"/>
+    <p:sldId id="324" r:id="rId53"/>
+    <p:sldId id="323" r:id="rId54"/>
+    <p:sldId id="279" r:id="rId55"/>
+    <p:sldId id="312" r:id="rId56"/>
+    <p:sldId id="325" r:id="rId57"/>
+    <p:sldId id="265" r:id="rId58"/>
+    <p:sldId id="281" r:id="rId59"/>
+    <p:sldId id="328" r:id="rId60"/>
+    <p:sldId id="266" r:id="rId61"/>
+    <p:sldId id="284" r:id="rId62"/>
+    <p:sldId id="327" r:id="rId63"/>
+    <p:sldId id="267" r:id="rId64"/>
   </p:sldIdLst>
   <p:sldSz cx="12192000" cy="6858000"/>
   <p:notesSz cx="6858000" cy="9144000"/>
@@ -7209,17 +7211,12 @@
             </a:pPr>
             <a:r>
               <a:rPr lang="fr-FR" dirty="0" err="1"/>
-              <a:t>Decision</a:t>
+              <a:t>Random</a:t>
             </a:r>
             <a:r>
               <a:rPr lang="fr-FR" dirty="0"/>
-              <a:t> </a:t>
-            </a:r>
-            <a:r>
-              <a:rPr lang="fr-FR" dirty="0" err="1"/>
-              <a:t>Tree</a:t>
-            </a:r>
-            <a:endParaRPr lang="fr-FR" dirty="0"/>
+              <a:t> Forest</a:t>
+            </a:r>
           </a:p>
           <a:p>
             <a:pPr marL="1028700" lvl="1" indent="-571500">
@@ -7227,22 +7224,8 @@
               <a:buAutoNum type="arabicPeriod"/>
             </a:pPr>
             <a:r>
-              <a:rPr lang="fr-FR" dirty="0" err="1"/>
-              <a:t>Random</a:t>
-            </a:r>
-            <a:r>
-              <a:rPr lang="fr-FR" dirty="0"/>
-              <a:t> Forest</a:t>
-            </a:r>
-          </a:p>
-          <a:p>
-            <a:pPr marL="1028700" lvl="1" indent="-571500">
-              <a:buFont typeface="+mj-lt"/>
-              <a:buAutoNum type="arabicPeriod"/>
-            </a:pPr>
-            <a:r>
-              <a:rPr lang="fr-FR" dirty="0" err="1"/>
-              <a:t>AdaBoost</a:t>
+              <a:rPr lang="fr-FR"/>
+              <a:t>GradientBoost</a:t>
             </a:r>
             <a:endParaRPr lang="fr-FR" dirty="0"/>
           </a:p>
@@ -12223,6 +12206,182 @@
           <a:p>
             <a:r>
               <a:rPr lang="fr-FR" dirty="0"/>
+              <a:t>Régression </a:t>
+            </a:r>
+            <a:r>
+              <a:rPr lang="fr-FR" dirty="0" err="1"/>
+              <a:t>ridge</a:t>
+            </a:r>
+            <a:endParaRPr lang="fr-FR" dirty="0"/>
+          </a:p>
+        </p:txBody>
+      </p:sp>
+      <p:sp>
+        <p:nvSpPr>
+          <p:cNvPr id="12" name="Espace réservé de la date 11">
+            <a:extLst>
+              <a:ext uri="{FF2B5EF4-FFF2-40B4-BE49-F238E27FC236}">
+                <a16:creationId xmlns:a16="http://schemas.microsoft.com/office/drawing/2014/main" id="{1C698556-85F0-43B7-9A69-72485901F4F4}"/>
+              </a:ext>
+            </a:extLst>
+          </p:cNvPr>
+          <p:cNvSpPr>
+            <a:spLocks noGrp="1"/>
+          </p:cNvSpPr>
+          <p:nvPr>
+            <p:ph type="dt" sz="half" idx="10"/>
+          </p:nvPr>
+        </p:nvSpPr>
+        <p:spPr/>
+        <p:txBody>
+          <a:bodyPr/>
+          <a:lstStyle/>
+          <a:p>
+            <a:fld id="{2DB7ECA4-51E5-4723-BB02-C963498DF04F}" type="datetime1">
+              <a:rPr lang="fr-FR" smtClean="0"/>
+              <a:t>20/04/2022</a:t>
+            </a:fld>
+            <a:endParaRPr lang="fr-FR"/>
+          </a:p>
+        </p:txBody>
+      </p:sp>
+      <p:sp>
+        <p:nvSpPr>
+          <p:cNvPr id="13" name="Espace réservé du pied de page 12">
+            <a:extLst>
+              <a:ext uri="{FF2B5EF4-FFF2-40B4-BE49-F238E27FC236}">
+                <a16:creationId xmlns:a16="http://schemas.microsoft.com/office/drawing/2014/main" id="{F53930DD-FDBF-4481-907F-0EAE1F261BCC}"/>
+              </a:ext>
+            </a:extLst>
+          </p:cNvPr>
+          <p:cNvSpPr>
+            <a:spLocks noGrp="1"/>
+          </p:cNvSpPr>
+          <p:nvPr>
+            <p:ph type="ftr" sz="quarter" idx="11"/>
+          </p:nvPr>
+        </p:nvSpPr>
+        <p:spPr/>
+        <p:txBody>
+          <a:bodyPr/>
+          <a:lstStyle/>
+          <a:p>
+            <a:endParaRPr lang="fr-FR"/>
+          </a:p>
+        </p:txBody>
+      </p:sp>
+      <p:sp>
+        <p:nvSpPr>
+          <p:cNvPr id="14" name="Espace réservé du numéro de diapositive 13">
+            <a:extLst>
+              <a:ext uri="{FF2B5EF4-FFF2-40B4-BE49-F238E27FC236}">
+                <a16:creationId xmlns:a16="http://schemas.microsoft.com/office/drawing/2014/main" id="{799C778E-7611-4D06-ADB5-2AEC6A4E7C7B}"/>
+              </a:ext>
+            </a:extLst>
+          </p:cNvPr>
+          <p:cNvSpPr>
+            <a:spLocks noGrp="1"/>
+          </p:cNvSpPr>
+          <p:nvPr>
+            <p:ph type="sldNum" sz="quarter" idx="12"/>
+          </p:nvPr>
+        </p:nvSpPr>
+        <p:spPr/>
+        <p:txBody>
+          <a:bodyPr/>
+          <a:lstStyle/>
+          <a:p>
+            <a:fld id="{18E746EB-9FA2-421E-BF58-AF3915BD22D4}" type="slidenum">
+              <a:rPr lang="fr-FR" smtClean="0"/>
+              <a:t>35</a:t>
+            </a:fld>
+            <a:endParaRPr lang="fr-FR"/>
+          </a:p>
+        </p:txBody>
+      </p:sp>
+      <p:pic>
+        <p:nvPicPr>
+          <p:cNvPr id="4" name="Image 3">
+            <a:extLst>
+              <a:ext uri="{FF2B5EF4-FFF2-40B4-BE49-F238E27FC236}">
+                <a16:creationId xmlns:a16="http://schemas.microsoft.com/office/drawing/2014/main" id="{59861942-49E3-431A-B503-1E8F6F2FB12F}"/>
+              </a:ext>
+            </a:extLst>
+          </p:cNvPr>
+          <p:cNvPicPr>
+            <a:picLocks noChangeAspect="1"/>
+          </p:cNvPicPr>
+          <p:nvPr/>
+        </p:nvPicPr>
+        <p:blipFill>
+          <a:blip r:embed="rId2">
+            <a:extLst>
+              <a:ext uri="{28A0092B-C50C-407E-A947-70E740481C1C}">
+                <a14:useLocalDpi xmlns:a14="http://schemas.microsoft.com/office/drawing/2010/main" val="0"/>
+              </a:ext>
+            </a:extLst>
+          </a:blip>
+          <a:stretch>
+            <a:fillRect/>
+          </a:stretch>
+        </p:blipFill>
+        <p:spPr>
+          <a:xfrm>
+            <a:off x="3479872" y="1322432"/>
+            <a:ext cx="5545726" cy="5451411"/>
+          </a:xfrm>
+          <a:prstGeom prst="rect">
+            <a:avLst/>
+          </a:prstGeom>
+        </p:spPr>
+      </p:pic>
+    </p:spTree>
+    <p:extLst>
+      <p:ext uri="{BB962C8B-B14F-4D97-AF65-F5344CB8AC3E}">
+        <p14:creationId xmlns:p14="http://schemas.microsoft.com/office/powerpoint/2010/main" val="3287735247"/>
+      </p:ext>
+    </p:extLst>
+  </p:cSld>
+  <p:clrMapOvr>
+    <a:masterClrMapping/>
+  </p:clrMapOvr>
+</p:sld>
+</file>
+
+<file path=ppt/slides/slide36.xml><?xml version="1.0" encoding="utf-8"?>
+<p:sld xmlns:a="http://schemas.openxmlformats.org/drawingml/2006/main" xmlns:r="http://schemas.openxmlformats.org/officeDocument/2006/relationships" xmlns:p="http://schemas.openxmlformats.org/presentationml/2006/main">
+  <p:cSld>
+    <p:spTree>
+      <p:nvGrpSpPr>
+        <p:cNvPr id="1" name=""/>
+        <p:cNvGrpSpPr/>
+        <p:nvPr/>
+      </p:nvGrpSpPr>
+      <p:grpSpPr>
+        <a:xfrm>
+          <a:off x="0" y="0"/>
+          <a:ext cx="0" cy="0"/>
+          <a:chOff x="0" y="0"/>
+          <a:chExt cx="0" cy="0"/>
+        </a:xfrm>
+      </p:grpSpPr>
+      <p:sp>
+        <p:nvSpPr>
+          <p:cNvPr id="2" name="Title 1"/>
+          <p:cNvSpPr>
+            <a:spLocks noGrp="1"/>
+          </p:cNvSpPr>
+          <p:nvPr>
+            <p:ph type="title"/>
+          </p:nvPr>
+        </p:nvSpPr>
+        <p:spPr/>
+        <p:txBody>
+          <a:bodyPr/>
+          <a:lstStyle/>
+          <a:p>
+            <a:r>
+              <a:rPr lang="fr-FR" dirty="0"/>
               <a:t>Régression lasso</a:t>
             </a:r>
           </a:p>
@@ -12588,7 +12747,7 @@
           <a:p>
             <a:fld id="{18E746EB-9FA2-421E-BF58-AF3915BD22D4}" type="slidenum">
               <a:rPr lang="fr-FR" smtClean="0"/>
-              <a:t>35</a:t>
+              <a:t>36</a:t>
             </a:fld>
             <a:endParaRPr lang="fr-FR"/>
           </a:p>
@@ -12607,7 +12766,7 @@
 </p:sld>
 </file>
 
-<file path=ppt/slides/slide36.xml><?xml version="1.0" encoding="utf-8"?>
+<file path=ppt/slides/slide37.xml><?xml version="1.0" encoding="utf-8"?>
 <p:sld xmlns:a="http://schemas.openxmlformats.org/drawingml/2006/main" xmlns:r="http://schemas.openxmlformats.org/officeDocument/2006/relationships" xmlns:p="http://schemas.openxmlformats.org/presentationml/2006/main">
   <p:cSld>
     <p:spTree>
@@ -13480,7 +13639,7 @@
           <a:p>
             <a:fld id="{18E746EB-9FA2-421E-BF58-AF3915BD22D4}" type="slidenum">
               <a:rPr lang="fr-FR" smtClean="0"/>
-              <a:t>36</a:t>
+              <a:t>37</a:t>
             </a:fld>
             <a:endParaRPr lang="fr-FR"/>
           </a:p>
@@ -13490,213 +13649,6 @@
     <p:extLst>
       <p:ext uri="{BB962C8B-B14F-4D97-AF65-F5344CB8AC3E}">
         <p14:creationId xmlns:p14="http://schemas.microsoft.com/office/powerpoint/2010/main" val="105777448"/>
-      </p:ext>
-    </p:extLst>
-  </p:cSld>
-  <p:clrMapOvr>
-    <a:masterClrMapping/>
-  </p:clrMapOvr>
-</p:sld>
-</file>
-
-<file path=ppt/slides/slide37.xml><?xml version="1.0" encoding="utf-8"?>
-<p:sld xmlns:a="http://schemas.openxmlformats.org/drawingml/2006/main" xmlns:r="http://schemas.openxmlformats.org/officeDocument/2006/relationships" xmlns:p="http://schemas.openxmlformats.org/presentationml/2006/main">
-  <p:cSld>
-    <p:spTree>
-      <p:nvGrpSpPr>
-        <p:cNvPr id="1" name=""/>
-        <p:cNvGrpSpPr/>
-        <p:nvPr/>
-      </p:nvGrpSpPr>
-      <p:grpSpPr>
-        <a:xfrm>
-          <a:off x="0" y="0"/>
-          <a:ext cx="0" cy="0"/>
-          <a:chOff x="0" y="0"/>
-          <a:chExt cx="0" cy="0"/>
-        </a:xfrm>
-      </p:grpSpPr>
-      <p:sp>
-        <p:nvSpPr>
-          <p:cNvPr id="2" name="Title 1"/>
-          <p:cNvSpPr>
-            <a:spLocks noGrp="1"/>
-          </p:cNvSpPr>
-          <p:nvPr>
-            <p:ph type="title"/>
-          </p:nvPr>
-        </p:nvSpPr>
-        <p:spPr/>
-        <p:txBody>
-          <a:bodyPr/>
-          <a:lstStyle/>
-          <a:p>
-            <a:r>
-              <a:rPr lang="fr-FR" dirty="0"/>
-              <a:t>Régression lasso</a:t>
-            </a:r>
-          </a:p>
-        </p:txBody>
-      </p:sp>
-      <p:pic>
-        <p:nvPicPr>
-          <p:cNvPr id="7" name="Image 6">
-            <a:extLst>
-              <a:ext uri="{FF2B5EF4-FFF2-40B4-BE49-F238E27FC236}">
-                <a16:creationId xmlns:a16="http://schemas.microsoft.com/office/drawing/2014/main" id="{C0C03772-F650-4D22-92B4-E7E8DA9715AB}"/>
-              </a:ext>
-            </a:extLst>
-          </p:cNvPr>
-          <p:cNvPicPr>
-            <a:picLocks noChangeAspect="1"/>
-          </p:cNvPicPr>
-          <p:nvPr/>
-        </p:nvPicPr>
-        <p:blipFill>
-          <a:blip r:embed="rId2">
-            <a:extLst>
-              <a:ext uri="{28A0092B-C50C-407E-A947-70E740481C1C}">
-                <a14:useLocalDpi xmlns:a14="http://schemas.microsoft.com/office/drawing/2010/main" val="0"/>
-              </a:ext>
-            </a:extLst>
-          </a:blip>
-          <a:stretch>
-            <a:fillRect/>
-          </a:stretch>
-        </p:blipFill>
-        <p:spPr>
-          <a:xfrm>
-            <a:off x="6292582" y="1279757"/>
-            <a:ext cx="5705454" cy="5578243"/>
-          </a:xfrm>
-          <a:prstGeom prst="rect">
-            <a:avLst/>
-          </a:prstGeom>
-        </p:spPr>
-      </p:pic>
-      <p:pic>
-        <p:nvPicPr>
-          <p:cNvPr id="9" name="Image 8">
-            <a:extLst>
-              <a:ext uri="{FF2B5EF4-FFF2-40B4-BE49-F238E27FC236}">
-                <a16:creationId xmlns:a16="http://schemas.microsoft.com/office/drawing/2014/main" id="{3767313D-5709-4D23-A70D-E452A8ED7F76}"/>
-              </a:ext>
-            </a:extLst>
-          </p:cNvPr>
-          <p:cNvPicPr>
-            <a:picLocks noChangeAspect="1"/>
-          </p:cNvPicPr>
-          <p:nvPr/>
-        </p:nvPicPr>
-        <p:blipFill>
-          <a:blip r:embed="rId3">
-            <a:extLst>
-              <a:ext uri="{28A0092B-C50C-407E-A947-70E740481C1C}">
-                <a14:useLocalDpi xmlns:a14="http://schemas.microsoft.com/office/drawing/2010/main" val="0"/>
-              </a:ext>
-            </a:extLst>
-          </a:blip>
-          <a:stretch>
-            <a:fillRect/>
-          </a:stretch>
-        </p:blipFill>
-        <p:spPr>
-          <a:xfrm>
-            <a:off x="226538" y="1287110"/>
-            <a:ext cx="5633318" cy="5563536"/>
-          </a:xfrm>
-          <a:prstGeom prst="rect">
-            <a:avLst/>
-          </a:prstGeom>
-        </p:spPr>
-      </p:pic>
-      <p:sp>
-        <p:nvSpPr>
-          <p:cNvPr id="10" name="Espace réservé de la date 9">
-            <a:extLst>
-              <a:ext uri="{FF2B5EF4-FFF2-40B4-BE49-F238E27FC236}">
-                <a16:creationId xmlns:a16="http://schemas.microsoft.com/office/drawing/2014/main" id="{4B2335F1-643E-4467-9969-888152A434E3}"/>
-              </a:ext>
-            </a:extLst>
-          </p:cNvPr>
-          <p:cNvSpPr>
-            <a:spLocks noGrp="1"/>
-          </p:cNvSpPr>
-          <p:nvPr>
-            <p:ph type="dt" sz="half" idx="10"/>
-          </p:nvPr>
-        </p:nvSpPr>
-        <p:spPr/>
-        <p:txBody>
-          <a:bodyPr/>
-          <a:lstStyle/>
-          <a:p>
-            <a:fld id="{26BE60F4-F27A-4ED2-BDDB-9013C3335CD1}" type="datetime1">
-              <a:rPr lang="fr-FR" smtClean="0"/>
-              <a:t>20/04/2022</a:t>
-            </a:fld>
-            <a:endParaRPr lang="fr-FR"/>
-          </a:p>
-        </p:txBody>
-      </p:sp>
-      <p:sp>
-        <p:nvSpPr>
-          <p:cNvPr id="11" name="Espace réservé du pied de page 10">
-            <a:extLst>
-              <a:ext uri="{FF2B5EF4-FFF2-40B4-BE49-F238E27FC236}">
-                <a16:creationId xmlns:a16="http://schemas.microsoft.com/office/drawing/2014/main" id="{3205AA0A-9590-4E1A-9DD9-7C6F4420ABAA}"/>
-              </a:ext>
-            </a:extLst>
-          </p:cNvPr>
-          <p:cNvSpPr>
-            <a:spLocks noGrp="1"/>
-          </p:cNvSpPr>
-          <p:nvPr>
-            <p:ph type="ftr" sz="quarter" idx="11"/>
-          </p:nvPr>
-        </p:nvSpPr>
-        <p:spPr/>
-        <p:txBody>
-          <a:bodyPr/>
-          <a:lstStyle/>
-          <a:p>
-            <a:endParaRPr lang="fr-FR"/>
-          </a:p>
-        </p:txBody>
-      </p:sp>
-      <p:sp>
-        <p:nvSpPr>
-          <p:cNvPr id="12" name="Espace réservé du numéro de diapositive 11">
-            <a:extLst>
-              <a:ext uri="{FF2B5EF4-FFF2-40B4-BE49-F238E27FC236}">
-                <a16:creationId xmlns:a16="http://schemas.microsoft.com/office/drawing/2014/main" id="{B4984E3E-79FA-4422-8492-68644FF027FA}"/>
-              </a:ext>
-            </a:extLst>
-          </p:cNvPr>
-          <p:cNvSpPr>
-            <a:spLocks noGrp="1"/>
-          </p:cNvSpPr>
-          <p:nvPr>
-            <p:ph type="sldNum" sz="quarter" idx="12"/>
-          </p:nvPr>
-        </p:nvSpPr>
-        <p:spPr/>
-        <p:txBody>
-          <a:bodyPr/>
-          <a:lstStyle/>
-          <a:p>
-            <a:fld id="{18E746EB-9FA2-421E-BF58-AF3915BD22D4}" type="slidenum">
-              <a:rPr lang="fr-FR" smtClean="0"/>
-              <a:t>37</a:t>
-            </a:fld>
-            <a:endParaRPr lang="fr-FR"/>
-          </a:p>
-        </p:txBody>
-      </p:sp>
-    </p:spTree>
-    <p:extLst>
-      <p:ext uri="{BB962C8B-B14F-4D97-AF65-F5344CB8AC3E}">
-        <p14:creationId xmlns:p14="http://schemas.microsoft.com/office/powerpoint/2010/main" val="2569350135"/>
       </p:ext>
     </p:extLst>
   </p:cSld>
@@ -13739,86 +13691,18 @@
           <a:lstStyle/>
           <a:p>
             <a:r>
-              <a:rPr lang="fr-FR" dirty="0" err="1"/>
-              <a:t>Elastic</a:t>
-            </a:r>
-            <a:r>
               <a:rPr lang="fr-FR" dirty="0"/>
-              <a:t> Net</a:t>
-            </a:r>
-          </a:p>
-        </p:txBody>
-      </p:sp>
-      <p:sp>
-        <p:nvSpPr>
-          <p:cNvPr id="5" name="Content Placeholder 2">
-            <a:extLst>
-              <a:ext uri="{FF2B5EF4-FFF2-40B4-BE49-F238E27FC236}">
-                <a16:creationId xmlns:a16="http://schemas.microsoft.com/office/drawing/2014/main" id="{0534EAC9-9DE6-4F7A-A01A-1065905E5F67}"/>
-              </a:ext>
-            </a:extLst>
-          </p:cNvPr>
-          <p:cNvSpPr>
-            <a:spLocks noGrp="1"/>
-          </p:cNvSpPr>
-          <p:nvPr>
-            <p:ph idx="1"/>
-          </p:nvPr>
-        </p:nvSpPr>
-        <p:spPr>
-          <a:xfrm>
-            <a:off x="838200" y="1825624"/>
-            <a:ext cx="10515600" cy="1771016"/>
-          </a:xfrm>
-        </p:spPr>
-        <p:txBody>
-          <a:bodyPr>
-            <a:normAutofit/>
-          </a:bodyPr>
-          <a:lstStyle/>
-          <a:p>
-            <a:r>
-              <a:rPr lang="fr-FR" dirty="0"/>
-              <a:t>Il s’agit d’un compromis entre le </a:t>
-            </a:r>
-            <a:r>
-              <a:rPr lang="fr-FR" dirty="0" err="1"/>
-              <a:t>ridge</a:t>
-            </a:r>
-            <a:r>
-              <a:rPr lang="fr-FR" dirty="0"/>
-              <a:t> et le lasso</a:t>
-            </a:r>
-          </a:p>
-          <a:p>
-            <a:r>
-              <a:rPr lang="fr-FR" dirty="0"/>
-              <a:t>Il est plus performant mais nécessite plus de temps de calcul</a:t>
-            </a:r>
-          </a:p>
-          <a:p>
-            <a:r>
-              <a:rPr lang="fr-FR" dirty="0"/>
-              <a:t>Il a un terme de régularisation de la forme :</a:t>
-            </a:r>
-          </a:p>
-          <a:p>
-            <a:endParaRPr lang="fr-FR" dirty="0"/>
-          </a:p>
-          <a:p>
-            <a:endParaRPr lang="fr-FR" dirty="0"/>
-          </a:p>
-          <a:p>
-            <a:endParaRPr lang="fr-FR" dirty="0"/>
+              <a:t>Régression lasso</a:t>
+            </a:r>
           </a:p>
         </p:txBody>
       </p:sp>
       <p:pic>
         <p:nvPicPr>
-          <p:cNvPr id="9" name="Image 8">
-            <a:extLst>
-              <a:ext uri="{FF2B5EF4-FFF2-40B4-BE49-F238E27FC236}">
-                <a16:creationId xmlns:a16="http://schemas.microsoft.com/office/drawing/2014/main" id="{DB7ABE2D-256B-4872-9E5D-C2B2CA014D5D}"/>
+          <p:cNvPr id="7" name="Image 6">
+            <a:extLst>
+              <a:ext uri="{FF2B5EF4-FFF2-40B4-BE49-F238E27FC236}">
+                <a16:creationId xmlns:a16="http://schemas.microsoft.com/office/drawing/2014/main" id="{C0C03772-F650-4D22-92B4-E7E8DA9715AB}"/>
               </a:ext>
             </a:extLst>
           </p:cNvPr>
@@ -13841,20 +13725,56 @@
         </p:blipFill>
         <p:spPr>
           <a:xfrm>
-            <a:off x="4059419" y="3731576"/>
-            <a:ext cx="3675985" cy="1109134"/>
+            <a:off x="6292582" y="1279757"/>
+            <a:ext cx="5705454" cy="5578243"/>
           </a:xfrm>
           <a:prstGeom prst="rect">
             <a:avLst/>
           </a:prstGeom>
         </p:spPr>
       </p:pic>
+      <p:pic>
+        <p:nvPicPr>
+          <p:cNvPr id="9" name="Image 8">
+            <a:extLst>
+              <a:ext uri="{FF2B5EF4-FFF2-40B4-BE49-F238E27FC236}">
+                <a16:creationId xmlns:a16="http://schemas.microsoft.com/office/drawing/2014/main" id="{3767313D-5709-4D23-A70D-E452A8ED7F76}"/>
+              </a:ext>
+            </a:extLst>
+          </p:cNvPr>
+          <p:cNvPicPr>
+            <a:picLocks noChangeAspect="1"/>
+          </p:cNvPicPr>
+          <p:nvPr/>
+        </p:nvPicPr>
+        <p:blipFill>
+          <a:blip r:embed="rId3">
+            <a:extLst>
+              <a:ext uri="{28A0092B-C50C-407E-A947-70E740481C1C}">
+                <a14:useLocalDpi xmlns:a14="http://schemas.microsoft.com/office/drawing/2010/main" val="0"/>
+              </a:ext>
+            </a:extLst>
+          </a:blip>
+          <a:stretch>
+            <a:fillRect/>
+          </a:stretch>
+        </p:blipFill>
+        <p:spPr>
+          <a:xfrm>
+            <a:off x="226538" y="1287110"/>
+            <a:ext cx="5633318" cy="5563536"/>
+          </a:xfrm>
+          <a:prstGeom prst="rect">
+            <a:avLst/>
+          </a:prstGeom>
+        </p:spPr>
+      </p:pic>
       <p:sp>
         <p:nvSpPr>
           <p:cNvPr id="10" name="Espace réservé de la date 9">
             <a:extLst>
               <a:ext uri="{FF2B5EF4-FFF2-40B4-BE49-F238E27FC236}">
-                <a16:creationId xmlns:a16="http://schemas.microsoft.com/office/drawing/2014/main" id="{E40DC138-E91D-4E78-A26F-F9A824915B29}"/>
+                <a16:creationId xmlns:a16="http://schemas.microsoft.com/office/drawing/2014/main" id="{4B2335F1-643E-4467-9969-888152A434E3}"/>
               </a:ext>
             </a:extLst>
           </p:cNvPr>
@@ -13870,7 +13790,7 @@
           <a:bodyPr/>
           <a:lstStyle/>
           <a:p>
-            <a:fld id="{B3B73BE7-16BB-4FD3-84F0-D203D0524A03}" type="datetime1">
+            <a:fld id="{26BE60F4-F27A-4ED2-BDDB-9013C3335CD1}" type="datetime1">
               <a:rPr lang="fr-FR" smtClean="0"/>
               <a:t>20/04/2022</a:t>
             </a:fld>
@@ -13883,7 +13803,7 @@
           <p:cNvPr id="11" name="Espace réservé du pied de page 10">
             <a:extLst>
               <a:ext uri="{FF2B5EF4-FFF2-40B4-BE49-F238E27FC236}">
-                <a16:creationId xmlns:a16="http://schemas.microsoft.com/office/drawing/2014/main" id="{6737E17D-12FC-4AA8-A930-A20EE130FDC3}"/>
+                <a16:creationId xmlns:a16="http://schemas.microsoft.com/office/drawing/2014/main" id="{3205AA0A-9590-4E1A-9DD9-7C6F4420ABAA}"/>
               </a:ext>
             </a:extLst>
           </p:cNvPr>
@@ -13908,7 +13828,7 @@
           <p:cNvPr id="12" name="Espace réservé du numéro de diapositive 11">
             <a:extLst>
               <a:ext uri="{FF2B5EF4-FFF2-40B4-BE49-F238E27FC236}">
-                <a16:creationId xmlns:a16="http://schemas.microsoft.com/office/drawing/2014/main" id="{3357D831-3432-4A3D-BDB4-5CAFDC9B1C0C}"/>
+                <a16:creationId xmlns:a16="http://schemas.microsoft.com/office/drawing/2014/main" id="{B4984E3E-79FA-4422-8492-68644FF027FA}"/>
               </a:ext>
             </a:extLst>
           </p:cNvPr>
@@ -13935,7 +13855,7 @@
     </p:spTree>
     <p:extLst>
       <p:ext uri="{BB962C8B-B14F-4D97-AF65-F5344CB8AC3E}">
-        <p14:creationId xmlns:p14="http://schemas.microsoft.com/office/powerpoint/2010/main" val="1718123135"/>
+        <p14:creationId xmlns:p14="http://schemas.microsoft.com/office/powerpoint/2010/main" val="2569350135"/>
       </p:ext>
     </p:extLst>
   </p:cSld>
@@ -13978,822 +13898,18 @@
           <a:lstStyle/>
           <a:p>
             <a:r>
-              <a:rPr lang="fr-FR" dirty="0" err="1"/>
-              <a:t>Elastic</a:t>
-            </a:r>
-            <a:r>
               <a:rPr lang="fr-FR" dirty="0"/>
-              <a:t> Net</a:t>
-            </a:r>
-          </a:p>
-        </p:txBody>
-      </p:sp>
-      <p:graphicFrame>
-        <p:nvGraphicFramePr>
-          <p:cNvPr id="4" name="Tableau 7">
-            <a:extLst>
-              <a:ext uri="{FF2B5EF4-FFF2-40B4-BE49-F238E27FC236}">
-                <a16:creationId xmlns:a16="http://schemas.microsoft.com/office/drawing/2014/main" id="{926A0E53-603A-4FF4-AF02-9C7C1E8E6D36}"/>
-              </a:ext>
-            </a:extLst>
-          </p:cNvPr>
-          <p:cNvGraphicFramePr>
-            <a:graphicFrameLocks noGrp="1"/>
-          </p:cNvGraphicFramePr>
-          <p:nvPr>
-            <p:extLst>
-              <p:ext uri="{D42A27DB-BD31-4B8C-83A1-F6EECF244321}">
-                <p14:modId xmlns:p14="http://schemas.microsoft.com/office/powerpoint/2010/main" val="636338092"/>
-              </p:ext>
-            </p:extLst>
-          </p:nvPr>
-        </p:nvGraphicFramePr>
-        <p:xfrm>
-          <a:off x="1459758" y="2047240"/>
-          <a:ext cx="8993810" cy="1651000"/>
-        </p:xfrm>
-        <a:graphic>
-          <a:graphicData uri="http://schemas.openxmlformats.org/drawingml/2006/table">
-            <a:tbl>
-              <a:tblPr firstRow="1" bandRow="1">
-                <a:tableStyleId>{21E4AEA4-8DFA-4A89-87EB-49C32662AFE0}</a:tableStyleId>
-              </a:tblPr>
-              <a:tblGrid>
-                <a:gridCol w="1470992">
-                  <a:extLst>
-                    <a:ext uri="{9D8B030D-6E8A-4147-A177-3AD203B41FA5}">
-                      <a16:colId xmlns:a16="http://schemas.microsoft.com/office/drawing/2014/main" val="727879592"/>
-                    </a:ext>
-                  </a:extLst>
-                </a:gridCol>
-                <a:gridCol w="1298713">
-                  <a:extLst>
-                    <a:ext uri="{9D8B030D-6E8A-4147-A177-3AD203B41FA5}">
-                      <a16:colId xmlns:a16="http://schemas.microsoft.com/office/drawing/2014/main" val="2475621937"/>
-                    </a:ext>
-                  </a:extLst>
-                </a:gridCol>
-                <a:gridCol w="1431234">
-                  <a:extLst>
-                    <a:ext uri="{9D8B030D-6E8A-4147-A177-3AD203B41FA5}">
-                      <a16:colId xmlns:a16="http://schemas.microsoft.com/office/drawing/2014/main" val="1403251063"/>
-                    </a:ext>
-                  </a:extLst>
-                </a:gridCol>
-                <a:gridCol w="1272209">
-                  <a:extLst>
-                    <a:ext uri="{9D8B030D-6E8A-4147-A177-3AD203B41FA5}">
-                      <a16:colId xmlns:a16="http://schemas.microsoft.com/office/drawing/2014/main" val="4089579998"/>
-                    </a:ext>
-                  </a:extLst>
-                </a:gridCol>
-                <a:gridCol w="1152939">
-                  <a:extLst>
-                    <a:ext uri="{9D8B030D-6E8A-4147-A177-3AD203B41FA5}">
-                      <a16:colId xmlns:a16="http://schemas.microsoft.com/office/drawing/2014/main" val="656204279"/>
-                    </a:ext>
-                  </a:extLst>
-                </a:gridCol>
-                <a:gridCol w="1152939">
-                  <a:extLst>
-                    <a:ext uri="{9D8B030D-6E8A-4147-A177-3AD203B41FA5}">
-                      <a16:colId xmlns:a16="http://schemas.microsoft.com/office/drawing/2014/main" val="3174478739"/>
-                    </a:ext>
-                  </a:extLst>
-                </a:gridCol>
-                <a:gridCol w="1214784">
-                  <a:extLst>
-                    <a:ext uri="{9D8B030D-6E8A-4147-A177-3AD203B41FA5}">
-                      <a16:colId xmlns:a16="http://schemas.microsoft.com/office/drawing/2014/main" val="692697557"/>
-                    </a:ext>
-                  </a:extLst>
-                </a:gridCol>
-              </a:tblGrid>
-              <a:tr h="186924">
-                <a:tc>
-                  <a:txBody>
-                    <a:bodyPr/>
-                    <a:lstStyle/>
-                    <a:p>
-                      <a:pPr algn="ctr"/>
-                      <a:r>
-                        <a:rPr lang="fr-FR" dirty="0" err="1"/>
-                        <a:t>target</a:t>
-                      </a:r>
-                      <a:endParaRPr lang="fr-FR" dirty="0"/>
-                    </a:p>
-                  </a:txBody>
-                  <a:tcPr/>
-                </a:tc>
-                <a:tc>
-                  <a:txBody>
-                    <a:bodyPr/>
-                    <a:lstStyle/>
-                    <a:p>
-                      <a:pPr marL="0" marR="0" lvl="0" indent="0" algn="ctr" defTabSz="914400" rtl="0" eaLnBrk="1" fontAlgn="auto" latinLnBrk="0" hangingPunct="1">
-                        <a:lnSpc>
-                          <a:spcPct val="100000"/>
-                        </a:lnSpc>
-                        <a:spcBef>
-                          <a:spcPts val="0"/>
-                        </a:spcBef>
-                        <a:spcAft>
-                          <a:spcPts val="0"/>
-                        </a:spcAft>
-                        <a:buClrTx/>
-                        <a:buSzTx/>
-                        <a:buFontTx/>
-                        <a:buNone/>
-                        <a:tabLst/>
-                        <a:defRPr/>
-                      </a:pPr>
-                      <a:r>
-                        <a:rPr lang="fr-FR" dirty="0"/>
-                        <a:t>métrique</a:t>
-                      </a:r>
-                    </a:p>
-                  </a:txBody>
-                  <a:tcPr/>
-                </a:tc>
-                <a:tc>
-                  <a:txBody>
-                    <a:bodyPr/>
-                    <a:lstStyle/>
-                    <a:p>
-                      <a:pPr algn="ctr"/>
-                      <a:r>
-                        <a:rPr lang="fr-FR" dirty="0"/>
-                        <a:t>R2 (train)</a:t>
-                      </a:r>
-                    </a:p>
-                  </a:txBody>
-                  <a:tcPr/>
-                </a:tc>
-                <a:tc>
-                  <a:txBody>
-                    <a:bodyPr/>
-                    <a:lstStyle/>
-                    <a:p>
-                      <a:pPr algn="ctr"/>
-                      <a:r>
-                        <a:rPr lang="fr-FR" dirty="0"/>
-                        <a:t>R2 ( test )</a:t>
-                      </a:r>
-                    </a:p>
-                  </a:txBody>
-                  <a:tcPr/>
-                </a:tc>
-                <a:tc>
-                  <a:txBody>
-                    <a:bodyPr/>
-                    <a:lstStyle/>
-                    <a:p>
-                      <a:pPr algn="ctr"/>
-                      <a:r>
-                        <a:rPr lang="fr-FR" dirty="0"/>
-                        <a:t>RMSE (train)</a:t>
-                      </a:r>
-                    </a:p>
-                  </a:txBody>
-                  <a:tcPr/>
-                </a:tc>
-                <a:tc>
-                  <a:txBody>
-                    <a:bodyPr/>
-                    <a:lstStyle/>
-                    <a:p>
-                      <a:pPr algn="ctr"/>
-                      <a:r>
-                        <a:rPr lang="fr-FR" dirty="0"/>
-                        <a:t>RMSE (test)</a:t>
-                      </a:r>
-                    </a:p>
-                  </a:txBody>
-                  <a:tcPr/>
-                </a:tc>
-                <a:tc>
-                  <a:txBody>
-                    <a:bodyPr/>
-                    <a:lstStyle/>
-                    <a:p>
-                      <a:pPr algn="ctr"/>
-                      <a:r>
-                        <a:rPr lang="fr-FR" dirty="0"/>
-                        <a:t>TIME</a:t>
-                      </a:r>
-                    </a:p>
-                  </a:txBody>
-                  <a:tcPr/>
-                </a:tc>
-                <a:extLst>
-                  <a:ext uri="{0D108BD9-81ED-4DB2-BD59-A6C34878D82A}">
-                    <a16:rowId xmlns:a16="http://schemas.microsoft.com/office/drawing/2014/main" val="811562634"/>
-                  </a:ext>
-                </a:extLst>
-              </a:tr>
-              <a:tr h="370840">
-                <a:tc gridSpan="2">
-                  <a:txBody>
-                    <a:bodyPr/>
-                    <a:lstStyle/>
-                    <a:p>
-                      <a:pPr algn="ctr"/>
-                      <a:r>
-                        <a:rPr lang="fr-FR" dirty="0" err="1"/>
-                        <a:t>ghg_emission</a:t>
-                      </a:r>
-                      <a:endParaRPr lang="fr-FR" dirty="0"/>
-                    </a:p>
-                  </a:txBody>
-                  <a:tcPr/>
-                </a:tc>
-                <a:tc hMerge="1">
-                  <a:txBody>
-                    <a:bodyPr/>
-                    <a:lstStyle/>
-                    <a:p>
-                      <a:pPr algn="r" fontAlgn="ctr"/>
-                      <a:endParaRPr lang="fr-FR" dirty="0">
-                        <a:effectLst/>
-                      </a:endParaRPr>
-                    </a:p>
-                  </a:txBody>
-                  <a:tcPr anchor="ctr"/>
-                </a:tc>
-                <a:tc>
-                  <a:txBody>
-                    <a:bodyPr/>
-                    <a:lstStyle/>
-                    <a:p>
-                      <a:pPr marL="0" marR="0" lvl="0" indent="0" algn="r" defTabSz="914400" rtl="0" eaLnBrk="1" fontAlgn="ctr" latinLnBrk="0" hangingPunct="1">
-                        <a:lnSpc>
-                          <a:spcPct val="100000"/>
-                        </a:lnSpc>
-                        <a:spcBef>
-                          <a:spcPts val="0"/>
-                        </a:spcBef>
-                        <a:spcAft>
-                          <a:spcPts val="0"/>
-                        </a:spcAft>
-                        <a:buClrTx/>
-                        <a:buSzTx/>
-                        <a:buFontTx/>
-                        <a:buNone/>
-                        <a:tabLst/>
-                        <a:defRPr/>
-                      </a:pPr>
-                      <a:r>
-                        <a:rPr lang="fr-FR" dirty="0">
-                          <a:effectLst/>
-                        </a:rPr>
-                        <a:t>0.68076</a:t>
-                      </a:r>
-                    </a:p>
-                  </a:txBody>
-                  <a:tcPr anchor="ctr"/>
-                </a:tc>
-                <a:tc>
-                  <a:txBody>
-                    <a:bodyPr/>
-                    <a:lstStyle/>
-                    <a:p>
-                      <a:pPr marL="0" marR="0" lvl="0" indent="0" algn="r" defTabSz="914400" rtl="0" eaLnBrk="1" fontAlgn="ctr" latinLnBrk="0" hangingPunct="1">
-                        <a:lnSpc>
-                          <a:spcPct val="100000"/>
-                        </a:lnSpc>
-                        <a:spcBef>
-                          <a:spcPts val="0"/>
-                        </a:spcBef>
-                        <a:spcAft>
-                          <a:spcPts val="0"/>
-                        </a:spcAft>
-                        <a:buClrTx/>
-                        <a:buSzTx/>
-                        <a:buFontTx/>
-                        <a:buNone/>
-                        <a:tabLst/>
-                        <a:defRPr/>
-                      </a:pPr>
-                      <a:r>
-                        <a:rPr lang="fr-FR" dirty="0">
-                          <a:effectLst/>
-                        </a:rPr>
-                        <a:t>0.54005</a:t>
-                      </a:r>
-                    </a:p>
-                  </a:txBody>
-                  <a:tcPr anchor="ctr"/>
-                </a:tc>
-                <a:tc>
-                  <a:txBody>
-                    <a:bodyPr/>
-                    <a:lstStyle/>
-                    <a:p>
-                      <a:pPr marL="0" marR="0" lvl="0" indent="0" algn="r" defTabSz="914400" rtl="0" eaLnBrk="1" fontAlgn="ctr" latinLnBrk="0" hangingPunct="1">
-                        <a:lnSpc>
-                          <a:spcPct val="100000"/>
-                        </a:lnSpc>
-                        <a:spcBef>
-                          <a:spcPts val="0"/>
-                        </a:spcBef>
-                        <a:spcAft>
-                          <a:spcPts val="0"/>
-                        </a:spcAft>
-                        <a:buClrTx/>
-                        <a:buSzTx/>
-                        <a:buFontTx/>
-                        <a:buNone/>
-                        <a:tabLst/>
-                        <a:defRPr/>
-                      </a:pPr>
-                      <a:r>
-                        <a:rPr lang="fr-FR" dirty="0">
-                          <a:effectLst/>
-                        </a:rPr>
-                        <a:t>65.44264</a:t>
-                      </a:r>
-                    </a:p>
-                  </a:txBody>
-                  <a:tcPr anchor="ctr"/>
-                </a:tc>
-                <a:tc>
-                  <a:txBody>
-                    <a:bodyPr/>
-                    <a:lstStyle/>
-                    <a:p>
-                      <a:pPr marL="0" marR="0" lvl="0" indent="0" algn="r" defTabSz="914400" rtl="0" eaLnBrk="1" fontAlgn="ctr" latinLnBrk="0" hangingPunct="1">
-                        <a:lnSpc>
-                          <a:spcPct val="100000"/>
-                        </a:lnSpc>
-                        <a:spcBef>
-                          <a:spcPts val="0"/>
-                        </a:spcBef>
-                        <a:spcAft>
-                          <a:spcPts val="0"/>
-                        </a:spcAft>
-                        <a:buClrTx/>
-                        <a:buSzTx/>
-                        <a:buFontTx/>
-                        <a:buNone/>
-                        <a:tabLst/>
-                        <a:defRPr/>
-                      </a:pPr>
-                      <a:r>
-                        <a:rPr lang="fr-FR" dirty="0">
-                          <a:effectLst/>
-                        </a:rPr>
-                        <a:t>80.29402</a:t>
-                      </a:r>
-                    </a:p>
-                  </a:txBody>
-                  <a:tcPr anchor="ctr"/>
-                </a:tc>
-                <a:tc>
-                  <a:txBody>
-                    <a:bodyPr/>
-                    <a:lstStyle/>
-                    <a:p>
-                      <a:pPr marL="0" marR="0" lvl="0" indent="0" algn="ctr" defTabSz="914400" rtl="0" eaLnBrk="1" fontAlgn="auto" latinLnBrk="0" hangingPunct="1">
-                        <a:lnSpc>
-                          <a:spcPct val="100000"/>
-                        </a:lnSpc>
-                        <a:spcBef>
-                          <a:spcPts val="0"/>
-                        </a:spcBef>
-                        <a:spcAft>
-                          <a:spcPts val="0"/>
-                        </a:spcAft>
-                        <a:buClrTx/>
-                        <a:buSzTx/>
-                        <a:buFontTx/>
-                        <a:buNone/>
-                        <a:tabLst/>
-                        <a:defRPr/>
-                      </a:pPr>
-                      <a:r>
-                        <a:rPr lang="fr-FR" dirty="0">
-                          <a:effectLst/>
-                        </a:rPr>
-                        <a:t> 7.23s</a:t>
-                      </a:r>
-                    </a:p>
-                  </a:txBody>
-                  <a:tcPr/>
-                </a:tc>
-                <a:extLst>
-                  <a:ext uri="{0D108BD9-81ED-4DB2-BD59-A6C34878D82A}">
-                    <a16:rowId xmlns:a16="http://schemas.microsoft.com/office/drawing/2014/main" val="3950724550"/>
-                  </a:ext>
-                </a:extLst>
-              </a:tr>
-              <a:tr h="370840">
-                <a:tc gridSpan="2">
-                  <a:txBody>
-                    <a:bodyPr/>
-                    <a:lstStyle/>
-                    <a:p>
-                      <a:pPr algn="ctr"/>
-                      <a:r>
-                        <a:rPr lang="fr-FR" dirty="0" err="1"/>
-                        <a:t>energy_use</a:t>
-                      </a:r>
-                      <a:endParaRPr lang="fr-FR" dirty="0"/>
-                    </a:p>
-                  </a:txBody>
-                  <a:tcPr/>
-                </a:tc>
-                <a:tc hMerge="1">
-                  <a:txBody>
-                    <a:bodyPr/>
-                    <a:lstStyle/>
-                    <a:p>
-                      <a:pPr algn="ctr"/>
-                      <a:endParaRPr lang="fr-FR" dirty="0"/>
-                    </a:p>
-                  </a:txBody>
-                  <a:tcPr/>
-                </a:tc>
-                <a:tc>
-                  <a:txBody>
-                    <a:bodyPr/>
-                    <a:lstStyle/>
-                    <a:p>
-                      <a:pPr algn="r" fontAlgn="ctr"/>
-                      <a:r>
-                        <a:rPr lang="fr-FR" dirty="0">
-                          <a:effectLst/>
-                        </a:rPr>
-                        <a:t>0.70249</a:t>
-                      </a:r>
-                    </a:p>
-                  </a:txBody>
-                  <a:tcPr anchor="ctr"/>
-                </a:tc>
-                <a:tc>
-                  <a:txBody>
-                    <a:bodyPr/>
-                    <a:lstStyle/>
-                    <a:p>
-                      <a:pPr algn="r" fontAlgn="ctr"/>
-                      <a:r>
-                        <a:rPr lang="fr-FR" dirty="0">
-                          <a:effectLst/>
-                        </a:rPr>
-                        <a:t>0.55927</a:t>
-                      </a:r>
-                    </a:p>
-                  </a:txBody>
-                  <a:tcPr anchor="ctr"/>
-                </a:tc>
-                <a:tc>
-                  <a:txBody>
-                    <a:bodyPr/>
-                    <a:lstStyle/>
-                    <a:p>
-                      <a:pPr algn="r" fontAlgn="ctr"/>
-                      <a:r>
-                        <a:rPr lang="fr-FR" dirty="0">
-                          <a:effectLst/>
-                        </a:rPr>
-                        <a:t>2.59831e+06</a:t>
-                      </a:r>
-                    </a:p>
-                  </a:txBody>
-                  <a:tcPr anchor="ctr"/>
-                </a:tc>
-                <a:tc>
-                  <a:txBody>
-                    <a:bodyPr/>
-                    <a:lstStyle/>
-                    <a:p>
-                      <a:pPr algn="r" fontAlgn="ctr"/>
-                      <a:r>
-                        <a:rPr lang="fr-FR" dirty="0">
-                          <a:effectLst/>
-                        </a:rPr>
-                        <a:t>3.06016e+06</a:t>
-                      </a:r>
-                    </a:p>
-                  </a:txBody>
-                  <a:tcPr anchor="ctr"/>
-                </a:tc>
-                <a:tc>
-                  <a:txBody>
-                    <a:bodyPr/>
-                    <a:lstStyle/>
-                    <a:p>
-                      <a:pPr algn="r" fontAlgn="ctr"/>
-                      <a:r>
-                        <a:rPr lang="fr-FR" dirty="0">
-                          <a:effectLst/>
-                        </a:rPr>
-                        <a:t>7.95s</a:t>
-                      </a:r>
-                    </a:p>
-                  </a:txBody>
-                  <a:tcPr anchor="ctr"/>
-                </a:tc>
-                <a:extLst>
-                  <a:ext uri="{0D108BD9-81ED-4DB2-BD59-A6C34878D82A}">
-                    <a16:rowId xmlns:a16="http://schemas.microsoft.com/office/drawing/2014/main" val="3805496893"/>
-                  </a:ext>
-                </a:extLst>
-              </a:tr>
-            </a:tbl>
-          </a:graphicData>
-        </a:graphic>
-      </p:graphicFrame>
-      <p:graphicFrame>
-        <p:nvGraphicFramePr>
-          <p:cNvPr id="5" name="Tableau 10">
-            <a:extLst>
-              <a:ext uri="{FF2B5EF4-FFF2-40B4-BE49-F238E27FC236}">
-                <a16:creationId xmlns:a16="http://schemas.microsoft.com/office/drawing/2014/main" id="{0D795CC9-F032-4707-914B-9D21F029751A}"/>
-              </a:ext>
-            </a:extLst>
-          </p:cNvPr>
-          <p:cNvGraphicFramePr>
-            <a:graphicFrameLocks noGrp="1"/>
-          </p:cNvGraphicFramePr>
-          <p:nvPr>
-            <p:extLst>
-              <p:ext uri="{D42A27DB-BD31-4B8C-83A1-F6EECF244321}">
-                <p14:modId xmlns:p14="http://schemas.microsoft.com/office/powerpoint/2010/main" val="157219224"/>
-              </p:ext>
-            </p:extLst>
-          </p:nvPr>
-        </p:nvGraphicFramePr>
-        <p:xfrm>
-          <a:off x="2032000" y="4400995"/>
-          <a:ext cx="8128000" cy="1381760"/>
-        </p:xfrm>
-        <a:graphic>
-          <a:graphicData uri="http://schemas.openxmlformats.org/drawingml/2006/table">
-            <a:tbl>
-              <a:tblPr firstRow="1" bandRow="1">
-                <a:tableStyleId>{5C22544A-7EE6-4342-B048-85BDC9FD1C3A}</a:tableStyleId>
-              </a:tblPr>
-              <a:tblGrid>
-                <a:gridCol w="2032000">
-                  <a:extLst>
-                    <a:ext uri="{9D8B030D-6E8A-4147-A177-3AD203B41FA5}">
-                      <a16:colId xmlns:a16="http://schemas.microsoft.com/office/drawing/2014/main" val="2865707289"/>
-                    </a:ext>
-                  </a:extLst>
-                </a:gridCol>
-                <a:gridCol w="2032000">
-                  <a:extLst>
-                    <a:ext uri="{9D8B030D-6E8A-4147-A177-3AD203B41FA5}">
-                      <a16:colId xmlns:a16="http://schemas.microsoft.com/office/drawing/2014/main" val="1956121448"/>
-                    </a:ext>
-                  </a:extLst>
-                </a:gridCol>
-                <a:gridCol w="2032000">
-                  <a:extLst>
-                    <a:ext uri="{9D8B030D-6E8A-4147-A177-3AD203B41FA5}">
-                      <a16:colId xmlns:a16="http://schemas.microsoft.com/office/drawing/2014/main" val="3825044815"/>
-                    </a:ext>
-                  </a:extLst>
-                </a:gridCol>
-                <a:gridCol w="2032000">
-                  <a:extLst>
-                    <a:ext uri="{9D8B030D-6E8A-4147-A177-3AD203B41FA5}">
-                      <a16:colId xmlns:a16="http://schemas.microsoft.com/office/drawing/2014/main" val="1712764435"/>
-                    </a:ext>
-                  </a:extLst>
-                </a:gridCol>
-              </a:tblGrid>
-              <a:tr h="370840">
-                <a:tc>
-                  <a:txBody>
-                    <a:bodyPr/>
-                    <a:lstStyle/>
-                    <a:p>
-                      <a:pPr algn="ctr"/>
-                      <a:r>
-                        <a:rPr lang="fr-FR" dirty="0"/>
-                        <a:t>Target</a:t>
-                      </a:r>
-                    </a:p>
-                    <a:p>
-                      <a:pPr algn="ctr"/>
-                      <a:r>
-                        <a:rPr lang="fr-FR" dirty="0"/>
-                        <a:t>(↓)</a:t>
-                      </a:r>
-                    </a:p>
-                  </a:txBody>
-                  <a:tcPr/>
-                </a:tc>
-                <a:tc>
-                  <a:txBody>
-                    <a:bodyPr/>
-                    <a:lstStyle/>
-                    <a:p>
-                      <a:pPr marL="0" marR="0" lvl="0" indent="0" algn="ctr" defTabSz="914400" rtl="0" eaLnBrk="1" fontAlgn="auto" latinLnBrk="0" hangingPunct="1">
-                        <a:lnSpc>
-                          <a:spcPct val="100000"/>
-                        </a:lnSpc>
-                        <a:spcBef>
-                          <a:spcPts val="0"/>
-                        </a:spcBef>
-                        <a:spcAft>
-                          <a:spcPts val="0"/>
-                        </a:spcAft>
-                        <a:buClrTx/>
-                        <a:buSzTx/>
-                        <a:buFontTx/>
-                        <a:buNone/>
-                        <a:tabLst/>
-                        <a:defRPr/>
-                      </a:pPr>
-                      <a:r>
-                        <a:rPr lang="fr-FR" dirty="0"/>
-                        <a:t>Hyperparamètre</a:t>
-                      </a:r>
-                    </a:p>
-                    <a:p>
-                      <a:pPr algn="ctr"/>
-                      <a:r>
-                        <a:rPr lang="fr-FR" dirty="0"/>
-                        <a:t>(→)</a:t>
-                      </a:r>
-                    </a:p>
-                  </a:txBody>
-                  <a:tcPr/>
-                </a:tc>
-                <a:tc>
-                  <a:txBody>
-                    <a:bodyPr/>
-                    <a:lstStyle/>
-                    <a:p>
-                      <a:pPr algn="ctr"/>
-                      <a:r>
-                        <a:rPr lang="fr-FR" dirty="0"/>
-                        <a:t>alpha</a:t>
-                      </a:r>
-                    </a:p>
-                  </a:txBody>
-                  <a:tcPr/>
-                </a:tc>
-                <a:tc>
-                  <a:txBody>
-                    <a:bodyPr/>
-                    <a:lstStyle/>
-                    <a:p>
-                      <a:pPr algn="ctr"/>
-                      <a:r>
-                        <a:rPr lang="fr-FR" dirty="0"/>
-                        <a:t>l1_ratio</a:t>
-                      </a:r>
-                    </a:p>
-                  </a:txBody>
-                  <a:tcPr/>
-                </a:tc>
-                <a:extLst>
-                  <a:ext uri="{0D108BD9-81ED-4DB2-BD59-A6C34878D82A}">
-                    <a16:rowId xmlns:a16="http://schemas.microsoft.com/office/drawing/2014/main" val="2001316301"/>
-                  </a:ext>
-                </a:extLst>
-              </a:tr>
-              <a:tr h="370840">
-                <a:tc gridSpan="2">
-                  <a:txBody>
-                    <a:bodyPr/>
-                    <a:lstStyle/>
-                    <a:p>
-                      <a:pPr algn="ctr"/>
-                      <a:r>
-                        <a:rPr lang="fr-FR" dirty="0" err="1"/>
-                        <a:t>ghg_emission</a:t>
-                      </a:r>
-                      <a:endParaRPr lang="fr-FR" dirty="0"/>
-                    </a:p>
-                  </a:txBody>
-                  <a:tcPr/>
-                </a:tc>
-                <a:tc hMerge="1">
-                  <a:txBody>
-                    <a:bodyPr/>
-                    <a:lstStyle/>
-                    <a:p>
-                      <a:endParaRPr lang="fr-FR"/>
-                    </a:p>
-                  </a:txBody>
-                  <a:tcPr/>
-                </a:tc>
-                <a:tc>
-                  <a:txBody>
-                    <a:bodyPr/>
-                    <a:lstStyle/>
-                    <a:p>
-                      <a:pPr algn="r" fontAlgn="ctr"/>
-                      <a:r>
-                        <a:rPr lang="fr-FR" dirty="0">
-                          <a:effectLst/>
-                        </a:rPr>
-                        <a:t>0.00139</a:t>
-                      </a:r>
-                    </a:p>
-                  </a:txBody>
-                  <a:tcPr anchor="ctr"/>
-                </a:tc>
-                <a:tc>
-                  <a:txBody>
-                    <a:bodyPr/>
-                    <a:lstStyle/>
-                    <a:p>
-                      <a:pPr algn="r" fontAlgn="ctr"/>
-                      <a:r>
-                        <a:rPr lang="fr-FR" dirty="0">
-                          <a:effectLst/>
-                        </a:rPr>
-                        <a:t>0.00139</a:t>
-                      </a:r>
-                    </a:p>
-                  </a:txBody>
-                  <a:tcPr anchor="ctr"/>
-                </a:tc>
-                <a:extLst>
-                  <a:ext uri="{0D108BD9-81ED-4DB2-BD59-A6C34878D82A}">
-                    <a16:rowId xmlns:a16="http://schemas.microsoft.com/office/drawing/2014/main" val="3157124058"/>
-                  </a:ext>
-                </a:extLst>
-              </a:tr>
-              <a:tr h="370840">
-                <a:tc gridSpan="2">
-                  <a:txBody>
-                    <a:bodyPr/>
-                    <a:lstStyle/>
-                    <a:p>
-                      <a:pPr algn="ctr"/>
-                      <a:r>
-                        <a:rPr lang="fr-FR" dirty="0" err="1"/>
-                        <a:t>energy_use</a:t>
-                      </a:r>
-                      <a:endParaRPr lang="fr-FR" dirty="0"/>
-                    </a:p>
-                  </a:txBody>
-                  <a:tcPr/>
-                </a:tc>
-                <a:tc hMerge="1">
-                  <a:txBody>
-                    <a:bodyPr/>
-                    <a:lstStyle/>
-                    <a:p>
-                      <a:endParaRPr lang="fr-FR"/>
-                    </a:p>
-                  </a:txBody>
-                  <a:tcPr/>
-                </a:tc>
-                <a:tc>
-                  <a:txBody>
-                    <a:bodyPr/>
-                    <a:lstStyle/>
-                    <a:p>
-                      <a:pPr algn="r" fontAlgn="ctr"/>
-                      <a:r>
-                        <a:rPr lang="fr-FR" dirty="0">
-                          <a:effectLst/>
-                        </a:rPr>
-                        <a:t>0.00139</a:t>
-                      </a:r>
-                    </a:p>
-                  </a:txBody>
-                  <a:tcPr anchor="ctr"/>
-                </a:tc>
-                <a:tc>
-                  <a:txBody>
-                    <a:bodyPr/>
-                    <a:lstStyle/>
-                    <a:p>
-                      <a:pPr algn="r" fontAlgn="ctr"/>
-                      <a:r>
-                        <a:rPr lang="fr-FR" dirty="0">
-                          <a:effectLst/>
-                        </a:rPr>
-                        <a:t>0.0001</a:t>
-                      </a:r>
-                    </a:p>
-                  </a:txBody>
-                  <a:tcPr anchor="ctr"/>
-                </a:tc>
-                <a:extLst>
-                  <a:ext uri="{0D108BD9-81ED-4DB2-BD59-A6C34878D82A}">
-                    <a16:rowId xmlns:a16="http://schemas.microsoft.com/office/drawing/2014/main" val="102075428"/>
-                  </a:ext>
-                </a:extLst>
-              </a:tr>
-            </a:tbl>
-          </a:graphicData>
-        </a:graphic>
-      </p:graphicFrame>
-      <p:sp>
-        <p:nvSpPr>
-          <p:cNvPr id="3" name="Espace réservé de la date 2">
-            <a:extLst>
-              <a:ext uri="{FF2B5EF4-FFF2-40B4-BE49-F238E27FC236}">
-                <a16:creationId xmlns:a16="http://schemas.microsoft.com/office/drawing/2014/main" id="{C418BDDF-1D66-4CB1-8ECB-919ECB98B7EB}"/>
+              <a:t>Régression lasso</a:t>
+            </a:r>
+          </a:p>
+        </p:txBody>
+      </p:sp>
+      <p:sp>
+        <p:nvSpPr>
+          <p:cNvPr id="10" name="Espace réservé de la date 9">
+            <a:extLst>
+              <a:ext uri="{FF2B5EF4-FFF2-40B4-BE49-F238E27FC236}">
+                <a16:creationId xmlns:a16="http://schemas.microsoft.com/office/drawing/2014/main" id="{4B2335F1-643E-4467-9969-888152A434E3}"/>
               </a:ext>
             </a:extLst>
           </p:cNvPr>
@@ -14809,7 +13925,7 @@
           <a:bodyPr/>
           <a:lstStyle/>
           <a:p>
-            <a:fld id="{B6E6044D-9D6E-4AB8-B5BF-9F876BCF2F8B}" type="datetime1">
+            <a:fld id="{26BE60F4-F27A-4ED2-BDDB-9013C3335CD1}" type="datetime1">
               <a:rPr lang="fr-FR" smtClean="0"/>
               <a:t>20/04/2022</a:t>
             </a:fld>
@@ -14819,10 +13935,10 @@
       </p:sp>
       <p:sp>
         <p:nvSpPr>
-          <p:cNvPr id="6" name="Espace réservé du pied de page 5">
-            <a:extLst>
-              <a:ext uri="{FF2B5EF4-FFF2-40B4-BE49-F238E27FC236}">
-                <a16:creationId xmlns:a16="http://schemas.microsoft.com/office/drawing/2014/main" id="{DD929CDB-174A-499B-B985-50FAB1022946}"/>
+          <p:cNvPr id="11" name="Espace réservé du pied de page 10">
+            <a:extLst>
+              <a:ext uri="{FF2B5EF4-FFF2-40B4-BE49-F238E27FC236}">
+                <a16:creationId xmlns:a16="http://schemas.microsoft.com/office/drawing/2014/main" id="{3205AA0A-9590-4E1A-9DD9-7C6F4420ABAA}"/>
               </a:ext>
             </a:extLst>
           </p:cNvPr>
@@ -14844,10 +13960,10 @@
       </p:sp>
       <p:sp>
         <p:nvSpPr>
-          <p:cNvPr id="7" name="Espace réservé du numéro de diapositive 6">
-            <a:extLst>
-              <a:ext uri="{FF2B5EF4-FFF2-40B4-BE49-F238E27FC236}">
-                <a16:creationId xmlns:a16="http://schemas.microsoft.com/office/drawing/2014/main" id="{6033E9FC-BC44-4F76-9566-ADB2DB9E7D42}"/>
+          <p:cNvPr id="12" name="Espace réservé du numéro de diapositive 11">
+            <a:extLst>
+              <a:ext uri="{FF2B5EF4-FFF2-40B4-BE49-F238E27FC236}">
+                <a16:creationId xmlns:a16="http://schemas.microsoft.com/office/drawing/2014/main" id="{B4984E3E-79FA-4422-8492-68644FF027FA}"/>
               </a:ext>
             </a:extLst>
           </p:cNvPr>
@@ -14871,10 +13987,46 @@
           </a:p>
         </p:txBody>
       </p:sp>
+      <p:pic>
+        <p:nvPicPr>
+          <p:cNvPr id="4" name="Image 3">
+            <a:extLst>
+              <a:ext uri="{FF2B5EF4-FFF2-40B4-BE49-F238E27FC236}">
+                <a16:creationId xmlns:a16="http://schemas.microsoft.com/office/drawing/2014/main" id="{27F46A08-C48B-4818-9ACD-D0D9DAD5B5ED}"/>
+              </a:ext>
+            </a:extLst>
+          </p:cNvPr>
+          <p:cNvPicPr>
+            <a:picLocks noChangeAspect="1"/>
+          </p:cNvPicPr>
+          <p:nvPr/>
+        </p:nvPicPr>
+        <p:blipFill>
+          <a:blip r:embed="rId2">
+            <a:extLst>
+              <a:ext uri="{28A0092B-C50C-407E-A947-70E740481C1C}">
+                <a14:useLocalDpi xmlns:a14="http://schemas.microsoft.com/office/drawing/2010/main" val="0"/>
+              </a:ext>
+            </a:extLst>
+          </a:blip>
+          <a:stretch>
+            <a:fillRect/>
+          </a:stretch>
+        </p:blipFill>
+        <p:spPr>
+          <a:xfrm>
+            <a:off x="3581400" y="1390354"/>
+            <a:ext cx="5533060" cy="5438960"/>
+          </a:xfrm>
+          <a:prstGeom prst="rect">
+            <a:avLst/>
+          </a:prstGeom>
+        </p:spPr>
+      </p:pic>
     </p:spTree>
     <p:extLst>
       <p:ext uri="{BB962C8B-B14F-4D97-AF65-F5344CB8AC3E}">
-        <p14:creationId xmlns:p14="http://schemas.microsoft.com/office/powerpoint/2010/main" val="1524990851"/>
+        <p14:creationId xmlns:p14="http://schemas.microsoft.com/office/powerpoint/2010/main" val="4245558004"/>
       </p:ext>
     </p:extLst>
   </p:cSld>
@@ -15354,6 +14506,1184 @@
           </a:p>
         </p:txBody>
       </p:sp>
+      <p:sp>
+        <p:nvSpPr>
+          <p:cNvPr id="5" name="Content Placeholder 2">
+            <a:extLst>
+              <a:ext uri="{FF2B5EF4-FFF2-40B4-BE49-F238E27FC236}">
+                <a16:creationId xmlns:a16="http://schemas.microsoft.com/office/drawing/2014/main" id="{0534EAC9-9DE6-4F7A-A01A-1065905E5F67}"/>
+              </a:ext>
+            </a:extLst>
+          </p:cNvPr>
+          <p:cNvSpPr>
+            <a:spLocks noGrp="1"/>
+          </p:cNvSpPr>
+          <p:nvPr>
+            <p:ph idx="1"/>
+          </p:nvPr>
+        </p:nvSpPr>
+        <p:spPr>
+          <a:xfrm>
+            <a:off x="838200" y="1825624"/>
+            <a:ext cx="10515600" cy="1771016"/>
+          </a:xfrm>
+        </p:spPr>
+        <p:txBody>
+          <a:bodyPr>
+            <a:normAutofit/>
+          </a:bodyPr>
+          <a:lstStyle/>
+          <a:p>
+            <a:r>
+              <a:rPr lang="fr-FR" dirty="0"/>
+              <a:t>Il s’agit d’un compromis entre le </a:t>
+            </a:r>
+            <a:r>
+              <a:rPr lang="fr-FR" dirty="0" err="1"/>
+              <a:t>ridge</a:t>
+            </a:r>
+            <a:r>
+              <a:rPr lang="fr-FR" dirty="0"/>
+              <a:t> et le lasso</a:t>
+            </a:r>
+          </a:p>
+          <a:p>
+            <a:r>
+              <a:rPr lang="fr-FR" dirty="0"/>
+              <a:t>Il est plus performant mais nécessite plus de temps de calcul</a:t>
+            </a:r>
+          </a:p>
+          <a:p>
+            <a:r>
+              <a:rPr lang="fr-FR" dirty="0"/>
+              <a:t>Il a un terme de régularisation de la forme :</a:t>
+            </a:r>
+          </a:p>
+          <a:p>
+            <a:endParaRPr lang="fr-FR" dirty="0"/>
+          </a:p>
+          <a:p>
+            <a:endParaRPr lang="fr-FR" dirty="0"/>
+          </a:p>
+          <a:p>
+            <a:endParaRPr lang="fr-FR" dirty="0"/>
+          </a:p>
+        </p:txBody>
+      </p:sp>
+      <p:pic>
+        <p:nvPicPr>
+          <p:cNvPr id="9" name="Image 8">
+            <a:extLst>
+              <a:ext uri="{FF2B5EF4-FFF2-40B4-BE49-F238E27FC236}">
+                <a16:creationId xmlns:a16="http://schemas.microsoft.com/office/drawing/2014/main" id="{DB7ABE2D-256B-4872-9E5D-C2B2CA014D5D}"/>
+              </a:ext>
+            </a:extLst>
+          </p:cNvPr>
+          <p:cNvPicPr>
+            <a:picLocks noChangeAspect="1"/>
+          </p:cNvPicPr>
+          <p:nvPr/>
+        </p:nvPicPr>
+        <p:blipFill>
+          <a:blip r:embed="rId2">
+            <a:extLst>
+              <a:ext uri="{28A0092B-C50C-407E-A947-70E740481C1C}">
+                <a14:useLocalDpi xmlns:a14="http://schemas.microsoft.com/office/drawing/2010/main" val="0"/>
+              </a:ext>
+            </a:extLst>
+          </a:blip>
+          <a:stretch>
+            <a:fillRect/>
+          </a:stretch>
+        </p:blipFill>
+        <p:spPr>
+          <a:xfrm>
+            <a:off x="4059419" y="3731576"/>
+            <a:ext cx="3675985" cy="1109134"/>
+          </a:xfrm>
+          <a:prstGeom prst="rect">
+            <a:avLst/>
+          </a:prstGeom>
+        </p:spPr>
+      </p:pic>
+      <p:sp>
+        <p:nvSpPr>
+          <p:cNvPr id="10" name="Espace réservé de la date 9">
+            <a:extLst>
+              <a:ext uri="{FF2B5EF4-FFF2-40B4-BE49-F238E27FC236}">
+                <a16:creationId xmlns:a16="http://schemas.microsoft.com/office/drawing/2014/main" id="{E40DC138-E91D-4E78-A26F-F9A824915B29}"/>
+              </a:ext>
+            </a:extLst>
+          </p:cNvPr>
+          <p:cNvSpPr>
+            <a:spLocks noGrp="1"/>
+          </p:cNvSpPr>
+          <p:nvPr>
+            <p:ph type="dt" sz="half" idx="10"/>
+          </p:nvPr>
+        </p:nvSpPr>
+        <p:spPr/>
+        <p:txBody>
+          <a:bodyPr/>
+          <a:lstStyle/>
+          <a:p>
+            <a:fld id="{B3B73BE7-16BB-4FD3-84F0-D203D0524A03}" type="datetime1">
+              <a:rPr lang="fr-FR" smtClean="0"/>
+              <a:t>20/04/2022</a:t>
+            </a:fld>
+            <a:endParaRPr lang="fr-FR"/>
+          </a:p>
+        </p:txBody>
+      </p:sp>
+      <p:sp>
+        <p:nvSpPr>
+          <p:cNvPr id="11" name="Espace réservé du pied de page 10">
+            <a:extLst>
+              <a:ext uri="{FF2B5EF4-FFF2-40B4-BE49-F238E27FC236}">
+                <a16:creationId xmlns:a16="http://schemas.microsoft.com/office/drawing/2014/main" id="{6737E17D-12FC-4AA8-A930-A20EE130FDC3}"/>
+              </a:ext>
+            </a:extLst>
+          </p:cNvPr>
+          <p:cNvSpPr>
+            <a:spLocks noGrp="1"/>
+          </p:cNvSpPr>
+          <p:nvPr>
+            <p:ph type="ftr" sz="quarter" idx="11"/>
+          </p:nvPr>
+        </p:nvSpPr>
+        <p:spPr/>
+        <p:txBody>
+          <a:bodyPr/>
+          <a:lstStyle/>
+          <a:p>
+            <a:endParaRPr lang="fr-FR"/>
+          </a:p>
+        </p:txBody>
+      </p:sp>
+      <p:sp>
+        <p:nvSpPr>
+          <p:cNvPr id="12" name="Espace réservé du numéro de diapositive 11">
+            <a:extLst>
+              <a:ext uri="{FF2B5EF4-FFF2-40B4-BE49-F238E27FC236}">
+                <a16:creationId xmlns:a16="http://schemas.microsoft.com/office/drawing/2014/main" id="{3357D831-3432-4A3D-BDB4-5CAFDC9B1C0C}"/>
+              </a:ext>
+            </a:extLst>
+          </p:cNvPr>
+          <p:cNvSpPr>
+            <a:spLocks noGrp="1"/>
+          </p:cNvSpPr>
+          <p:nvPr>
+            <p:ph type="sldNum" sz="quarter" idx="12"/>
+          </p:nvPr>
+        </p:nvSpPr>
+        <p:spPr/>
+        <p:txBody>
+          <a:bodyPr/>
+          <a:lstStyle/>
+          <a:p>
+            <a:fld id="{18E746EB-9FA2-421E-BF58-AF3915BD22D4}" type="slidenum">
+              <a:rPr lang="fr-FR" smtClean="0"/>
+              <a:t>40</a:t>
+            </a:fld>
+            <a:endParaRPr lang="fr-FR"/>
+          </a:p>
+        </p:txBody>
+      </p:sp>
+    </p:spTree>
+    <p:extLst>
+      <p:ext uri="{BB962C8B-B14F-4D97-AF65-F5344CB8AC3E}">
+        <p14:creationId xmlns:p14="http://schemas.microsoft.com/office/powerpoint/2010/main" val="1718123135"/>
+      </p:ext>
+    </p:extLst>
+  </p:cSld>
+  <p:clrMapOvr>
+    <a:masterClrMapping/>
+  </p:clrMapOvr>
+</p:sld>
+</file>
+
+<file path=ppt/slides/slide41.xml><?xml version="1.0" encoding="utf-8"?>
+<p:sld xmlns:a="http://schemas.openxmlformats.org/drawingml/2006/main" xmlns:r="http://schemas.openxmlformats.org/officeDocument/2006/relationships" xmlns:p="http://schemas.openxmlformats.org/presentationml/2006/main">
+  <p:cSld>
+    <p:spTree>
+      <p:nvGrpSpPr>
+        <p:cNvPr id="1" name=""/>
+        <p:cNvGrpSpPr/>
+        <p:nvPr/>
+      </p:nvGrpSpPr>
+      <p:grpSpPr>
+        <a:xfrm>
+          <a:off x="0" y="0"/>
+          <a:ext cx="0" cy="0"/>
+          <a:chOff x="0" y="0"/>
+          <a:chExt cx="0" cy="0"/>
+        </a:xfrm>
+      </p:grpSpPr>
+      <p:sp>
+        <p:nvSpPr>
+          <p:cNvPr id="2" name="Title 1"/>
+          <p:cNvSpPr>
+            <a:spLocks noGrp="1"/>
+          </p:cNvSpPr>
+          <p:nvPr>
+            <p:ph type="title"/>
+          </p:nvPr>
+        </p:nvSpPr>
+        <p:spPr/>
+        <p:txBody>
+          <a:bodyPr/>
+          <a:lstStyle/>
+          <a:p>
+            <a:r>
+              <a:rPr lang="fr-FR" dirty="0" err="1"/>
+              <a:t>Elastic</a:t>
+            </a:r>
+            <a:r>
+              <a:rPr lang="fr-FR" dirty="0"/>
+              <a:t> Net</a:t>
+            </a:r>
+          </a:p>
+        </p:txBody>
+      </p:sp>
+      <p:graphicFrame>
+        <p:nvGraphicFramePr>
+          <p:cNvPr id="4" name="Tableau 7">
+            <a:extLst>
+              <a:ext uri="{FF2B5EF4-FFF2-40B4-BE49-F238E27FC236}">
+                <a16:creationId xmlns:a16="http://schemas.microsoft.com/office/drawing/2014/main" id="{926A0E53-603A-4FF4-AF02-9C7C1E8E6D36}"/>
+              </a:ext>
+            </a:extLst>
+          </p:cNvPr>
+          <p:cNvGraphicFramePr>
+            <a:graphicFrameLocks noGrp="1"/>
+          </p:cNvGraphicFramePr>
+          <p:nvPr>
+            <p:extLst>
+              <p:ext uri="{D42A27DB-BD31-4B8C-83A1-F6EECF244321}">
+                <p14:modId xmlns:p14="http://schemas.microsoft.com/office/powerpoint/2010/main" val="636338092"/>
+              </p:ext>
+            </p:extLst>
+          </p:nvPr>
+        </p:nvGraphicFramePr>
+        <p:xfrm>
+          <a:off x="1459758" y="2047240"/>
+          <a:ext cx="8993810" cy="1651000"/>
+        </p:xfrm>
+        <a:graphic>
+          <a:graphicData uri="http://schemas.openxmlformats.org/drawingml/2006/table">
+            <a:tbl>
+              <a:tblPr firstRow="1" bandRow="1">
+                <a:tableStyleId>{21E4AEA4-8DFA-4A89-87EB-49C32662AFE0}</a:tableStyleId>
+              </a:tblPr>
+              <a:tblGrid>
+                <a:gridCol w="1470992">
+                  <a:extLst>
+                    <a:ext uri="{9D8B030D-6E8A-4147-A177-3AD203B41FA5}">
+                      <a16:colId xmlns:a16="http://schemas.microsoft.com/office/drawing/2014/main" val="727879592"/>
+                    </a:ext>
+                  </a:extLst>
+                </a:gridCol>
+                <a:gridCol w="1298713">
+                  <a:extLst>
+                    <a:ext uri="{9D8B030D-6E8A-4147-A177-3AD203B41FA5}">
+                      <a16:colId xmlns:a16="http://schemas.microsoft.com/office/drawing/2014/main" val="2475621937"/>
+                    </a:ext>
+                  </a:extLst>
+                </a:gridCol>
+                <a:gridCol w="1431234">
+                  <a:extLst>
+                    <a:ext uri="{9D8B030D-6E8A-4147-A177-3AD203B41FA5}">
+                      <a16:colId xmlns:a16="http://schemas.microsoft.com/office/drawing/2014/main" val="1403251063"/>
+                    </a:ext>
+                  </a:extLst>
+                </a:gridCol>
+                <a:gridCol w="1272209">
+                  <a:extLst>
+                    <a:ext uri="{9D8B030D-6E8A-4147-A177-3AD203B41FA5}">
+                      <a16:colId xmlns:a16="http://schemas.microsoft.com/office/drawing/2014/main" val="4089579998"/>
+                    </a:ext>
+                  </a:extLst>
+                </a:gridCol>
+                <a:gridCol w="1152939">
+                  <a:extLst>
+                    <a:ext uri="{9D8B030D-6E8A-4147-A177-3AD203B41FA5}">
+                      <a16:colId xmlns:a16="http://schemas.microsoft.com/office/drawing/2014/main" val="656204279"/>
+                    </a:ext>
+                  </a:extLst>
+                </a:gridCol>
+                <a:gridCol w="1152939">
+                  <a:extLst>
+                    <a:ext uri="{9D8B030D-6E8A-4147-A177-3AD203B41FA5}">
+                      <a16:colId xmlns:a16="http://schemas.microsoft.com/office/drawing/2014/main" val="3174478739"/>
+                    </a:ext>
+                  </a:extLst>
+                </a:gridCol>
+                <a:gridCol w="1214784">
+                  <a:extLst>
+                    <a:ext uri="{9D8B030D-6E8A-4147-A177-3AD203B41FA5}">
+                      <a16:colId xmlns:a16="http://schemas.microsoft.com/office/drawing/2014/main" val="692697557"/>
+                    </a:ext>
+                  </a:extLst>
+                </a:gridCol>
+              </a:tblGrid>
+              <a:tr h="186924">
+                <a:tc>
+                  <a:txBody>
+                    <a:bodyPr/>
+                    <a:lstStyle/>
+                    <a:p>
+                      <a:pPr algn="ctr"/>
+                      <a:r>
+                        <a:rPr lang="fr-FR" dirty="0" err="1"/>
+                        <a:t>target</a:t>
+                      </a:r>
+                      <a:endParaRPr lang="fr-FR" dirty="0"/>
+                    </a:p>
+                  </a:txBody>
+                  <a:tcPr/>
+                </a:tc>
+                <a:tc>
+                  <a:txBody>
+                    <a:bodyPr/>
+                    <a:lstStyle/>
+                    <a:p>
+                      <a:pPr marL="0" marR="0" lvl="0" indent="0" algn="ctr" defTabSz="914400" rtl="0" eaLnBrk="1" fontAlgn="auto" latinLnBrk="0" hangingPunct="1">
+                        <a:lnSpc>
+                          <a:spcPct val="100000"/>
+                        </a:lnSpc>
+                        <a:spcBef>
+                          <a:spcPts val="0"/>
+                        </a:spcBef>
+                        <a:spcAft>
+                          <a:spcPts val="0"/>
+                        </a:spcAft>
+                        <a:buClrTx/>
+                        <a:buSzTx/>
+                        <a:buFontTx/>
+                        <a:buNone/>
+                        <a:tabLst/>
+                        <a:defRPr/>
+                      </a:pPr>
+                      <a:r>
+                        <a:rPr lang="fr-FR" dirty="0"/>
+                        <a:t>métrique</a:t>
+                      </a:r>
+                    </a:p>
+                  </a:txBody>
+                  <a:tcPr/>
+                </a:tc>
+                <a:tc>
+                  <a:txBody>
+                    <a:bodyPr/>
+                    <a:lstStyle/>
+                    <a:p>
+                      <a:pPr algn="ctr"/>
+                      <a:r>
+                        <a:rPr lang="fr-FR" dirty="0"/>
+                        <a:t>R2 (train)</a:t>
+                      </a:r>
+                    </a:p>
+                  </a:txBody>
+                  <a:tcPr/>
+                </a:tc>
+                <a:tc>
+                  <a:txBody>
+                    <a:bodyPr/>
+                    <a:lstStyle/>
+                    <a:p>
+                      <a:pPr algn="ctr"/>
+                      <a:r>
+                        <a:rPr lang="fr-FR" dirty="0"/>
+                        <a:t>R2 ( test )</a:t>
+                      </a:r>
+                    </a:p>
+                  </a:txBody>
+                  <a:tcPr/>
+                </a:tc>
+                <a:tc>
+                  <a:txBody>
+                    <a:bodyPr/>
+                    <a:lstStyle/>
+                    <a:p>
+                      <a:pPr algn="ctr"/>
+                      <a:r>
+                        <a:rPr lang="fr-FR" dirty="0"/>
+                        <a:t>RMSE (train)</a:t>
+                      </a:r>
+                    </a:p>
+                  </a:txBody>
+                  <a:tcPr/>
+                </a:tc>
+                <a:tc>
+                  <a:txBody>
+                    <a:bodyPr/>
+                    <a:lstStyle/>
+                    <a:p>
+                      <a:pPr algn="ctr"/>
+                      <a:r>
+                        <a:rPr lang="fr-FR" dirty="0"/>
+                        <a:t>RMSE (test)</a:t>
+                      </a:r>
+                    </a:p>
+                  </a:txBody>
+                  <a:tcPr/>
+                </a:tc>
+                <a:tc>
+                  <a:txBody>
+                    <a:bodyPr/>
+                    <a:lstStyle/>
+                    <a:p>
+                      <a:pPr algn="ctr"/>
+                      <a:r>
+                        <a:rPr lang="fr-FR" dirty="0"/>
+                        <a:t>TIME</a:t>
+                      </a:r>
+                    </a:p>
+                  </a:txBody>
+                  <a:tcPr/>
+                </a:tc>
+                <a:extLst>
+                  <a:ext uri="{0D108BD9-81ED-4DB2-BD59-A6C34878D82A}">
+                    <a16:rowId xmlns:a16="http://schemas.microsoft.com/office/drawing/2014/main" val="811562634"/>
+                  </a:ext>
+                </a:extLst>
+              </a:tr>
+              <a:tr h="370840">
+                <a:tc gridSpan="2">
+                  <a:txBody>
+                    <a:bodyPr/>
+                    <a:lstStyle/>
+                    <a:p>
+                      <a:pPr algn="ctr"/>
+                      <a:r>
+                        <a:rPr lang="fr-FR" dirty="0" err="1"/>
+                        <a:t>ghg_emission</a:t>
+                      </a:r>
+                      <a:endParaRPr lang="fr-FR" dirty="0"/>
+                    </a:p>
+                  </a:txBody>
+                  <a:tcPr/>
+                </a:tc>
+                <a:tc hMerge="1">
+                  <a:txBody>
+                    <a:bodyPr/>
+                    <a:lstStyle/>
+                    <a:p>
+                      <a:pPr algn="r" fontAlgn="ctr"/>
+                      <a:endParaRPr lang="fr-FR" dirty="0">
+                        <a:effectLst/>
+                      </a:endParaRPr>
+                    </a:p>
+                  </a:txBody>
+                  <a:tcPr anchor="ctr"/>
+                </a:tc>
+                <a:tc>
+                  <a:txBody>
+                    <a:bodyPr/>
+                    <a:lstStyle/>
+                    <a:p>
+                      <a:pPr marL="0" marR="0" lvl="0" indent="0" algn="r" defTabSz="914400" rtl="0" eaLnBrk="1" fontAlgn="ctr" latinLnBrk="0" hangingPunct="1">
+                        <a:lnSpc>
+                          <a:spcPct val="100000"/>
+                        </a:lnSpc>
+                        <a:spcBef>
+                          <a:spcPts val="0"/>
+                        </a:spcBef>
+                        <a:spcAft>
+                          <a:spcPts val="0"/>
+                        </a:spcAft>
+                        <a:buClrTx/>
+                        <a:buSzTx/>
+                        <a:buFontTx/>
+                        <a:buNone/>
+                        <a:tabLst/>
+                        <a:defRPr/>
+                      </a:pPr>
+                      <a:r>
+                        <a:rPr lang="fr-FR" dirty="0">
+                          <a:effectLst/>
+                        </a:rPr>
+                        <a:t>0.68076</a:t>
+                      </a:r>
+                    </a:p>
+                  </a:txBody>
+                  <a:tcPr anchor="ctr"/>
+                </a:tc>
+                <a:tc>
+                  <a:txBody>
+                    <a:bodyPr/>
+                    <a:lstStyle/>
+                    <a:p>
+                      <a:pPr marL="0" marR="0" lvl="0" indent="0" algn="r" defTabSz="914400" rtl="0" eaLnBrk="1" fontAlgn="ctr" latinLnBrk="0" hangingPunct="1">
+                        <a:lnSpc>
+                          <a:spcPct val="100000"/>
+                        </a:lnSpc>
+                        <a:spcBef>
+                          <a:spcPts val="0"/>
+                        </a:spcBef>
+                        <a:spcAft>
+                          <a:spcPts val="0"/>
+                        </a:spcAft>
+                        <a:buClrTx/>
+                        <a:buSzTx/>
+                        <a:buFontTx/>
+                        <a:buNone/>
+                        <a:tabLst/>
+                        <a:defRPr/>
+                      </a:pPr>
+                      <a:r>
+                        <a:rPr lang="fr-FR" dirty="0">
+                          <a:effectLst/>
+                        </a:rPr>
+                        <a:t>0.54005</a:t>
+                      </a:r>
+                    </a:p>
+                  </a:txBody>
+                  <a:tcPr anchor="ctr"/>
+                </a:tc>
+                <a:tc>
+                  <a:txBody>
+                    <a:bodyPr/>
+                    <a:lstStyle/>
+                    <a:p>
+                      <a:pPr marL="0" marR="0" lvl="0" indent="0" algn="r" defTabSz="914400" rtl="0" eaLnBrk="1" fontAlgn="ctr" latinLnBrk="0" hangingPunct="1">
+                        <a:lnSpc>
+                          <a:spcPct val="100000"/>
+                        </a:lnSpc>
+                        <a:spcBef>
+                          <a:spcPts val="0"/>
+                        </a:spcBef>
+                        <a:spcAft>
+                          <a:spcPts val="0"/>
+                        </a:spcAft>
+                        <a:buClrTx/>
+                        <a:buSzTx/>
+                        <a:buFontTx/>
+                        <a:buNone/>
+                        <a:tabLst/>
+                        <a:defRPr/>
+                      </a:pPr>
+                      <a:r>
+                        <a:rPr lang="fr-FR" dirty="0">
+                          <a:effectLst/>
+                        </a:rPr>
+                        <a:t>65.44264</a:t>
+                      </a:r>
+                    </a:p>
+                  </a:txBody>
+                  <a:tcPr anchor="ctr"/>
+                </a:tc>
+                <a:tc>
+                  <a:txBody>
+                    <a:bodyPr/>
+                    <a:lstStyle/>
+                    <a:p>
+                      <a:pPr marL="0" marR="0" lvl="0" indent="0" algn="r" defTabSz="914400" rtl="0" eaLnBrk="1" fontAlgn="ctr" latinLnBrk="0" hangingPunct="1">
+                        <a:lnSpc>
+                          <a:spcPct val="100000"/>
+                        </a:lnSpc>
+                        <a:spcBef>
+                          <a:spcPts val="0"/>
+                        </a:spcBef>
+                        <a:spcAft>
+                          <a:spcPts val="0"/>
+                        </a:spcAft>
+                        <a:buClrTx/>
+                        <a:buSzTx/>
+                        <a:buFontTx/>
+                        <a:buNone/>
+                        <a:tabLst/>
+                        <a:defRPr/>
+                      </a:pPr>
+                      <a:r>
+                        <a:rPr lang="fr-FR" dirty="0">
+                          <a:effectLst/>
+                        </a:rPr>
+                        <a:t>80.29402</a:t>
+                      </a:r>
+                    </a:p>
+                  </a:txBody>
+                  <a:tcPr anchor="ctr"/>
+                </a:tc>
+                <a:tc>
+                  <a:txBody>
+                    <a:bodyPr/>
+                    <a:lstStyle/>
+                    <a:p>
+                      <a:pPr marL="0" marR="0" lvl="0" indent="0" algn="ctr" defTabSz="914400" rtl="0" eaLnBrk="1" fontAlgn="auto" latinLnBrk="0" hangingPunct="1">
+                        <a:lnSpc>
+                          <a:spcPct val="100000"/>
+                        </a:lnSpc>
+                        <a:spcBef>
+                          <a:spcPts val="0"/>
+                        </a:spcBef>
+                        <a:spcAft>
+                          <a:spcPts val="0"/>
+                        </a:spcAft>
+                        <a:buClrTx/>
+                        <a:buSzTx/>
+                        <a:buFontTx/>
+                        <a:buNone/>
+                        <a:tabLst/>
+                        <a:defRPr/>
+                      </a:pPr>
+                      <a:r>
+                        <a:rPr lang="fr-FR" dirty="0">
+                          <a:effectLst/>
+                        </a:rPr>
+                        <a:t> 7.23s</a:t>
+                      </a:r>
+                    </a:p>
+                  </a:txBody>
+                  <a:tcPr/>
+                </a:tc>
+                <a:extLst>
+                  <a:ext uri="{0D108BD9-81ED-4DB2-BD59-A6C34878D82A}">
+                    <a16:rowId xmlns:a16="http://schemas.microsoft.com/office/drawing/2014/main" val="3950724550"/>
+                  </a:ext>
+                </a:extLst>
+              </a:tr>
+              <a:tr h="370840">
+                <a:tc gridSpan="2">
+                  <a:txBody>
+                    <a:bodyPr/>
+                    <a:lstStyle/>
+                    <a:p>
+                      <a:pPr algn="ctr"/>
+                      <a:r>
+                        <a:rPr lang="fr-FR" dirty="0" err="1"/>
+                        <a:t>energy_use</a:t>
+                      </a:r>
+                      <a:endParaRPr lang="fr-FR" dirty="0"/>
+                    </a:p>
+                  </a:txBody>
+                  <a:tcPr/>
+                </a:tc>
+                <a:tc hMerge="1">
+                  <a:txBody>
+                    <a:bodyPr/>
+                    <a:lstStyle/>
+                    <a:p>
+                      <a:pPr algn="ctr"/>
+                      <a:endParaRPr lang="fr-FR" dirty="0"/>
+                    </a:p>
+                  </a:txBody>
+                  <a:tcPr/>
+                </a:tc>
+                <a:tc>
+                  <a:txBody>
+                    <a:bodyPr/>
+                    <a:lstStyle/>
+                    <a:p>
+                      <a:pPr algn="r" fontAlgn="ctr"/>
+                      <a:r>
+                        <a:rPr lang="fr-FR" dirty="0">
+                          <a:effectLst/>
+                        </a:rPr>
+                        <a:t>0.70249</a:t>
+                      </a:r>
+                    </a:p>
+                  </a:txBody>
+                  <a:tcPr anchor="ctr"/>
+                </a:tc>
+                <a:tc>
+                  <a:txBody>
+                    <a:bodyPr/>
+                    <a:lstStyle/>
+                    <a:p>
+                      <a:pPr algn="r" fontAlgn="ctr"/>
+                      <a:r>
+                        <a:rPr lang="fr-FR" dirty="0">
+                          <a:effectLst/>
+                        </a:rPr>
+                        <a:t>0.55927</a:t>
+                      </a:r>
+                    </a:p>
+                  </a:txBody>
+                  <a:tcPr anchor="ctr"/>
+                </a:tc>
+                <a:tc>
+                  <a:txBody>
+                    <a:bodyPr/>
+                    <a:lstStyle/>
+                    <a:p>
+                      <a:pPr algn="r" fontAlgn="ctr"/>
+                      <a:r>
+                        <a:rPr lang="fr-FR" dirty="0">
+                          <a:effectLst/>
+                        </a:rPr>
+                        <a:t>2.59831e+06</a:t>
+                      </a:r>
+                    </a:p>
+                  </a:txBody>
+                  <a:tcPr anchor="ctr"/>
+                </a:tc>
+                <a:tc>
+                  <a:txBody>
+                    <a:bodyPr/>
+                    <a:lstStyle/>
+                    <a:p>
+                      <a:pPr algn="r" fontAlgn="ctr"/>
+                      <a:r>
+                        <a:rPr lang="fr-FR" dirty="0">
+                          <a:effectLst/>
+                        </a:rPr>
+                        <a:t>3.06016e+06</a:t>
+                      </a:r>
+                    </a:p>
+                  </a:txBody>
+                  <a:tcPr anchor="ctr"/>
+                </a:tc>
+                <a:tc>
+                  <a:txBody>
+                    <a:bodyPr/>
+                    <a:lstStyle/>
+                    <a:p>
+                      <a:pPr algn="r" fontAlgn="ctr"/>
+                      <a:r>
+                        <a:rPr lang="fr-FR" dirty="0">
+                          <a:effectLst/>
+                        </a:rPr>
+                        <a:t>7.95s</a:t>
+                      </a:r>
+                    </a:p>
+                  </a:txBody>
+                  <a:tcPr anchor="ctr"/>
+                </a:tc>
+                <a:extLst>
+                  <a:ext uri="{0D108BD9-81ED-4DB2-BD59-A6C34878D82A}">
+                    <a16:rowId xmlns:a16="http://schemas.microsoft.com/office/drawing/2014/main" val="3805496893"/>
+                  </a:ext>
+                </a:extLst>
+              </a:tr>
+            </a:tbl>
+          </a:graphicData>
+        </a:graphic>
+      </p:graphicFrame>
+      <p:graphicFrame>
+        <p:nvGraphicFramePr>
+          <p:cNvPr id="5" name="Tableau 10">
+            <a:extLst>
+              <a:ext uri="{FF2B5EF4-FFF2-40B4-BE49-F238E27FC236}">
+                <a16:creationId xmlns:a16="http://schemas.microsoft.com/office/drawing/2014/main" id="{0D795CC9-F032-4707-914B-9D21F029751A}"/>
+              </a:ext>
+            </a:extLst>
+          </p:cNvPr>
+          <p:cNvGraphicFramePr>
+            <a:graphicFrameLocks noGrp="1"/>
+          </p:cNvGraphicFramePr>
+          <p:nvPr>
+            <p:extLst>
+              <p:ext uri="{D42A27DB-BD31-4B8C-83A1-F6EECF244321}">
+                <p14:modId xmlns:p14="http://schemas.microsoft.com/office/powerpoint/2010/main" val="157219224"/>
+              </p:ext>
+            </p:extLst>
+          </p:nvPr>
+        </p:nvGraphicFramePr>
+        <p:xfrm>
+          <a:off x="2032000" y="4400995"/>
+          <a:ext cx="8128000" cy="1381760"/>
+        </p:xfrm>
+        <a:graphic>
+          <a:graphicData uri="http://schemas.openxmlformats.org/drawingml/2006/table">
+            <a:tbl>
+              <a:tblPr firstRow="1" bandRow="1">
+                <a:tableStyleId>{5C22544A-7EE6-4342-B048-85BDC9FD1C3A}</a:tableStyleId>
+              </a:tblPr>
+              <a:tblGrid>
+                <a:gridCol w="2032000">
+                  <a:extLst>
+                    <a:ext uri="{9D8B030D-6E8A-4147-A177-3AD203B41FA5}">
+                      <a16:colId xmlns:a16="http://schemas.microsoft.com/office/drawing/2014/main" val="2865707289"/>
+                    </a:ext>
+                  </a:extLst>
+                </a:gridCol>
+                <a:gridCol w="2032000">
+                  <a:extLst>
+                    <a:ext uri="{9D8B030D-6E8A-4147-A177-3AD203B41FA5}">
+                      <a16:colId xmlns:a16="http://schemas.microsoft.com/office/drawing/2014/main" val="1956121448"/>
+                    </a:ext>
+                  </a:extLst>
+                </a:gridCol>
+                <a:gridCol w="2032000">
+                  <a:extLst>
+                    <a:ext uri="{9D8B030D-6E8A-4147-A177-3AD203B41FA5}">
+                      <a16:colId xmlns:a16="http://schemas.microsoft.com/office/drawing/2014/main" val="3825044815"/>
+                    </a:ext>
+                  </a:extLst>
+                </a:gridCol>
+                <a:gridCol w="2032000">
+                  <a:extLst>
+                    <a:ext uri="{9D8B030D-6E8A-4147-A177-3AD203B41FA5}">
+                      <a16:colId xmlns:a16="http://schemas.microsoft.com/office/drawing/2014/main" val="1712764435"/>
+                    </a:ext>
+                  </a:extLst>
+                </a:gridCol>
+              </a:tblGrid>
+              <a:tr h="370840">
+                <a:tc>
+                  <a:txBody>
+                    <a:bodyPr/>
+                    <a:lstStyle/>
+                    <a:p>
+                      <a:pPr algn="ctr"/>
+                      <a:r>
+                        <a:rPr lang="fr-FR" dirty="0"/>
+                        <a:t>Target</a:t>
+                      </a:r>
+                    </a:p>
+                    <a:p>
+                      <a:pPr algn="ctr"/>
+                      <a:r>
+                        <a:rPr lang="fr-FR" dirty="0"/>
+                        <a:t>(↓)</a:t>
+                      </a:r>
+                    </a:p>
+                  </a:txBody>
+                  <a:tcPr/>
+                </a:tc>
+                <a:tc>
+                  <a:txBody>
+                    <a:bodyPr/>
+                    <a:lstStyle/>
+                    <a:p>
+                      <a:pPr marL="0" marR="0" lvl="0" indent="0" algn="ctr" defTabSz="914400" rtl="0" eaLnBrk="1" fontAlgn="auto" latinLnBrk="0" hangingPunct="1">
+                        <a:lnSpc>
+                          <a:spcPct val="100000"/>
+                        </a:lnSpc>
+                        <a:spcBef>
+                          <a:spcPts val="0"/>
+                        </a:spcBef>
+                        <a:spcAft>
+                          <a:spcPts val="0"/>
+                        </a:spcAft>
+                        <a:buClrTx/>
+                        <a:buSzTx/>
+                        <a:buFontTx/>
+                        <a:buNone/>
+                        <a:tabLst/>
+                        <a:defRPr/>
+                      </a:pPr>
+                      <a:r>
+                        <a:rPr lang="fr-FR" dirty="0"/>
+                        <a:t>Hyperparamètre</a:t>
+                      </a:r>
+                    </a:p>
+                    <a:p>
+                      <a:pPr algn="ctr"/>
+                      <a:r>
+                        <a:rPr lang="fr-FR" dirty="0"/>
+                        <a:t>(→)</a:t>
+                      </a:r>
+                    </a:p>
+                  </a:txBody>
+                  <a:tcPr/>
+                </a:tc>
+                <a:tc>
+                  <a:txBody>
+                    <a:bodyPr/>
+                    <a:lstStyle/>
+                    <a:p>
+                      <a:pPr algn="ctr"/>
+                      <a:r>
+                        <a:rPr lang="fr-FR" dirty="0"/>
+                        <a:t>alpha</a:t>
+                      </a:r>
+                    </a:p>
+                  </a:txBody>
+                  <a:tcPr/>
+                </a:tc>
+                <a:tc>
+                  <a:txBody>
+                    <a:bodyPr/>
+                    <a:lstStyle/>
+                    <a:p>
+                      <a:pPr algn="ctr"/>
+                      <a:r>
+                        <a:rPr lang="fr-FR" dirty="0"/>
+                        <a:t>l1_ratio</a:t>
+                      </a:r>
+                    </a:p>
+                  </a:txBody>
+                  <a:tcPr/>
+                </a:tc>
+                <a:extLst>
+                  <a:ext uri="{0D108BD9-81ED-4DB2-BD59-A6C34878D82A}">
+                    <a16:rowId xmlns:a16="http://schemas.microsoft.com/office/drawing/2014/main" val="2001316301"/>
+                  </a:ext>
+                </a:extLst>
+              </a:tr>
+              <a:tr h="370840">
+                <a:tc gridSpan="2">
+                  <a:txBody>
+                    <a:bodyPr/>
+                    <a:lstStyle/>
+                    <a:p>
+                      <a:pPr algn="ctr"/>
+                      <a:r>
+                        <a:rPr lang="fr-FR" dirty="0" err="1"/>
+                        <a:t>ghg_emission</a:t>
+                      </a:r>
+                      <a:endParaRPr lang="fr-FR" dirty="0"/>
+                    </a:p>
+                  </a:txBody>
+                  <a:tcPr/>
+                </a:tc>
+                <a:tc hMerge="1">
+                  <a:txBody>
+                    <a:bodyPr/>
+                    <a:lstStyle/>
+                    <a:p>
+                      <a:endParaRPr lang="fr-FR"/>
+                    </a:p>
+                  </a:txBody>
+                  <a:tcPr/>
+                </a:tc>
+                <a:tc>
+                  <a:txBody>
+                    <a:bodyPr/>
+                    <a:lstStyle/>
+                    <a:p>
+                      <a:pPr algn="r" fontAlgn="ctr"/>
+                      <a:r>
+                        <a:rPr lang="fr-FR" dirty="0">
+                          <a:effectLst/>
+                        </a:rPr>
+                        <a:t>0.00139</a:t>
+                      </a:r>
+                    </a:p>
+                  </a:txBody>
+                  <a:tcPr anchor="ctr"/>
+                </a:tc>
+                <a:tc>
+                  <a:txBody>
+                    <a:bodyPr/>
+                    <a:lstStyle/>
+                    <a:p>
+                      <a:pPr algn="r" fontAlgn="ctr"/>
+                      <a:r>
+                        <a:rPr lang="fr-FR" dirty="0">
+                          <a:effectLst/>
+                        </a:rPr>
+                        <a:t>0.00139</a:t>
+                      </a:r>
+                    </a:p>
+                  </a:txBody>
+                  <a:tcPr anchor="ctr"/>
+                </a:tc>
+                <a:extLst>
+                  <a:ext uri="{0D108BD9-81ED-4DB2-BD59-A6C34878D82A}">
+                    <a16:rowId xmlns:a16="http://schemas.microsoft.com/office/drawing/2014/main" val="3157124058"/>
+                  </a:ext>
+                </a:extLst>
+              </a:tr>
+              <a:tr h="370840">
+                <a:tc gridSpan="2">
+                  <a:txBody>
+                    <a:bodyPr/>
+                    <a:lstStyle/>
+                    <a:p>
+                      <a:pPr algn="ctr"/>
+                      <a:r>
+                        <a:rPr lang="fr-FR" dirty="0" err="1"/>
+                        <a:t>energy_use</a:t>
+                      </a:r>
+                      <a:endParaRPr lang="fr-FR" dirty="0"/>
+                    </a:p>
+                  </a:txBody>
+                  <a:tcPr/>
+                </a:tc>
+                <a:tc hMerge="1">
+                  <a:txBody>
+                    <a:bodyPr/>
+                    <a:lstStyle/>
+                    <a:p>
+                      <a:endParaRPr lang="fr-FR"/>
+                    </a:p>
+                  </a:txBody>
+                  <a:tcPr/>
+                </a:tc>
+                <a:tc>
+                  <a:txBody>
+                    <a:bodyPr/>
+                    <a:lstStyle/>
+                    <a:p>
+                      <a:pPr algn="r" fontAlgn="ctr"/>
+                      <a:r>
+                        <a:rPr lang="fr-FR" dirty="0">
+                          <a:effectLst/>
+                        </a:rPr>
+                        <a:t>0.00139</a:t>
+                      </a:r>
+                    </a:p>
+                  </a:txBody>
+                  <a:tcPr anchor="ctr"/>
+                </a:tc>
+                <a:tc>
+                  <a:txBody>
+                    <a:bodyPr/>
+                    <a:lstStyle/>
+                    <a:p>
+                      <a:pPr algn="r" fontAlgn="ctr"/>
+                      <a:r>
+                        <a:rPr lang="fr-FR" dirty="0">
+                          <a:effectLst/>
+                        </a:rPr>
+                        <a:t>0.0001</a:t>
+                      </a:r>
+                    </a:p>
+                  </a:txBody>
+                  <a:tcPr anchor="ctr"/>
+                </a:tc>
+                <a:extLst>
+                  <a:ext uri="{0D108BD9-81ED-4DB2-BD59-A6C34878D82A}">
+                    <a16:rowId xmlns:a16="http://schemas.microsoft.com/office/drawing/2014/main" val="102075428"/>
+                  </a:ext>
+                </a:extLst>
+              </a:tr>
+            </a:tbl>
+          </a:graphicData>
+        </a:graphic>
+      </p:graphicFrame>
+      <p:sp>
+        <p:nvSpPr>
+          <p:cNvPr id="3" name="Espace réservé de la date 2">
+            <a:extLst>
+              <a:ext uri="{FF2B5EF4-FFF2-40B4-BE49-F238E27FC236}">
+                <a16:creationId xmlns:a16="http://schemas.microsoft.com/office/drawing/2014/main" id="{C418BDDF-1D66-4CB1-8ECB-919ECB98B7EB}"/>
+              </a:ext>
+            </a:extLst>
+          </p:cNvPr>
+          <p:cNvSpPr>
+            <a:spLocks noGrp="1"/>
+          </p:cNvSpPr>
+          <p:nvPr>
+            <p:ph type="dt" sz="half" idx="10"/>
+          </p:nvPr>
+        </p:nvSpPr>
+        <p:spPr/>
+        <p:txBody>
+          <a:bodyPr/>
+          <a:lstStyle/>
+          <a:p>
+            <a:fld id="{B6E6044D-9D6E-4AB8-B5BF-9F876BCF2F8B}" type="datetime1">
+              <a:rPr lang="fr-FR" smtClean="0"/>
+              <a:t>20/04/2022</a:t>
+            </a:fld>
+            <a:endParaRPr lang="fr-FR"/>
+          </a:p>
+        </p:txBody>
+      </p:sp>
+      <p:sp>
+        <p:nvSpPr>
+          <p:cNvPr id="6" name="Espace réservé du pied de page 5">
+            <a:extLst>
+              <a:ext uri="{FF2B5EF4-FFF2-40B4-BE49-F238E27FC236}">
+                <a16:creationId xmlns:a16="http://schemas.microsoft.com/office/drawing/2014/main" id="{DD929CDB-174A-499B-B985-50FAB1022946}"/>
+              </a:ext>
+            </a:extLst>
+          </p:cNvPr>
+          <p:cNvSpPr>
+            <a:spLocks noGrp="1"/>
+          </p:cNvSpPr>
+          <p:nvPr>
+            <p:ph type="ftr" sz="quarter" idx="11"/>
+          </p:nvPr>
+        </p:nvSpPr>
+        <p:spPr/>
+        <p:txBody>
+          <a:bodyPr/>
+          <a:lstStyle/>
+          <a:p>
+            <a:endParaRPr lang="fr-FR"/>
+          </a:p>
+        </p:txBody>
+      </p:sp>
+      <p:sp>
+        <p:nvSpPr>
+          <p:cNvPr id="7" name="Espace réservé du numéro de diapositive 6">
+            <a:extLst>
+              <a:ext uri="{FF2B5EF4-FFF2-40B4-BE49-F238E27FC236}">
+                <a16:creationId xmlns:a16="http://schemas.microsoft.com/office/drawing/2014/main" id="{6033E9FC-BC44-4F76-9566-ADB2DB9E7D42}"/>
+              </a:ext>
+            </a:extLst>
+          </p:cNvPr>
+          <p:cNvSpPr>
+            <a:spLocks noGrp="1"/>
+          </p:cNvSpPr>
+          <p:nvPr>
+            <p:ph type="sldNum" sz="quarter" idx="12"/>
+          </p:nvPr>
+        </p:nvSpPr>
+        <p:spPr/>
+        <p:txBody>
+          <a:bodyPr/>
+          <a:lstStyle/>
+          <a:p>
+            <a:fld id="{18E746EB-9FA2-421E-BF58-AF3915BD22D4}" type="slidenum">
+              <a:rPr lang="fr-FR" smtClean="0"/>
+              <a:t>41</a:t>
+            </a:fld>
+            <a:endParaRPr lang="fr-FR"/>
+          </a:p>
+        </p:txBody>
+      </p:sp>
+    </p:spTree>
+    <p:extLst>
+      <p:ext uri="{BB962C8B-B14F-4D97-AF65-F5344CB8AC3E}">
+        <p14:creationId xmlns:p14="http://schemas.microsoft.com/office/powerpoint/2010/main" val="1524990851"/>
+      </p:ext>
+    </p:extLst>
+  </p:cSld>
+  <p:clrMapOvr>
+    <a:masterClrMapping/>
+  </p:clrMapOvr>
+</p:sld>
+</file>
+
+<file path=ppt/slides/slide42.xml><?xml version="1.0" encoding="utf-8"?>
+<p:sld xmlns:a="http://schemas.openxmlformats.org/drawingml/2006/main" xmlns:r="http://schemas.openxmlformats.org/officeDocument/2006/relationships" xmlns:p="http://schemas.openxmlformats.org/presentationml/2006/main">
+  <p:cSld>
+    <p:spTree>
+      <p:nvGrpSpPr>
+        <p:cNvPr id="1" name=""/>
+        <p:cNvGrpSpPr/>
+        <p:nvPr/>
+      </p:nvGrpSpPr>
+      <p:grpSpPr>
+        <a:xfrm>
+          <a:off x="0" y="0"/>
+          <a:ext cx="0" cy="0"/>
+          <a:chOff x="0" y="0"/>
+          <a:chExt cx="0" cy="0"/>
+        </a:xfrm>
+      </p:grpSpPr>
+      <p:sp>
+        <p:nvSpPr>
+          <p:cNvPr id="2" name="Title 1"/>
+          <p:cNvSpPr>
+            <a:spLocks noGrp="1"/>
+          </p:cNvSpPr>
+          <p:nvPr>
+            <p:ph type="title"/>
+          </p:nvPr>
+        </p:nvSpPr>
+        <p:spPr/>
+        <p:txBody>
+          <a:bodyPr/>
+          <a:lstStyle/>
+          <a:p>
+            <a:r>
+              <a:rPr lang="fr-FR" dirty="0" err="1"/>
+              <a:t>Elastic</a:t>
+            </a:r>
+            <a:r>
+              <a:rPr lang="fr-FR" dirty="0"/>
+              <a:t> Net</a:t>
+            </a:r>
+          </a:p>
+        </p:txBody>
+      </p:sp>
       <p:pic>
         <p:nvPicPr>
           <p:cNvPr id="7" name="Image 6">
@@ -15503,7 +15833,7 @@
           <a:p>
             <a:fld id="{18E746EB-9FA2-421E-BF58-AF3915BD22D4}" type="slidenum">
               <a:rPr lang="fr-FR" smtClean="0"/>
-              <a:t>40</a:t>
+              <a:t>42</a:t>
             </a:fld>
             <a:endParaRPr lang="fr-FR"/>
           </a:p>
@@ -15522,7 +15852,7 @@
 </p:sld>
 </file>
 
-<file path=ppt/slides/slide41.xml><?xml version="1.0" encoding="utf-8"?>
+<file path=ppt/slides/slide43.xml><?xml version="1.0" encoding="utf-8"?>
 <p:sld xmlns:a="http://schemas.openxmlformats.org/drawingml/2006/main" xmlns:r="http://schemas.openxmlformats.org/officeDocument/2006/relationships" xmlns:p="http://schemas.openxmlformats.org/presentationml/2006/main">
   <p:cSld>
     <p:spTree>
@@ -15682,7 +16012,7 @@
 </p:sld>
 </file>
 
-<file path=ppt/slides/slide42.xml><?xml version="1.0" encoding="utf-8"?>
+<file path=ppt/slides/slide44.xml><?xml version="1.0" encoding="utf-8"?>
 <p:sld xmlns:a="http://schemas.openxmlformats.org/drawingml/2006/main" xmlns:r="http://schemas.openxmlformats.org/officeDocument/2006/relationships" xmlns:p="http://schemas.openxmlformats.org/presentationml/2006/main">
   <p:cSld>
     <p:spTree>
@@ -15900,7 +16230,7 @@
           <a:p>
             <a:fld id="{18E746EB-9FA2-421E-BF58-AF3915BD22D4}" type="slidenum">
               <a:rPr lang="fr-FR" smtClean="0"/>
-              <a:t>42</a:t>
+              <a:t>44</a:t>
             </a:fld>
             <a:endParaRPr lang="fr-FR"/>
           </a:p>
@@ -15919,7 +16249,7 @@
 </p:sld>
 </file>
 
-<file path=ppt/slides/slide43.xml><?xml version="1.0" encoding="utf-8"?>
+<file path=ppt/slides/slide45.xml><?xml version="1.0" encoding="utf-8"?>
 <p:sld xmlns:a="http://schemas.openxmlformats.org/drawingml/2006/main" xmlns:r="http://schemas.openxmlformats.org/officeDocument/2006/relationships" xmlns:p="http://schemas.openxmlformats.org/presentationml/2006/main">
   <p:cSld>
     <p:spTree>
@@ -16905,7 +17235,7 @@
           <a:p>
             <a:fld id="{18E746EB-9FA2-421E-BF58-AF3915BD22D4}" type="slidenum">
               <a:rPr lang="fr-FR" smtClean="0"/>
-              <a:t>43</a:t>
+              <a:t>45</a:t>
             </a:fld>
             <a:endParaRPr lang="fr-FR"/>
           </a:p>
@@ -16924,7 +17254,7 @@
 </p:sld>
 </file>
 
-<file path=ppt/slides/slide44.xml><?xml version="1.0" encoding="utf-8"?>
+<file path=ppt/slides/slide46.xml><?xml version="1.0" encoding="utf-8"?>
 <p:sld xmlns:a="http://schemas.openxmlformats.org/drawingml/2006/main" xmlns:r="http://schemas.openxmlformats.org/officeDocument/2006/relationships" xmlns:p="http://schemas.openxmlformats.org/presentationml/2006/main">
   <p:cSld>
     <p:spTree>
@@ -17125,7 +17455,7 @@
           <a:p>
             <a:fld id="{18E746EB-9FA2-421E-BF58-AF3915BD22D4}" type="slidenum">
               <a:rPr lang="fr-FR" smtClean="0"/>
-              <a:t>44</a:t>
+              <a:t>46</a:t>
             </a:fld>
             <a:endParaRPr lang="fr-FR"/>
           </a:p>
@@ -17144,7 +17474,7 @@
 </p:sld>
 </file>
 
-<file path=ppt/slides/slide45.xml><?xml version="1.0" encoding="utf-8"?>
+<file path=ppt/slides/slide47.xml><?xml version="1.0" encoding="utf-8"?>
 <p:sld xmlns:a="http://schemas.openxmlformats.org/drawingml/2006/main" xmlns:r="http://schemas.openxmlformats.org/officeDocument/2006/relationships" xmlns:p="http://schemas.openxmlformats.org/presentationml/2006/main">
   <p:cSld>
     <p:spTree>
@@ -17322,7 +17652,7 @@
           <a:p>
             <a:fld id="{18E746EB-9FA2-421E-BF58-AF3915BD22D4}" type="slidenum">
               <a:rPr lang="fr-FR" smtClean="0"/>
-              <a:t>45</a:t>
+              <a:t>47</a:t>
             </a:fld>
             <a:endParaRPr lang="fr-FR"/>
           </a:p>
@@ -17341,7 +17671,7 @@
 </p:sld>
 </file>
 
-<file path=ppt/slides/slide46.xml><?xml version="1.0" encoding="utf-8"?>
+<file path=ppt/slides/slide48.xml><?xml version="1.0" encoding="utf-8"?>
 <p:sld xmlns:a="http://schemas.openxmlformats.org/drawingml/2006/main" xmlns:r="http://schemas.openxmlformats.org/officeDocument/2006/relationships" xmlns:p="http://schemas.openxmlformats.org/presentationml/2006/main">
   <p:cSld>
     <p:spTree>
@@ -18414,7 +18744,7 @@
           <a:p>
             <a:fld id="{18E746EB-9FA2-421E-BF58-AF3915BD22D4}" type="slidenum">
               <a:rPr lang="fr-FR" smtClean="0"/>
-              <a:t>46</a:t>
+              <a:t>48</a:t>
             </a:fld>
             <a:endParaRPr lang="fr-FR"/>
           </a:p>
@@ -18424,378 +18754,6 @@
     <p:extLst>
       <p:ext uri="{BB962C8B-B14F-4D97-AF65-F5344CB8AC3E}">
         <p14:creationId xmlns:p14="http://schemas.microsoft.com/office/powerpoint/2010/main" val="1433811506"/>
-      </p:ext>
-    </p:extLst>
-  </p:cSld>
-  <p:clrMapOvr>
-    <a:masterClrMapping/>
-  </p:clrMapOvr>
-</p:sld>
-</file>
-
-<file path=ppt/slides/slide47.xml><?xml version="1.0" encoding="utf-8"?>
-<p:sld xmlns:a="http://schemas.openxmlformats.org/drawingml/2006/main" xmlns:r="http://schemas.openxmlformats.org/officeDocument/2006/relationships" xmlns:p="http://schemas.openxmlformats.org/presentationml/2006/main">
-  <p:cSld>
-    <p:spTree>
-      <p:nvGrpSpPr>
-        <p:cNvPr id="1" name=""/>
-        <p:cNvGrpSpPr/>
-        <p:nvPr/>
-      </p:nvGrpSpPr>
-      <p:grpSpPr>
-        <a:xfrm>
-          <a:off x="0" y="0"/>
-          <a:ext cx="0" cy="0"/>
-          <a:chOff x="0" y="0"/>
-          <a:chExt cx="0" cy="0"/>
-        </a:xfrm>
-      </p:grpSpPr>
-      <p:sp>
-        <p:nvSpPr>
-          <p:cNvPr id="2" name="Title 1"/>
-          <p:cNvSpPr>
-            <a:spLocks noGrp="1"/>
-          </p:cNvSpPr>
-          <p:nvPr>
-            <p:ph type="title"/>
-          </p:nvPr>
-        </p:nvSpPr>
-        <p:spPr/>
-        <p:txBody>
-          <a:bodyPr/>
-          <a:lstStyle/>
-          <a:p>
-            <a:r>
-              <a:rPr lang="fr-FR" dirty="0"/>
-              <a:t>Multi-Layer Perceptron </a:t>
-            </a:r>
-            <a:r>
-              <a:rPr lang="fr-FR" dirty="0" err="1"/>
-              <a:t>Regressor</a:t>
-            </a:r>
-            <a:endParaRPr lang="fr-FR" dirty="0"/>
-          </a:p>
-        </p:txBody>
-      </p:sp>
-      <p:pic>
-        <p:nvPicPr>
-          <p:cNvPr id="4" name="Image 3">
-            <a:extLst>
-              <a:ext uri="{FF2B5EF4-FFF2-40B4-BE49-F238E27FC236}">
-                <a16:creationId xmlns:a16="http://schemas.microsoft.com/office/drawing/2014/main" id="{487DF321-DFEE-4BC5-B047-F94A54ADF8F3}"/>
-              </a:ext>
-            </a:extLst>
-          </p:cNvPr>
-          <p:cNvPicPr>
-            <a:picLocks noChangeAspect="1"/>
-          </p:cNvPicPr>
-          <p:nvPr/>
-        </p:nvPicPr>
-        <p:blipFill>
-          <a:blip r:embed="rId2">
-            <a:extLst>
-              <a:ext uri="{28A0092B-C50C-407E-A947-70E740481C1C}">
-                <a14:useLocalDpi xmlns:a14="http://schemas.microsoft.com/office/drawing/2010/main" val="0"/>
-              </a:ext>
-            </a:extLst>
-          </a:blip>
-          <a:stretch>
-            <a:fillRect/>
-          </a:stretch>
-        </p:blipFill>
-        <p:spPr>
-          <a:xfrm>
-            <a:off x="6421892" y="1366982"/>
-            <a:ext cx="5616241" cy="5491018"/>
-          </a:xfrm>
-          <a:prstGeom prst="rect">
-            <a:avLst/>
-          </a:prstGeom>
-        </p:spPr>
-      </p:pic>
-      <p:pic>
-        <p:nvPicPr>
-          <p:cNvPr id="9" name="Image 8">
-            <a:extLst>
-              <a:ext uri="{FF2B5EF4-FFF2-40B4-BE49-F238E27FC236}">
-                <a16:creationId xmlns:a16="http://schemas.microsoft.com/office/drawing/2014/main" id="{940E5926-71D4-4169-9CE9-7B36F1851F9F}"/>
-              </a:ext>
-            </a:extLst>
-          </p:cNvPr>
-          <p:cNvPicPr>
-            <a:picLocks noChangeAspect="1"/>
-          </p:cNvPicPr>
-          <p:nvPr/>
-        </p:nvPicPr>
-        <p:blipFill>
-          <a:blip r:embed="rId3">
-            <a:extLst>
-              <a:ext uri="{28A0092B-C50C-407E-A947-70E740481C1C}">
-                <a14:useLocalDpi xmlns:a14="http://schemas.microsoft.com/office/drawing/2010/main" val="0"/>
-              </a:ext>
-            </a:extLst>
-          </a:blip>
-          <a:stretch>
-            <a:fillRect/>
-          </a:stretch>
-        </p:blipFill>
-        <p:spPr>
-          <a:xfrm>
-            <a:off x="425736" y="1366982"/>
-            <a:ext cx="5540954" cy="5472316"/>
-          </a:xfrm>
-          <a:prstGeom prst="rect">
-            <a:avLst/>
-          </a:prstGeom>
-        </p:spPr>
-      </p:pic>
-      <p:sp>
-        <p:nvSpPr>
-          <p:cNvPr id="10" name="Espace réservé de la date 9">
-            <a:extLst>
-              <a:ext uri="{FF2B5EF4-FFF2-40B4-BE49-F238E27FC236}">
-                <a16:creationId xmlns:a16="http://schemas.microsoft.com/office/drawing/2014/main" id="{5BF0BC76-5D5E-47B3-A7E5-4AE5546E2A61}"/>
-              </a:ext>
-            </a:extLst>
-          </p:cNvPr>
-          <p:cNvSpPr>
-            <a:spLocks noGrp="1"/>
-          </p:cNvSpPr>
-          <p:nvPr>
-            <p:ph type="dt" sz="half" idx="10"/>
-          </p:nvPr>
-        </p:nvSpPr>
-        <p:spPr/>
-        <p:txBody>
-          <a:bodyPr/>
-          <a:lstStyle/>
-          <a:p>
-            <a:fld id="{9E30C6AE-89D3-4ACE-BEC1-CAD86BDBE24A}" type="datetime1">
-              <a:rPr lang="fr-FR" smtClean="0"/>
-              <a:t>20/04/2022</a:t>
-            </a:fld>
-            <a:endParaRPr lang="fr-FR"/>
-          </a:p>
-        </p:txBody>
-      </p:sp>
-      <p:sp>
-        <p:nvSpPr>
-          <p:cNvPr id="11" name="Espace réservé du pied de page 10">
-            <a:extLst>
-              <a:ext uri="{FF2B5EF4-FFF2-40B4-BE49-F238E27FC236}">
-                <a16:creationId xmlns:a16="http://schemas.microsoft.com/office/drawing/2014/main" id="{DD44FE34-9320-4654-8676-EAE02B5CAFAF}"/>
-              </a:ext>
-            </a:extLst>
-          </p:cNvPr>
-          <p:cNvSpPr>
-            <a:spLocks noGrp="1"/>
-          </p:cNvSpPr>
-          <p:nvPr>
-            <p:ph type="ftr" sz="quarter" idx="11"/>
-          </p:nvPr>
-        </p:nvSpPr>
-        <p:spPr/>
-        <p:txBody>
-          <a:bodyPr/>
-          <a:lstStyle/>
-          <a:p>
-            <a:endParaRPr lang="fr-FR"/>
-          </a:p>
-        </p:txBody>
-      </p:sp>
-      <p:sp>
-        <p:nvSpPr>
-          <p:cNvPr id="12" name="Espace réservé du numéro de diapositive 11">
-            <a:extLst>
-              <a:ext uri="{FF2B5EF4-FFF2-40B4-BE49-F238E27FC236}">
-                <a16:creationId xmlns:a16="http://schemas.microsoft.com/office/drawing/2014/main" id="{CD1672C5-A3A7-42FC-977A-207D193793F8}"/>
-              </a:ext>
-            </a:extLst>
-          </p:cNvPr>
-          <p:cNvSpPr>
-            <a:spLocks noGrp="1"/>
-          </p:cNvSpPr>
-          <p:nvPr>
-            <p:ph type="sldNum" sz="quarter" idx="12"/>
-          </p:nvPr>
-        </p:nvSpPr>
-        <p:spPr/>
-        <p:txBody>
-          <a:bodyPr/>
-          <a:lstStyle/>
-          <a:p>
-            <a:fld id="{18E746EB-9FA2-421E-BF58-AF3915BD22D4}" type="slidenum">
-              <a:rPr lang="fr-FR" smtClean="0"/>
-              <a:t>47</a:t>
-            </a:fld>
-            <a:endParaRPr lang="fr-FR"/>
-          </a:p>
-        </p:txBody>
-      </p:sp>
-    </p:spTree>
-    <p:extLst>
-      <p:ext uri="{BB962C8B-B14F-4D97-AF65-F5344CB8AC3E}">
-        <p14:creationId xmlns:p14="http://schemas.microsoft.com/office/powerpoint/2010/main" val="1019087479"/>
-      </p:ext>
-    </p:extLst>
-  </p:cSld>
-  <p:clrMapOvr>
-    <a:masterClrMapping/>
-  </p:clrMapOvr>
-</p:sld>
-</file>
-
-<file path=ppt/slides/slide48.xml><?xml version="1.0" encoding="utf-8"?>
-<p:sld xmlns:a="http://schemas.openxmlformats.org/drawingml/2006/main" xmlns:r="http://schemas.openxmlformats.org/officeDocument/2006/relationships" xmlns:p="http://schemas.openxmlformats.org/presentationml/2006/main">
-  <p:cSld>
-    <p:spTree>
-      <p:nvGrpSpPr>
-        <p:cNvPr id="1" name=""/>
-        <p:cNvGrpSpPr/>
-        <p:nvPr/>
-      </p:nvGrpSpPr>
-      <p:grpSpPr>
-        <a:xfrm>
-          <a:off x="0" y="0"/>
-          <a:ext cx="0" cy="0"/>
-          <a:chOff x="0" y="0"/>
-          <a:chExt cx="0" cy="0"/>
-        </a:xfrm>
-      </p:grpSpPr>
-      <p:sp>
-        <p:nvSpPr>
-          <p:cNvPr id="7" name="Rectangle 6">
-            <a:extLst>
-              <a:ext uri="{FF2B5EF4-FFF2-40B4-BE49-F238E27FC236}">
-                <a16:creationId xmlns:a16="http://schemas.microsoft.com/office/drawing/2014/main" id="{70BA7E95-8131-43CA-B167-0F69324AAE69}"/>
-              </a:ext>
-            </a:extLst>
-          </p:cNvPr>
-          <p:cNvSpPr/>
-          <p:nvPr/>
-        </p:nvSpPr>
-        <p:spPr>
-          <a:xfrm>
-            <a:off x="0" y="0"/>
-            <a:ext cx="12192000" cy="6858000"/>
-          </a:xfrm>
-          <a:prstGeom prst="rect">
-            <a:avLst/>
-          </a:prstGeom>
-          <a:solidFill>
-            <a:srgbClr val="7451EB"/>
-          </a:solidFill>
-        </p:spPr>
-        <p:style>
-          <a:lnRef idx="2">
-            <a:schemeClr val="accent1">
-              <a:shade val="50000"/>
-            </a:schemeClr>
-          </a:lnRef>
-          <a:fillRef idx="1">
-            <a:schemeClr val="accent1"/>
-          </a:fillRef>
-          <a:effectRef idx="0">
-            <a:schemeClr val="accent1"/>
-          </a:effectRef>
-          <a:fontRef idx="minor">
-            <a:schemeClr val="lt1"/>
-          </a:fontRef>
-        </p:style>
-        <p:txBody>
-          <a:bodyPr rtlCol="0" anchor="ctr"/>
-          <a:lstStyle/>
-          <a:p>
-            <a:pPr algn="ctr"/>
-            <a:endParaRPr lang="fr-FR" dirty="0"/>
-          </a:p>
-        </p:txBody>
-      </p:sp>
-      <p:sp>
-        <p:nvSpPr>
-          <p:cNvPr id="4" name="Title 3"/>
-          <p:cNvSpPr>
-            <a:spLocks noGrp="1"/>
-          </p:cNvSpPr>
-          <p:nvPr>
-            <p:ph type="ctrTitle"/>
-          </p:nvPr>
-        </p:nvSpPr>
-        <p:spPr/>
-        <p:txBody>
-          <a:bodyPr/>
-          <a:lstStyle/>
-          <a:p>
-            <a:r>
-              <a:rPr lang="fr-FR" dirty="0">
-                <a:solidFill>
-                  <a:schemeClr val="bg1"/>
-                </a:solidFill>
-              </a:rPr>
-              <a:t>Modèle ensembliste</a:t>
-            </a:r>
-          </a:p>
-        </p:txBody>
-      </p:sp>
-      <p:sp>
-        <p:nvSpPr>
-          <p:cNvPr id="5" name="Subtitle 4"/>
-          <p:cNvSpPr>
-            <a:spLocks noGrp="1"/>
-          </p:cNvSpPr>
-          <p:nvPr>
-            <p:ph type="subTitle" idx="1"/>
-          </p:nvPr>
-        </p:nvSpPr>
-        <p:spPr/>
-        <p:txBody>
-          <a:bodyPr/>
-          <a:lstStyle/>
-          <a:p>
-            <a:endParaRPr lang="fr-FR"/>
-          </a:p>
-        </p:txBody>
-      </p:sp>
-      <p:pic>
-        <p:nvPicPr>
-          <p:cNvPr id="8" name="Image 7">
-            <a:extLst>
-              <a:ext uri="{FF2B5EF4-FFF2-40B4-BE49-F238E27FC236}">
-                <a16:creationId xmlns:a16="http://schemas.microsoft.com/office/drawing/2014/main" id="{6D17F352-F7F9-4BB1-BA23-A052D8C69425}"/>
-              </a:ext>
-            </a:extLst>
-          </p:cNvPr>
-          <p:cNvPicPr>
-            <a:picLocks noChangeAspect="1"/>
-          </p:cNvPicPr>
-          <p:nvPr/>
-        </p:nvPicPr>
-        <p:blipFill>
-          <a:blip r:embed="rId2" cstate="print">
-            <a:extLst>
-              <a:ext uri="{28A0092B-C50C-407E-A947-70E740481C1C}">
-                <a14:useLocalDpi xmlns:a14="http://schemas.microsoft.com/office/drawing/2010/main" val="0"/>
-              </a:ext>
-            </a:extLst>
-          </a:blip>
-          <a:stretch>
-            <a:fillRect/>
-          </a:stretch>
-        </p:blipFill>
-        <p:spPr>
-          <a:xfrm>
-            <a:off x="10956839" y="328441"/>
-            <a:ext cx="793922" cy="793922"/>
-          </a:xfrm>
-          <a:prstGeom prst="rect">
-            <a:avLst/>
-          </a:prstGeom>
-        </p:spPr>
-      </p:pic>
-    </p:spTree>
-    <p:extLst>
-      <p:ext uri="{BB962C8B-B14F-4D97-AF65-F5344CB8AC3E}">
-        <p14:creationId xmlns:p14="http://schemas.microsoft.com/office/powerpoint/2010/main" val="162427287"/>
       </p:ext>
     </p:extLst>
   </p:cSld>
@@ -18838,12 +18796,8 @@
           <a:lstStyle/>
           <a:p>
             <a:r>
-              <a:rPr lang="fr-FR" dirty="0" err="1"/>
-              <a:t>Random</a:t>
-            </a:r>
-            <a:r>
               <a:rPr lang="fr-FR" dirty="0"/>
-              <a:t> Forest </a:t>
+              <a:t>Multi-Layer Perceptron </a:t>
             </a:r>
             <a:r>
               <a:rPr lang="fr-FR" dirty="0" err="1"/>
@@ -18853,71 +18807,84 @@
           </a:p>
         </p:txBody>
       </p:sp>
-      <p:sp>
-        <p:nvSpPr>
-          <p:cNvPr id="5" name="ZoneTexte 4">
-            <a:extLst>
-              <a:ext uri="{FF2B5EF4-FFF2-40B4-BE49-F238E27FC236}">
-                <a16:creationId xmlns:a16="http://schemas.microsoft.com/office/drawing/2014/main" id="{4F0D84C7-2996-486F-8C9D-D18EE56781A9}"/>
-              </a:ext>
-            </a:extLst>
-          </p:cNvPr>
-          <p:cNvSpPr txBox="1"/>
+      <p:pic>
+        <p:nvPicPr>
+          <p:cNvPr id="4" name="Image 3">
+            <a:extLst>
+              <a:ext uri="{FF2B5EF4-FFF2-40B4-BE49-F238E27FC236}">
+                <a16:creationId xmlns:a16="http://schemas.microsoft.com/office/drawing/2014/main" id="{487DF321-DFEE-4BC5-B047-F94A54ADF8F3}"/>
+              </a:ext>
+            </a:extLst>
+          </p:cNvPr>
+          <p:cNvPicPr>
+            <a:picLocks noChangeAspect="1"/>
+          </p:cNvPicPr>
           <p:nvPr/>
-        </p:nvSpPr>
+        </p:nvPicPr>
+        <p:blipFill>
+          <a:blip r:embed="rId2">
+            <a:extLst>
+              <a:ext uri="{28A0092B-C50C-407E-A947-70E740481C1C}">
+                <a14:useLocalDpi xmlns:a14="http://schemas.microsoft.com/office/drawing/2010/main" val="0"/>
+              </a:ext>
+            </a:extLst>
+          </a:blip>
+          <a:stretch>
+            <a:fillRect/>
+          </a:stretch>
+        </p:blipFill>
         <p:spPr>
           <a:xfrm>
-            <a:off x="992777" y="1690688"/>
-            <a:ext cx="10798629" cy="1815882"/>
+            <a:off x="6421892" y="1366982"/>
+            <a:ext cx="5616241" cy="5491018"/>
           </a:xfrm>
           <a:prstGeom prst="rect">
             <a:avLst/>
           </a:prstGeom>
-          <a:noFill/>
         </p:spPr>
-        <p:txBody>
-          <a:bodyPr wrap="square" rtlCol="0">
-            <a:spAutoFit/>
-          </a:bodyPr>
-          <a:lstStyle/>
-          <a:p>
-            <a:pPr marL="457200" indent="-457200">
-              <a:buFont typeface="Arial" panose="020B0604020202020204" pitchFamily="34" charset="0"/>
-              <a:buChar char="•"/>
-            </a:pPr>
-            <a:r>
-              <a:rPr lang="fr-FR" sz="2800" dirty="0"/>
-              <a:t>Il s’agit d’un bagging d’arbres de décision.</a:t>
-            </a:r>
-          </a:p>
-          <a:p>
-            <a:pPr marL="457200" indent="-457200">
-              <a:buFont typeface="Arial" panose="020B0604020202020204" pitchFamily="34" charset="0"/>
-              <a:buChar char="•"/>
-            </a:pPr>
-            <a:r>
-              <a:rPr lang="fr-FR" sz="2800" dirty="0"/>
-              <a:t>Il se caractérise par la parallélisation de prédiction réalisé par des apprenants faibles. (les arbres de décision) </a:t>
-            </a:r>
-          </a:p>
-          <a:p>
-            <a:pPr marL="457200" indent="-457200">
-              <a:buFont typeface="Arial" panose="020B0604020202020204" pitchFamily="34" charset="0"/>
-              <a:buChar char="•"/>
-            </a:pPr>
-            <a:r>
-              <a:rPr lang="fr-FR" sz="2800" dirty="0"/>
-              <a:t>Il permet d’avoir des résultats très stables.</a:t>
-            </a:r>
-          </a:p>
-        </p:txBody>
-      </p:sp>
-      <p:sp>
-        <p:nvSpPr>
-          <p:cNvPr id="6" name="Espace réservé de la date 5">
-            <a:extLst>
-              <a:ext uri="{FF2B5EF4-FFF2-40B4-BE49-F238E27FC236}">
-                <a16:creationId xmlns:a16="http://schemas.microsoft.com/office/drawing/2014/main" id="{9DBFE189-9A25-41B6-9E3E-12FDBA40508B}"/>
+      </p:pic>
+      <p:pic>
+        <p:nvPicPr>
+          <p:cNvPr id="9" name="Image 8">
+            <a:extLst>
+              <a:ext uri="{FF2B5EF4-FFF2-40B4-BE49-F238E27FC236}">
+                <a16:creationId xmlns:a16="http://schemas.microsoft.com/office/drawing/2014/main" id="{940E5926-71D4-4169-9CE9-7B36F1851F9F}"/>
+              </a:ext>
+            </a:extLst>
+          </p:cNvPr>
+          <p:cNvPicPr>
+            <a:picLocks noChangeAspect="1"/>
+          </p:cNvPicPr>
+          <p:nvPr/>
+        </p:nvPicPr>
+        <p:blipFill>
+          <a:blip r:embed="rId3">
+            <a:extLst>
+              <a:ext uri="{28A0092B-C50C-407E-A947-70E740481C1C}">
+                <a14:useLocalDpi xmlns:a14="http://schemas.microsoft.com/office/drawing/2010/main" val="0"/>
+              </a:ext>
+            </a:extLst>
+          </a:blip>
+          <a:stretch>
+            <a:fillRect/>
+          </a:stretch>
+        </p:blipFill>
+        <p:spPr>
+          <a:xfrm>
+            <a:off x="425736" y="1366982"/>
+            <a:ext cx="5540954" cy="5472316"/>
+          </a:xfrm>
+          <a:prstGeom prst="rect">
+            <a:avLst/>
+          </a:prstGeom>
+        </p:spPr>
+      </p:pic>
+      <p:sp>
+        <p:nvSpPr>
+          <p:cNvPr id="10" name="Espace réservé de la date 9">
+            <a:extLst>
+              <a:ext uri="{FF2B5EF4-FFF2-40B4-BE49-F238E27FC236}">
+                <a16:creationId xmlns:a16="http://schemas.microsoft.com/office/drawing/2014/main" id="{5BF0BC76-5D5E-47B3-A7E5-4AE5546E2A61}"/>
               </a:ext>
             </a:extLst>
           </p:cNvPr>
@@ -18933,7 +18900,7 @@
           <a:bodyPr/>
           <a:lstStyle/>
           <a:p>
-            <a:fld id="{EB375914-EBE1-4406-8F59-08A6FBE919B6}" type="datetime1">
+            <a:fld id="{9E30C6AE-89D3-4ACE-BEC1-CAD86BDBE24A}" type="datetime1">
               <a:rPr lang="fr-FR" smtClean="0"/>
               <a:t>20/04/2022</a:t>
             </a:fld>
@@ -18943,10 +18910,10 @@
       </p:sp>
       <p:sp>
         <p:nvSpPr>
-          <p:cNvPr id="7" name="Espace réservé du pied de page 6">
-            <a:extLst>
-              <a:ext uri="{FF2B5EF4-FFF2-40B4-BE49-F238E27FC236}">
-                <a16:creationId xmlns:a16="http://schemas.microsoft.com/office/drawing/2014/main" id="{F043F0EC-4376-481C-8E61-5DABF840E109}"/>
+          <p:cNvPr id="11" name="Espace réservé du pied de page 10">
+            <a:extLst>
+              <a:ext uri="{FF2B5EF4-FFF2-40B4-BE49-F238E27FC236}">
+                <a16:creationId xmlns:a16="http://schemas.microsoft.com/office/drawing/2014/main" id="{DD44FE34-9320-4654-8676-EAE02B5CAFAF}"/>
               </a:ext>
             </a:extLst>
           </p:cNvPr>
@@ -18968,10 +18935,10 @@
       </p:sp>
       <p:sp>
         <p:nvSpPr>
-          <p:cNvPr id="8" name="Espace réservé du numéro de diapositive 7">
-            <a:extLst>
-              <a:ext uri="{FF2B5EF4-FFF2-40B4-BE49-F238E27FC236}">
-                <a16:creationId xmlns:a16="http://schemas.microsoft.com/office/drawing/2014/main" id="{079F3433-EC19-44E0-B88A-0053ADAB46F5}"/>
+          <p:cNvPr id="12" name="Espace réservé du numéro de diapositive 11">
+            <a:extLst>
+              <a:ext uri="{FF2B5EF4-FFF2-40B4-BE49-F238E27FC236}">
+                <a16:creationId xmlns:a16="http://schemas.microsoft.com/office/drawing/2014/main" id="{CD1672C5-A3A7-42FC-977A-207D193793F8}"/>
               </a:ext>
             </a:extLst>
           </p:cNvPr>
@@ -18998,7 +18965,7 @@
     </p:spTree>
     <p:extLst>
       <p:ext uri="{BB962C8B-B14F-4D97-AF65-F5344CB8AC3E}">
-        <p14:creationId xmlns:p14="http://schemas.microsoft.com/office/powerpoint/2010/main" val="991017476"/>
+        <p14:creationId xmlns:p14="http://schemas.microsoft.com/office/powerpoint/2010/main" val="1019087479"/>
       </p:ext>
     </p:extLst>
   </p:cSld>
@@ -19169,6 +19136,369 @@
 </file>
 
 <file path=ppt/slides/slide50.xml><?xml version="1.0" encoding="utf-8"?>
+<p:sld xmlns:a="http://schemas.openxmlformats.org/drawingml/2006/main" xmlns:r="http://schemas.openxmlformats.org/officeDocument/2006/relationships" xmlns:p="http://schemas.openxmlformats.org/presentationml/2006/main">
+  <p:cSld>
+    <p:spTree>
+      <p:nvGrpSpPr>
+        <p:cNvPr id="1" name=""/>
+        <p:cNvGrpSpPr/>
+        <p:nvPr/>
+      </p:nvGrpSpPr>
+      <p:grpSpPr>
+        <a:xfrm>
+          <a:off x="0" y="0"/>
+          <a:ext cx="0" cy="0"/>
+          <a:chOff x="0" y="0"/>
+          <a:chExt cx="0" cy="0"/>
+        </a:xfrm>
+      </p:grpSpPr>
+      <p:sp>
+        <p:nvSpPr>
+          <p:cNvPr id="7" name="Rectangle 6">
+            <a:extLst>
+              <a:ext uri="{FF2B5EF4-FFF2-40B4-BE49-F238E27FC236}">
+                <a16:creationId xmlns:a16="http://schemas.microsoft.com/office/drawing/2014/main" id="{70BA7E95-8131-43CA-B167-0F69324AAE69}"/>
+              </a:ext>
+            </a:extLst>
+          </p:cNvPr>
+          <p:cNvSpPr/>
+          <p:nvPr/>
+        </p:nvSpPr>
+        <p:spPr>
+          <a:xfrm>
+            <a:off x="0" y="0"/>
+            <a:ext cx="12192000" cy="6858000"/>
+          </a:xfrm>
+          <a:prstGeom prst="rect">
+            <a:avLst/>
+          </a:prstGeom>
+          <a:solidFill>
+            <a:srgbClr val="7451EB"/>
+          </a:solidFill>
+        </p:spPr>
+        <p:style>
+          <a:lnRef idx="2">
+            <a:schemeClr val="accent1">
+              <a:shade val="50000"/>
+            </a:schemeClr>
+          </a:lnRef>
+          <a:fillRef idx="1">
+            <a:schemeClr val="accent1"/>
+          </a:fillRef>
+          <a:effectRef idx="0">
+            <a:schemeClr val="accent1"/>
+          </a:effectRef>
+          <a:fontRef idx="minor">
+            <a:schemeClr val="lt1"/>
+          </a:fontRef>
+        </p:style>
+        <p:txBody>
+          <a:bodyPr rtlCol="0" anchor="ctr"/>
+          <a:lstStyle/>
+          <a:p>
+            <a:pPr algn="ctr"/>
+            <a:endParaRPr lang="fr-FR" dirty="0"/>
+          </a:p>
+        </p:txBody>
+      </p:sp>
+      <p:sp>
+        <p:nvSpPr>
+          <p:cNvPr id="4" name="Title 3"/>
+          <p:cNvSpPr>
+            <a:spLocks noGrp="1"/>
+          </p:cNvSpPr>
+          <p:nvPr>
+            <p:ph type="ctrTitle"/>
+          </p:nvPr>
+        </p:nvSpPr>
+        <p:spPr/>
+        <p:txBody>
+          <a:bodyPr/>
+          <a:lstStyle/>
+          <a:p>
+            <a:r>
+              <a:rPr lang="fr-FR" dirty="0">
+                <a:solidFill>
+                  <a:schemeClr val="bg1"/>
+                </a:solidFill>
+              </a:rPr>
+              <a:t>Modèle ensembliste</a:t>
+            </a:r>
+          </a:p>
+        </p:txBody>
+      </p:sp>
+      <p:sp>
+        <p:nvSpPr>
+          <p:cNvPr id="5" name="Subtitle 4"/>
+          <p:cNvSpPr>
+            <a:spLocks noGrp="1"/>
+          </p:cNvSpPr>
+          <p:nvPr>
+            <p:ph type="subTitle" idx="1"/>
+          </p:nvPr>
+        </p:nvSpPr>
+        <p:spPr/>
+        <p:txBody>
+          <a:bodyPr/>
+          <a:lstStyle/>
+          <a:p>
+            <a:endParaRPr lang="fr-FR"/>
+          </a:p>
+        </p:txBody>
+      </p:sp>
+      <p:pic>
+        <p:nvPicPr>
+          <p:cNvPr id="8" name="Image 7">
+            <a:extLst>
+              <a:ext uri="{FF2B5EF4-FFF2-40B4-BE49-F238E27FC236}">
+                <a16:creationId xmlns:a16="http://schemas.microsoft.com/office/drawing/2014/main" id="{6D17F352-F7F9-4BB1-BA23-A052D8C69425}"/>
+              </a:ext>
+            </a:extLst>
+          </p:cNvPr>
+          <p:cNvPicPr>
+            <a:picLocks noChangeAspect="1"/>
+          </p:cNvPicPr>
+          <p:nvPr/>
+        </p:nvPicPr>
+        <p:blipFill>
+          <a:blip r:embed="rId2" cstate="print">
+            <a:extLst>
+              <a:ext uri="{28A0092B-C50C-407E-A947-70E740481C1C}">
+                <a14:useLocalDpi xmlns:a14="http://schemas.microsoft.com/office/drawing/2010/main" val="0"/>
+              </a:ext>
+            </a:extLst>
+          </a:blip>
+          <a:stretch>
+            <a:fillRect/>
+          </a:stretch>
+        </p:blipFill>
+        <p:spPr>
+          <a:xfrm>
+            <a:off x="10956839" y="328441"/>
+            <a:ext cx="793922" cy="793922"/>
+          </a:xfrm>
+          <a:prstGeom prst="rect">
+            <a:avLst/>
+          </a:prstGeom>
+        </p:spPr>
+      </p:pic>
+    </p:spTree>
+    <p:extLst>
+      <p:ext uri="{BB962C8B-B14F-4D97-AF65-F5344CB8AC3E}">
+        <p14:creationId xmlns:p14="http://schemas.microsoft.com/office/powerpoint/2010/main" val="162427287"/>
+      </p:ext>
+    </p:extLst>
+  </p:cSld>
+  <p:clrMapOvr>
+    <a:masterClrMapping/>
+  </p:clrMapOvr>
+</p:sld>
+</file>
+
+<file path=ppt/slides/slide51.xml><?xml version="1.0" encoding="utf-8"?>
+<p:sld xmlns:a="http://schemas.openxmlformats.org/drawingml/2006/main" xmlns:r="http://schemas.openxmlformats.org/officeDocument/2006/relationships" xmlns:p="http://schemas.openxmlformats.org/presentationml/2006/main">
+  <p:cSld>
+    <p:spTree>
+      <p:nvGrpSpPr>
+        <p:cNvPr id="1" name=""/>
+        <p:cNvGrpSpPr/>
+        <p:nvPr/>
+      </p:nvGrpSpPr>
+      <p:grpSpPr>
+        <a:xfrm>
+          <a:off x="0" y="0"/>
+          <a:ext cx="0" cy="0"/>
+          <a:chOff x="0" y="0"/>
+          <a:chExt cx="0" cy="0"/>
+        </a:xfrm>
+      </p:grpSpPr>
+      <p:sp>
+        <p:nvSpPr>
+          <p:cNvPr id="2" name="Title 1"/>
+          <p:cNvSpPr>
+            <a:spLocks noGrp="1"/>
+          </p:cNvSpPr>
+          <p:nvPr>
+            <p:ph type="title"/>
+          </p:nvPr>
+        </p:nvSpPr>
+        <p:spPr/>
+        <p:txBody>
+          <a:bodyPr/>
+          <a:lstStyle/>
+          <a:p>
+            <a:r>
+              <a:rPr lang="fr-FR" dirty="0" err="1"/>
+              <a:t>Random</a:t>
+            </a:r>
+            <a:r>
+              <a:rPr lang="fr-FR" dirty="0"/>
+              <a:t> Forest </a:t>
+            </a:r>
+            <a:r>
+              <a:rPr lang="fr-FR" dirty="0" err="1"/>
+              <a:t>Regressor</a:t>
+            </a:r>
+            <a:endParaRPr lang="fr-FR" dirty="0"/>
+          </a:p>
+        </p:txBody>
+      </p:sp>
+      <p:sp>
+        <p:nvSpPr>
+          <p:cNvPr id="5" name="ZoneTexte 4">
+            <a:extLst>
+              <a:ext uri="{FF2B5EF4-FFF2-40B4-BE49-F238E27FC236}">
+                <a16:creationId xmlns:a16="http://schemas.microsoft.com/office/drawing/2014/main" id="{4F0D84C7-2996-486F-8C9D-D18EE56781A9}"/>
+              </a:ext>
+            </a:extLst>
+          </p:cNvPr>
+          <p:cNvSpPr txBox="1"/>
+          <p:nvPr/>
+        </p:nvSpPr>
+        <p:spPr>
+          <a:xfrm>
+            <a:off x="992777" y="1690688"/>
+            <a:ext cx="10798629" cy="1815882"/>
+          </a:xfrm>
+          <a:prstGeom prst="rect">
+            <a:avLst/>
+          </a:prstGeom>
+          <a:noFill/>
+        </p:spPr>
+        <p:txBody>
+          <a:bodyPr wrap="square" rtlCol="0">
+            <a:spAutoFit/>
+          </a:bodyPr>
+          <a:lstStyle/>
+          <a:p>
+            <a:pPr marL="457200" indent="-457200">
+              <a:buFont typeface="Arial" panose="020B0604020202020204" pitchFamily="34" charset="0"/>
+              <a:buChar char="•"/>
+            </a:pPr>
+            <a:r>
+              <a:rPr lang="fr-FR" sz="2800" dirty="0"/>
+              <a:t>Il s’agit d’un bagging d’arbres de décision.</a:t>
+            </a:r>
+          </a:p>
+          <a:p>
+            <a:pPr marL="457200" indent="-457200">
+              <a:buFont typeface="Arial" panose="020B0604020202020204" pitchFamily="34" charset="0"/>
+              <a:buChar char="•"/>
+            </a:pPr>
+            <a:r>
+              <a:rPr lang="fr-FR" sz="2800" dirty="0"/>
+              <a:t>Il se caractérise par la parallélisation de prédiction réalisé par des apprenants faibles. (les arbres de décision) </a:t>
+            </a:r>
+          </a:p>
+          <a:p>
+            <a:pPr marL="457200" indent="-457200">
+              <a:buFont typeface="Arial" panose="020B0604020202020204" pitchFamily="34" charset="0"/>
+              <a:buChar char="•"/>
+            </a:pPr>
+            <a:r>
+              <a:rPr lang="fr-FR" sz="2800" dirty="0"/>
+              <a:t>Il permet d’avoir des résultats très stables.</a:t>
+            </a:r>
+          </a:p>
+        </p:txBody>
+      </p:sp>
+      <p:sp>
+        <p:nvSpPr>
+          <p:cNvPr id="6" name="Espace réservé de la date 5">
+            <a:extLst>
+              <a:ext uri="{FF2B5EF4-FFF2-40B4-BE49-F238E27FC236}">
+                <a16:creationId xmlns:a16="http://schemas.microsoft.com/office/drawing/2014/main" id="{9DBFE189-9A25-41B6-9E3E-12FDBA40508B}"/>
+              </a:ext>
+            </a:extLst>
+          </p:cNvPr>
+          <p:cNvSpPr>
+            <a:spLocks noGrp="1"/>
+          </p:cNvSpPr>
+          <p:nvPr>
+            <p:ph type="dt" sz="half" idx="10"/>
+          </p:nvPr>
+        </p:nvSpPr>
+        <p:spPr/>
+        <p:txBody>
+          <a:bodyPr/>
+          <a:lstStyle/>
+          <a:p>
+            <a:fld id="{EB375914-EBE1-4406-8F59-08A6FBE919B6}" type="datetime1">
+              <a:rPr lang="fr-FR" smtClean="0"/>
+              <a:t>20/04/2022</a:t>
+            </a:fld>
+            <a:endParaRPr lang="fr-FR"/>
+          </a:p>
+        </p:txBody>
+      </p:sp>
+      <p:sp>
+        <p:nvSpPr>
+          <p:cNvPr id="7" name="Espace réservé du pied de page 6">
+            <a:extLst>
+              <a:ext uri="{FF2B5EF4-FFF2-40B4-BE49-F238E27FC236}">
+                <a16:creationId xmlns:a16="http://schemas.microsoft.com/office/drawing/2014/main" id="{F043F0EC-4376-481C-8E61-5DABF840E109}"/>
+              </a:ext>
+            </a:extLst>
+          </p:cNvPr>
+          <p:cNvSpPr>
+            <a:spLocks noGrp="1"/>
+          </p:cNvSpPr>
+          <p:nvPr>
+            <p:ph type="ftr" sz="quarter" idx="11"/>
+          </p:nvPr>
+        </p:nvSpPr>
+        <p:spPr/>
+        <p:txBody>
+          <a:bodyPr/>
+          <a:lstStyle/>
+          <a:p>
+            <a:endParaRPr lang="fr-FR"/>
+          </a:p>
+        </p:txBody>
+      </p:sp>
+      <p:sp>
+        <p:nvSpPr>
+          <p:cNvPr id="8" name="Espace réservé du numéro de diapositive 7">
+            <a:extLst>
+              <a:ext uri="{FF2B5EF4-FFF2-40B4-BE49-F238E27FC236}">
+                <a16:creationId xmlns:a16="http://schemas.microsoft.com/office/drawing/2014/main" id="{079F3433-EC19-44E0-B88A-0053ADAB46F5}"/>
+              </a:ext>
+            </a:extLst>
+          </p:cNvPr>
+          <p:cNvSpPr>
+            <a:spLocks noGrp="1"/>
+          </p:cNvSpPr>
+          <p:nvPr>
+            <p:ph type="sldNum" sz="quarter" idx="12"/>
+          </p:nvPr>
+        </p:nvSpPr>
+        <p:spPr/>
+        <p:txBody>
+          <a:bodyPr/>
+          <a:lstStyle/>
+          <a:p>
+            <a:fld id="{18E746EB-9FA2-421E-BF58-AF3915BD22D4}" type="slidenum">
+              <a:rPr lang="fr-FR" smtClean="0"/>
+              <a:t>51</a:t>
+            </a:fld>
+            <a:endParaRPr lang="fr-FR"/>
+          </a:p>
+        </p:txBody>
+      </p:sp>
+    </p:spTree>
+    <p:extLst>
+      <p:ext uri="{BB962C8B-B14F-4D97-AF65-F5344CB8AC3E}">
+        <p14:creationId xmlns:p14="http://schemas.microsoft.com/office/powerpoint/2010/main" val="991017476"/>
+      </p:ext>
+    </p:extLst>
+  </p:cSld>
+  <p:clrMapOvr>
+    <a:masterClrMapping/>
+  </p:clrMapOvr>
+</p:sld>
+</file>
+
+<file path=ppt/slides/slide52.xml><?xml version="1.0" encoding="utf-8"?>
 <p:sld xmlns:a="http://schemas.openxmlformats.org/drawingml/2006/main" xmlns:r="http://schemas.openxmlformats.org/officeDocument/2006/relationships" xmlns:p="http://schemas.openxmlformats.org/presentationml/2006/main">
   <p:cSld>
     <p:spTree>
@@ -20201,7 +20531,7 @@
           <a:p>
             <a:fld id="{18E746EB-9FA2-421E-BF58-AF3915BD22D4}" type="slidenum">
               <a:rPr lang="fr-FR" smtClean="0"/>
-              <a:t>50</a:t>
+              <a:t>52</a:t>
             </a:fld>
             <a:endParaRPr lang="fr-FR"/>
           </a:p>
@@ -20220,7 +20550,7 @@
 </p:sld>
 </file>
 
-<file path=ppt/slides/slide51.xml><?xml version="1.0" encoding="utf-8"?>
+<file path=ppt/slides/slide53.xml><?xml version="1.0" encoding="utf-8"?>
 <p:sld xmlns:a="http://schemas.openxmlformats.org/drawingml/2006/main" xmlns:r="http://schemas.openxmlformats.org/officeDocument/2006/relationships" xmlns:p="http://schemas.openxmlformats.org/presentationml/2006/main">
   <p:cSld>
     <p:spTree>
@@ -20417,7 +20747,7 @@
           <a:p>
             <a:fld id="{18E746EB-9FA2-421E-BF58-AF3915BD22D4}" type="slidenum">
               <a:rPr lang="fr-FR" smtClean="0"/>
-              <a:t>51</a:t>
+              <a:t>53</a:t>
             </a:fld>
             <a:endParaRPr lang="fr-FR"/>
           </a:p>
@@ -20436,7 +20766,7 @@
 </p:sld>
 </file>
 
-<file path=ppt/slides/slide52.xml><?xml version="1.0" encoding="utf-8"?>
+<file path=ppt/slides/slide54.xml><?xml version="1.0" encoding="utf-8"?>
 <p:sld xmlns:a="http://schemas.openxmlformats.org/drawingml/2006/main" xmlns:r="http://schemas.openxmlformats.org/officeDocument/2006/relationships" xmlns:p="http://schemas.openxmlformats.org/presentationml/2006/main">
   <p:cSld>
     <p:spTree>
@@ -20630,7 +20960,7 @@
           <a:p>
             <a:fld id="{18E746EB-9FA2-421E-BF58-AF3915BD22D4}" type="slidenum">
               <a:rPr lang="fr-FR" smtClean="0"/>
-              <a:t>52</a:t>
+              <a:t>54</a:t>
             </a:fld>
             <a:endParaRPr lang="fr-FR"/>
           </a:p>
@@ -20649,7 +20979,7 @@
 </p:sld>
 </file>
 
-<file path=ppt/slides/slide53.xml><?xml version="1.0" encoding="utf-8"?>
+<file path=ppt/slides/slide55.xml><?xml version="1.0" encoding="utf-8"?>
 <p:sld xmlns:a="http://schemas.openxmlformats.org/drawingml/2006/main" xmlns:r="http://schemas.openxmlformats.org/officeDocument/2006/relationships" xmlns:p="http://schemas.openxmlformats.org/presentationml/2006/main">
   <p:cSld>
     <p:spTree>
@@ -21734,7 +22064,7 @@
           <a:p>
             <a:fld id="{18E746EB-9FA2-421E-BF58-AF3915BD22D4}" type="slidenum">
               <a:rPr lang="fr-FR" smtClean="0"/>
-              <a:t>53</a:t>
+              <a:t>55</a:t>
             </a:fld>
             <a:endParaRPr lang="fr-FR"/>
           </a:p>
@@ -21753,7 +22083,7 @@
 </p:sld>
 </file>
 
-<file path=ppt/slides/slide54.xml><?xml version="1.0" encoding="utf-8"?>
+<file path=ppt/slides/slide56.xml><?xml version="1.0" encoding="utf-8"?>
 <p:sld xmlns:a="http://schemas.openxmlformats.org/drawingml/2006/main" xmlns:r="http://schemas.openxmlformats.org/officeDocument/2006/relationships" xmlns:p="http://schemas.openxmlformats.org/presentationml/2006/main">
   <p:cSld>
     <p:spTree>
@@ -21949,7 +22279,7 @@
           <a:p>
             <a:fld id="{18E746EB-9FA2-421E-BF58-AF3915BD22D4}" type="slidenum">
               <a:rPr lang="fr-FR" smtClean="0"/>
-              <a:t>54</a:t>
+              <a:t>56</a:t>
             </a:fld>
             <a:endParaRPr lang="fr-FR"/>
           </a:p>
@@ -21968,7 +22298,7 @@
 </p:sld>
 </file>
 
-<file path=ppt/slides/slide55.xml><?xml version="1.0" encoding="utf-8"?>
+<file path=ppt/slides/slide57.xml><?xml version="1.0" encoding="utf-8"?>
 <p:sld xmlns:a="http://schemas.openxmlformats.org/drawingml/2006/main" xmlns:r="http://schemas.openxmlformats.org/officeDocument/2006/relationships" xmlns:p="http://schemas.openxmlformats.org/presentationml/2006/main">
   <p:cSld>
     <p:spTree>
@@ -22128,7 +22458,7 @@
 </p:sld>
 </file>
 
-<file path=ppt/slides/slide56.xml><?xml version="1.0" encoding="utf-8"?>
+<file path=ppt/slides/slide58.xml><?xml version="1.0" encoding="utf-8"?>
 <p:sld xmlns:a="http://schemas.openxmlformats.org/drawingml/2006/main" xmlns:r="http://schemas.openxmlformats.org/officeDocument/2006/relationships" xmlns:p="http://schemas.openxmlformats.org/presentationml/2006/main">
   <p:cSld>
     <p:spTree>
@@ -24369,7 +24699,7 @@
           <a:p>
             <a:fld id="{18E746EB-9FA2-421E-BF58-AF3915BD22D4}" type="slidenum">
               <a:rPr lang="fr-FR" smtClean="0"/>
-              <a:t>56</a:t>
+              <a:t>58</a:t>
             </a:fld>
             <a:endParaRPr lang="fr-FR"/>
           </a:p>
@@ -24388,7 +24718,7 @@
 </p:sld>
 </file>
 
-<file path=ppt/slides/slide57.xml><?xml version="1.0" encoding="utf-8"?>
+<file path=ppt/slides/slide59.xml><?xml version="1.0" encoding="utf-8"?>
 <p:sld xmlns:a="http://schemas.openxmlformats.org/drawingml/2006/main" xmlns:r="http://schemas.openxmlformats.org/officeDocument/2006/relationships" xmlns:p="http://schemas.openxmlformats.org/presentationml/2006/main">
   <p:cSld>
     <p:spTree>
@@ -24798,7 +25128,7 @@
           <a:p>
             <a:fld id="{18E746EB-9FA2-421E-BF58-AF3915BD22D4}" type="slidenum">
               <a:rPr lang="fr-FR" smtClean="0"/>
-              <a:t>57</a:t>
+              <a:t>59</a:t>
             </a:fld>
             <a:endParaRPr lang="fr-FR"/>
           </a:p>
@@ -24808,411 +25138,6 @@
     <p:extLst>
       <p:ext uri="{BB962C8B-B14F-4D97-AF65-F5344CB8AC3E}">
         <p14:creationId xmlns:p14="http://schemas.microsoft.com/office/powerpoint/2010/main" val="729699334"/>
-      </p:ext>
-    </p:extLst>
-  </p:cSld>
-  <p:clrMapOvr>
-    <a:masterClrMapping/>
-  </p:clrMapOvr>
-</p:sld>
-</file>
-
-<file path=ppt/slides/slide58.xml><?xml version="1.0" encoding="utf-8"?>
-<p:sld xmlns:a="http://schemas.openxmlformats.org/drawingml/2006/main" xmlns:r="http://schemas.openxmlformats.org/officeDocument/2006/relationships" xmlns:p="http://schemas.openxmlformats.org/presentationml/2006/main">
-  <p:cSld>
-    <p:spTree>
-      <p:nvGrpSpPr>
-        <p:cNvPr id="1" name=""/>
-        <p:cNvGrpSpPr/>
-        <p:nvPr/>
-      </p:nvGrpSpPr>
-      <p:grpSpPr>
-        <a:xfrm>
-          <a:off x="0" y="0"/>
-          <a:ext cx="0" cy="0"/>
-          <a:chOff x="0" y="0"/>
-          <a:chExt cx="0" cy="0"/>
-        </a:xfrm>
-      </p:grpSpPr>
-      <p:sp>
-        <p:nvSpPr>
-          <p:cNvPr id="7" name="Rectangle 6">
-            <a:extLst>
-              <a:ext uri="{FF2B5EF4-FFF2-40B4-BE49-F238E27FC236}">
-                <a16:creationId xmlns:a16="http://schemas.microsoft.com/office/drawing/2014/main" id="{B8981559-5664-45B4-A772-09B56223EA79}"/>
-              </a:ext>
-            </a:extLst>
-          </p:cNvPr>
-          <p:cNvSpPr/>
-          <p:nvPr/>
-        </p:nvSpPr>
-        <p:spPr>
-          <a:xfrm>
-            <a:off x="0" y="0"/>
-            <a:ext cx="12192000" cy="6858000"/>
-          </a:xfrm>
-          <a:prstGeom prst="rect">
-            <a:avLst/>
-          </a:prstGeom>
-          <a:solidFill>
-            <a:srgbClr val="7451EB"/>
-          </a:solidFill>
-        </p:spPr>
-        <p:style>
-          <a:lnRef idx="2">
-            <a:schemeClr val="accent1">
-              <a:shade val="50000"/>
-            </a:schemeClr>
-          </a:lnRef>
-          <a:fillRef idx="1">
-            <a:schemeClr val="accent1"/>
-          </a:fillRef>
-          <a:effectRef idx="0">
-            <a:schemeClr val="accent1"/>
-          </a:effectRef>
-          <a:fontRef idx="minor">
-            <a:schemeClr val="lt1"/>
-          </a:fontRef>
-        </p:style>
-        <p:txBody>
-          <a:bodyPr rtlCol="0" anchor="ctr"/>
-          <a:lstStyle/>
-          <a:p>
-            <a:pPr algn="ctr"/>
-            <a:endParaRPr lang="fr-FR" dirty="0"/>
-          </a:p>
-        </p:txBody>
-      </p:sp>
-      <p:sp>
-        <p:nvSpPr>
-          <p:cNvPr id="2" name="Title 1"/>
-          <p:cNvSpPr>
-            <a:spLocks noGrp="1"/>
-          </p:cNvSpPr>
-          <p:nvPr>
-            <p:ph type="ctrTitle"/>
-          </p:nvPr>
-        </p:nvSpPr>
-        <p:spPr/>
-        <p:txBody>
-          <a:bodyPr/>
-          <a:lstStyle/>
-          <a:p>
-            <a:r>
-              <a:rPr lang="fr-FR" dirty="0">
-                <a:solidFill>
-                  <a:schemeClr val="bg1"/>
-                </a:solidFill>
-              </a:rPr>
-              <a:t>Intérêt de l’</a:t>
-            </a:r>
-            <a:r>
-              <a:rPr lang="fr-FR" dirty="0" err="1">
-                <a:solidFill>
-                  <a:schemeClr val="bg1"/>
-                </a:solidFill>
-              </a:rPr>
-              <a:t>energy</a:t>
-            </a:r>
-            <a:r>
-              <a:rPr lang="fr-FR" dirty="0">
-                <a:solidFill>
-                  <a:schemeClr val="bg1"/>
-                </a:solidFill>
-              </a:rPr>
-              <a:t> star score</a:t>
-            </a:r>
-          </a:p>
-        </p:txBody>
-      </p:sp>
-      <p:sp>
-        <p:nvSpPr>
-          <p:cNvPr id="4" name="Subtitle 3"/>
-          <p:cNvSpPr>
-            <a:spLocks noGrp="1"/>
-          </p:cNvSpPr>
-          <p:nvPr>
-            <p:ph type="subTitle" idx="1"/>
-          </p:nvPr>
-        </p:nvSpPr>
-        <p:spPr/>
-        <p:txBody>
-          <a:bodyPr/>
-          <a:lstStyle/>
-          <a:p>
-            <a:endParaRPr lang="fr-FR" dirty="0"/>
-          </a:p>
-        </p:txBody>
-      </p:sp>
-      <p:pic>
-        <p:nvPicPr>
-          <p:cNvPr id="8" name="Image 7">
-            <a:extLst>
-              <a:ext uri="{FF2B5EF4-FFF2-40B4-BE49-F238E27FC236}">
-                <a16:creationId xmlns:a16="http://schemas.microsoft.com/office/drawing/2014/main" id="{E7E054E6-A3EA-4369-8E32-83474B9120E2}"/>
-              </a:ext>
-            </a:extLst>
-          </p:cNvPr>
-          <p:cNvPicPr>
-            <a:picLocks noChangeAspect="1"/>
-          </p:cNvPicPr>
-          <p:nvPr/>
-        </p:nvPicPr>
-        <p:blipFill>
-          <a:blip r:embed="rId2" cstate="print">
-            <a:extLst>
-              <a:ext uri="{28A0092B-C50C-407E-A947-70E740481C1C}">
-                <a14:useLocalDpi xmlns:a14="http://schemas.microsoft.com/office/drawing/2010/main" val="0"/>
-              </a:ext>
-            </a:extLst>
-          </a:blip>
-          <a:stretch>
-            <a:fillRect/>
-          </a:stretch>
-        </p:blipFill>
-        <p:spPr>
-          <a:xfrm>
-            <a:off x="10956839" y="328441"/>
-            <a:ext cx="793922" cy="793922"/>
-          </a:xfrm>
-          <a:prstGeom prst="rect">
-            <a:avLst/>
-          </a:prstGeom>
-        </p:spPr>
-      </p:pic>
-    </p:spTree>
-    <p:extLst>
-      <p:ext uri="{BB962C8B-B14F-4D97-AF65-F5344CB8AC3E}">
-        <p14:creationId xmlns:p14="http://schemas.microsoft.com/office/powerpoint/2010/main" val="4095213598"/>
-      </p:ext>
-    </p:extLst>
-  </p:cSld>
-  <p:clrMapOvr>
-    <a:masterClrMapping/>
-  </p:clrMapOvr>
-</p:sld>
-</file>
-
-<file path=ppt/slides/slide59.xml><?xml version="1.0" encoding="utf-8"?>
-<p:sld xmlns:a="http://schemas.openxmlformats.org/drawingml/2006/main" xmlns:r="http://schemas.openxmlformats.org/officeDocument/2006/relationships" xmlns:p="http://schemas.openxmlformats.org/presentationml/2006/main">
-  <p:cSld>
-    <p:spTree>
-      <p:nvGrpSpPr>
-        <p:cNvPr id="1" name=""/>
-        <p:cNvGrpSpPr/>
-        <p:nvPr/>
-      </p:nvGrpSpPr>
-      <p:grpSpPr>
-        <a:xfrm>
-          <a:off x="0" y="0"/>
-          <a:ext cx="0" cy="0"/>
-          <a:chOff x="0" y="0"/>
-          <a:chExt cx="0" cy="0"/>
-        </a:xfrm>
-      </p:grpSpPr>
-      <p:sp>
-        <p:nvSpPr>
-          <p:cNvPr id="2" name="Title 1"/>
-          <p:cNvSpPr>
-            <a:spLocks noGrp="1"/>
-          </p:cNvSpPr>
-          <p:nvPr>
-            <p:ph type="title"/>
-          </p:nvPr>
-        </p:nvSpPr>
-        <p:spPr/>
-        <p:txBody>
-          <a:bodyPr/>
-          <a:lstStyle/>
-          <a:p>
-            <a:r>
-              <a:rPr lang="fr-FR" dirty="0"/>
-              <a:t>Comment évaluer l’intérêt de cette variable ?</a:t>
-            </a:r>
-          </a:p>
-        </p:txBody>
-      </p:sp>
-      <p:sp>
-        <p:nvSpPr>
-          <p:cNvPr id="6" name="ZoneTexte 5">
-            <a:extLst>
-              <a:ext uri="{FF2B5EF4-FFF2-40B4-BE49-F238E27FC236}">
-                <a16:creationId xmlns:a16="http://schemas.microsoft.com/office/drawing/2014/main" id="{E81F5505-8C03-48E4-A224-F2037845698E}"/>
-              </a:ext>
-            </a:extLst>
-          </p:cNvPr>
-          <p:cNvSpPr txBox="1"/>
-          <p:nvPr/>
-        </p:nvSpPr>
-        <p:spPr>
-          <a:xfrm>
-            <a:off x="1175657" y="1854926"/>
-            <a:ext cx="10110652" cy="2246769"/>
-          </a:xfrm>
-          <a:prstGeom prst="rect">
-            <a:avLst/>
-          </a:prstGeom>
-          <a:noFill/>
-        </p:spPr>
-        <p:txBody>
-          <a:bodyPr wrap="square" rtlCol="0">
-            <a:spAutoFit/>
-          </a:bodyPr>
-          <a:lstStyle/>
-          <a:p>
-            <a:r>
-              <a:rPr lang="fr-FR" sz="2800" dirty="0"/>
-              <a:t>On lance le modèle qu’on a sélectionné (</a:t>
-            </a:r>
-            <a:r>
-              <a:rPr lang="fr-FR" sz="2800" dirty="0" err="1"/>
-              <a:t>GradientBoosting</a:t>
-            </a:r>
-            <a:r>
-              <a:rPr lang="fr-FR" sz="2800" dirty="0"/>
-              <a:t>) avec deux </a:t>
-            </a:r>
-            <a:r>
-              <a:rPr lang="fr-FR" sz="2800" dirty="0" err="1"/>
-              <a:t>datasets</a:t>
-            </a:r>
-            <a:r>
-              <a:rPr lang="fr-FR" sz="2800" dirty="0"/>
-              <a:t> :</a:t>
-            </a:r>
-          </a:p>
-          <a:p>
-            <a:pPr marL="914400" lvl="1" indent="-457200">
-              <a:buFont typeface="Arial" panose="020B0604020202020204" pitchFamily="34" charset="0"/>
-              <a:buChar char="•"/>
-            </a:pPr>
-            <a:r>
-              <a:rPr lang="fr-FR" sz="2800" dirty="0"/>
-              <a:t>Un </a:t>
-            </a:r>
-            <a:r>
-              <a:rPr lang="fr-FR" sz="2800" dirty="0" err="1"/>
-              <a:t>dataset</a:t>
-            </a:r>
-            <a:r>
-              <a:rPr lang="fr-FR" sz="2800" dirty="0"/>
-              <a:t> avec l’ENERGY STAR SCORE</a:t>
-            </a:r>
-          </a:p>
-          <a:p>
-            <a:pPr marL="914400" lvl="1" indent="-457200">
-              <a:buFont typeface="Arial" panose="020B0604020202020204" pitchFamily="34" charset="0"/>
-              <a:buChar char="•"/>
-            </a:pPr>
-            <a:r>
-              <a:rPr lang="fr-FR" sz="2800" dirty="0"/>
-              <a:t>Un </a:t>
-            </a:r>
-            <a:r>
-              <a:rPr lang="fr-FR" sz="2800" dirty="0" err="1"/>
-              <a:t>dataset</a:t>
-            </a:r>
-            <a:r>
-              <a:rPr lang="fr-FR" sz="2800" dirty="0"/>
-              <a:t> sans l’ENERGY STAR SCORE</a:t>
-            </a:r>
-          </a:p>
-          <a:p>
-            <a:pPr marL="914400" lvl="1" indent="-457200">
-              <a:buFont typeface="Arial" panose="020B0604020202020204" pitchFamily="34" charset="0"/>
-              <a:buChar char="•"/>
-            </a:pPr>
-            <a:endParaRPr lang="fr-FR" sz="2800" dirty="0"/>
-          </a:p>
-        </p:txBody>
-      </p:sp>
-      <p:sp>
-        <p:nvSpPr>
-          <p:cNvPr id="7" name="Espace réservé de la date 6">
-            <a:extLst>
-              <a:ext uri="{FF2B5EF4-FFF2-40B4-BE49-F238E27FC236}">
-                <a16:creationId xmlns:a16="http://schemas.microsoft.com/office/drawing/2014/main" id="{1549698E-F409-4D66-AE63-7AC3E06119E5}"/>
-              </a:ext>
-            </a:extLst>
-          </p:cNvPr>
-          <p:cNvSpPr>
-            <a:spLocks noGrp="1"/>
-          </p:cNvSpPr>
-          <p:nvPr>
-            <p:ph type="dt" sz="half" idx="10"/>
-          </p:nvPr>
-        </p:nvSpPr>
-        <p:spPr/>
-        <p:txBody>
-          <a:bodyPr/>
-          <a:lstStyle/>
-          <a:p>
-            <a:fld id="{F7DC8D78-FEC6-4A69-A6D2-E2505F58D776}" type="datetime1">
-              <a:rPr lang="fr-FR" smtClean="0"/>
-              <a:t>20/04/2022</a:t>
-            </a:fld>
-            <a:endParaRPr lang="fr-FR"/>
-          </a:p>
-        </p:txBody>
-      </p:sp>
-      <p:sp>
-        <p:nvSpPr>
-          <p:cNvPr id="8" name="Espace réservé du pied de page 7">
-            <a:extLst>
-              <a:ext uri="{FF2B5EF4-FFF2-40B4-BE49-F238E27FC236}">
-                <a16:creationId xmlns:a16="http://schemas.microsoft.com/office/drawing/2014/main" id="{10D847CD-1FE9-4ADA-AA60-D29647C60E49}"/>
-              </a:ext>
-            </a:extLst>
-          </p:cNvPr>
-          <p:cNvSpPr>
-            <a:spLocks noGrp="1"/>
-          </p:cNvSpPr>
-          <p:nvPr>
-            <p:ph type="ftr" sz="quarter" idx="11"/>
-          </p:nvPr>
-        </p:nvSpPr>
-        <p:spPr/>
-        <p:txBody>
-          <a:bodyPr/>
-          <a:lstStyle/>
-          <a:p>
-            <a:endParaRPr lang="fr-FR"/>
-          </a:p>
-        </p:txBody>
-      </p:sp>
-      <p:sp>
-        <p:nvSpPr>
-          <p:cNvPr id="9" name="Espace réservé du numéro de diapositive 8">
-            <a:extLst>
-              <a:ext uri="{FF2B5EF4-FFF2-40B4-BE49-F238E27FC236}">
-                <a16:creationId xmlns:a16="http://schemas.microsoft.com/office/drawing/2014/main" id="{CBC1AB3B-B7EA-427E-9EEC-941E8C9291F4}"/>
-              </a:ext>
-            </a:extLst>
-          </p:cNvPr>
-          <p:cNvSpPr>
-            <a:spLocks noGrp="1"/>
-          </p:cNvSpPr>
-          <p:nvPr>
-            <p:ph type="sldNum" sz="quarter" idx="12"/>
-          </p:nvPr>
-        </p:nvSpPr>
-        <p:spPr/>
-        <p:txBody>
-          <a:bodyPr/>
-          <a:lstStyle/>
-          <a:p>
-            <a:fld id="{18E746EB-9FA2-421E-BF58-AF3915BD22D4}" type="slidenum">
-              <a:rPr lang="fr-FR" smtClean="0"/>
-              <a:t>59</a:t>
-            </a:fld>
-            <a:endParaRPr lang="fr-FR"/>
-          </a:p>
-        </p:txBody>
-      </p:sp>
-    </p:spTree>
-    <p:extLst>
-      <p:ext uri="{BB962C8B-B14F-4D97-AF65-F5344CB8AC3E}">
-        <p14:creationId xmlns:p14="http://schemas.microsoft.com/office/powerpoint/2010/main" val="34301971"/>
       </p:ext>
     </p:extLst>
   </p:cSld>
@@ -25469,12 +25394,61 @@
       </p:grpSpPr>
       <p:sp>
         <p:nvSpPr>
+          <p:cNvPr id="7" name="Rectangle 6">
+            <a:extLst>
+              <a:ext uri="{FF2B5EF4-FFF2-40B4-BE49-F238E27FC236}">
+                <a16:creationId xmlns:a16="http://schemas.microsoft.com/office/drawing/2014/main" id="{B8981559-5664-45B4-A772-09B56223EA79}"/>
+              </a:ext>
+            </a:extLst>
+          </p:cNvPr>
+          <p:cNvSpPr/>
+          <p:nvPr/>
+        </p:nvSpPr>
+        <p:spPr>
+          <a:xfrm>
+            <a:off x="0" y="0"/>
+            <a:ext cx="12192000" cy="6858000"/>
+          </a:xfrm>
+          <a:prstGeom prst="rect">
+            <a:avLst/>
+          </a:prstGeom>
+          <a:solidFill>
+            <a:srgbClr val="7451EB"/>
+          </a:solidFill>
+        </p:spPr>
+        <p:style>
+          <a:lnRef idx="2">
+            <a:schemeClr val="accent1">
+              <a:shade val="50000"/>
+            </a:schemeClr>
+          </a:lnRef>
+          <a:fillRef idx="1">
+            <a:schemeClr val="accent1"/>
+          </a:fillRef>
+          <a:effectRef idx="0">
+            <a:schemeClr val="accent1"/>
+          </a:effectRef>
+          <a:fontRef idx="minor">
+            <a:schemeClr val="lt1"/>
+          </a:fontRef>
+        </p:style>
+        <p:txBody>
+          <a:bodyPr rtlCol="0" anchor="ctr"/>
+          <a:lstStyle/>
+          <a:p>
+            <a:pPr algn="ctr"/>
+            <a:endParaRPr lang="fr-FR" dirty="0"/>
+          </a:p>
+        </p:txBody>
+      </p:sp>
+      <p:sp>
+        <p:nvSpPr>
           <p:cNvPr id="2" name="Title 1"/>
           <p:cNvSpPr>
             <a:spLocks noGrp="1"/>
           </p:cNvSpPr>
           <p:nvPr>
-            <p:ph type="title"/>
+            <p:ph type="ctrTitle"/>
           </p:nvPr>
         </p:nvSpPr>
         <p:spPr/>
@@ -25483,18 +25457,57 @@
           <a:lstStyle/>
           <a:p>
             <a:r>
-              <a:rPr lang="fr-FR" dirty="0"/>
-              <a:t>Résultats de l’analyse</a:t>
-            </a:r>
+              <a:rPr lang="fr-FR" dirty="0">
+                <a:solidFill>
+                  <a:schemeClr val="bg1"/>
+                </a:solidFill>
+              </a:rPr>
+              <a:t>Intérêt de l’</a:t>
+            </a:r>
+            <a:r>
+              <a:rPr lang="fr-FR" dirty="0" err="1">
+                <a:solidFill>
+                  <a:schemeClr val="bg1"/>
+                </a:solidFill>
+              </a:rPr>
+              <a:t>energy</a:t>
+            </a:r>
+            <a:r>
+              <a:rPr lang="fr-FR" dirty="0">
+                <a:solidFill>
+                  <a:schemeClr val="bg1"/>
+                </a:solidFill>
+              </a:rPr>
+              <a:t> star score</a:t>
+            </a:r>
+          </a:p>
+        </p:txBody>
+      </p:sp>
+      <p:sp>
+        <p:nvSpPr>
+          <p:cNvPr id="4" name="Subtitle 3"/>
+          <p:cNvSpPr>
+            <a:spLocks noGrp="1"/>
+          </p:cNvSpPr>
+          <p:nvPr>
+            <p:ph type="subTitle" idx="1"/>
+          </p:nvPr>
+        </p:nvSpPr>
+        <p:spPr/>
+        <p:txBody>
+          <a:bodyPr/>
+          <a:lstStyle/>
+          <a:p>
+            <a:endParaRPr lang="fr-FR" dirty="0"/>
           </a:p>
         </p:txBody>
       </p:sp>
       <p:pic>
         <p:nvPicPr>
-          <p:cNvPr id="5" name="Image 4">
-            <a:extLst>
-              <a:ext uri="{FF2B5EF4-FFF2-40B4-BE49-F238E27FC236}">
-                <a16:creationId xmlns:a16="http://schemas.microsoft.com/office/drawing/2014/main" id="{160C450E-CE59-4912-BF2E-46E71E381277}"/>
+          <p:cNvPr id="8" name="Image 7">
+            <a:extLst>
+              <a:ext uri="{FF2B5EF4-FFF2-40B4-BE49-F238E27FC236}">
+                <a16:creationId xmlns:a16="http://schemas.microsoft.com/office/drawing/2014/main" id="{E7E054E6-A3EA-4369-8E32-83474B9120E2}"/>
               </a:ext>
             </a:extLst>
           </p:cNvPr>
@@ -25504,156 +25517,31 @@
           <p:nvPr/>
         </p:nvPicPr>
         <p:blipFill>
-          <a:blip r:embed="rId2"/>
+          <a:blip r:embed="rId2" cstate="print">
+            <a:extLst>
+              <a:ext uri="{28A0092B-C50C-407E-A947-70E740481C1C}">
+                <a14:useLocalDpi xmlns:a14="http://schemas.microsoft.com/office/drawing/2010/main" val="0"/>
+              </a:ext>
+            </a:extLst>
+          </a:blip>
           <a:stretch>
             <a:fillRect/>
           </a:stretch>
         </p:blipFill>
         <p:spPr>
           <a:xfrm>
-            <a:off x="1171166" y="1672131"/>
-            <a:ext cx="5020628" cy="4820744"/>
+            <a:off x="10956839" y="328441"/>
+            <a:ext cx="793922" cy="793922"/>
           </a:xfrm>
           <a:prstGeom prst="rect">
             <a:avLst/>
           </a:prstGeom>
         </p:spPr>
       </p:pic>
-      <p:sp>
-        <p:nvSpPr>
-          <p:cNvPr id="3" name="ZoneTexte 2">
-            <a:extLst>
-              <a:ext uri="{FF2B5EF4-FFF2-40B4-BE49-F238E27FC236}">
-                <a16:creationId xmlns:a16="http://schemas.microsoft.com/office/drawing/2014/main" id="{181B27E5-5CF4-4D81-B6B9-3604DAFFB6EF}"/>
-              </a:ext>
-            </a:extLst>
-          </p:cNvPr>
-          <p:cNvSpPr txBox="1"/>
-          <p:nvPr/>
-        </p:nvSpPr>
-        <p:spPr>
-          <a:xfrm>
-            <a:off x="6524760" y="1690688"/>
-            <a:ext cx="5381897" cy="3539430"/>
-          </a:xfrm>
-          <a:prstGeom prst="rect">
-            <a:avLst/>
-          </a:prstGeom>
-          <a:noFill/>
-        </p:spPr>
-        <p:txBody>
-          <a:bodyPr wrap="square" rtlCol="0">
-            <a:spAutoFit/>
-          </a:bodyPr>
-          <a:lstStyle/>
-          <a:p>
-            <a:r>
-              <a:rPr lang="fr-FR" sz="2800" dirty="0"/>
-              <a:t>Il y a un gain de 0.03 point pour le R2</a:t>
-            </a:r>
-          </a:p>
-          <a:p>
-            <a:endParaRPr lang="fr-FR" sz="2800" dirty="0"/>
-          </a:p>
-          <a:p>
-            <a:pPr marL="457200" indent="-457200">
-              <a:buFont typeface="Wingdings" panose="05000000000000000000" pitchFamily="2" charset="2"/>
-              <a:buChar char="Ø"/>
-            </a:pPr>
-            <a:r>
-              <a:rPr lang="fr-FR" sz="2800" dirty="0"/>
-              <a:t>Compte-tenu du caractère fastidieux du calcul de cette variable et le gain faible qu’elle représente, on choisit de renoncer à son calcul.</a:t>
-            </a:r>
-          </a:p>
-        </p:txBody>
-      </p:sp>
-      <p:sp>
-        <p:nvSpPr>
-          <p:cNvPr id="4" name="Espace réservé de la date 3">
-            <a:extLst>
-              <a:ext uri="{FF2B5EF4-FFF2-40B4-BE49-F238E27FC236}">
-                <a16:creationId xmlns:a16="http://schemas.microsoft.com/office/drawing/2014/main" id="{78AF651B-8D3F-4E9A-9C73-B3583F2FA821}"/>
-              </a:ext>
-            </a:extLst>
-          </p:cNvPr>
-          <p:cNvSpPr>
-            <a:spLocks noGrp="1"/>
-          </p:cNvSpPr>
-          <p:nvPr>
-            <p:ph type="dt" sz="half" idx="10"/>
-          </p:nvPr>
-        </p:nvSpPr>
-        <p:spPr/>
-        <p:txBody>
-          <a:bodyPr/>
-          <a:lstStyle/>
-          <a:p>
-            <a:fld id="{F24204DA-A500-4841-98D6-0284AF2AB116}" type="datetime1">
-              <a:rPr lang="fr-FR" smtClean="0"/>
-              <a:t>20/04/2022</a:t>
-            </a:fld>
-            <a:endParaRPr lang="fr-FR"/>
-          </a:p>
-        </p:txBody>
-      </p:sp>
-      <p:sp>
-        <p:nvSpPr>
-          <p:cNvPr id="6" name="Espace réservé du pied de page 5">
-            <a:extLst>
-              <a:ext uri="{FF2B5EF4-FFF2-40B4-BE49-F238E27FC236}">
-                <a16:creationId xmlns:a16="http://schemas.microsoft.com/office/drawing/2014/main" id="{A77CEC63-BD25-406F-91B5-1284072500C1}"/>
-              </a:ext>
-            </a:extLst>
-          </p:cNvPr>
-          <p:cNvSpPr>
-            <a:spLocks noGrp="1"/>
-          </p:cNvSpPr>
-          <p:nvPr>
-            <p:ph type="ftr" sz="quarter" idx="11"/>
-          </p:nvPr>
-        </p:nvSpPr>
-        <p:spPr/>
-        <p:txBody>
-          <a:bodyPr/>
-          <a:lstStyle/>
-          <a:p>
-            <a:endParaRPr lang="fr-FR"/>
-          </a:p>
-        </p:txBody>
-      </p:sp>
-      <p:sp>
-        <p:nvSpPr>
-          <p:cNvPr id="7" name="Espace réservé du numéro de diapositive 6">
-            <a:extLst>
-              <a:ext uri="{FF2B5EF4-FFF2-40B4-BE49-F238E27FC236}">
-                <a16:creationId xmlns:a16="http://schemas.microsoft.com/office/drawing/2014/main" id="{D273F020-7258-4CB3-9C7C-72F3868A71C5}"/>
-              </a:ext>
-            </a:extLst>
-          </p:cNvPr>
-          <p:cNvSpPr>
-            <a:spLocks noGrp="1"/>
-          </p:cNvSpPr>
-          <p:nvPr>
-            <p:ph type="sldNum" sz="quarter" idx="12"/>
-          </p:nvPr>
-        </p:nvSpPr>
-        <p:spPr/>
-        <p:txBody>
-          <a:bodyPr/>
-          <a:lstStyle/>
-          <a:p>
-            <a:fld id="{18E746EB-9FA2-421E-BF58-AF3915BD22D4}" type="slidenum">
-              <a:rPr lang="fr-FR" smtClean="0"/>
-              <a:t>60</a:t>
-            </a:fld>
-            <a:endParaRPr lang="fr-FR"/>
-          </a:p>
-        </p:txBody>
-      </p:sp>
     </p:spTree>
     <p:extLst>
       <p:ext uri="{BB962C8B-B14F-4D97-AF65-F5344CB8AC3E}">
-        <p14:creationId xmlns:p14="http://schemas.microsoft.com/office/powerpoint/2010/main" val="1433333921"/>
+        <p14:creationId xmlns:p14="http://schemas.microsoft.com/office/powerpoint/2010/main" val="4095213598"/>
       </p:ext>
     </p:extLst>
   </p:cSld>
@@ -25687,6 +25575,448 @@
             <a:spLocks noGrp="1"/>
           </p:cNvSpPr>
           <p:nvPr>
+            <p:ph type="title"/>
+          </p:nvPr>
+        </p:nvSpPr>
+        <p:spPr/>
+        <p:txBody>
+          <a:bodyPr/>
+          <a:lstStyle/>
+          <a:p>
+            <a:r>
+              <a:rPr lang="fr-FR" dirty="0"/>
+              <a:t>Comment évaluer l’intérêt de cette variable ?</a:t>
+            </a:r>
+          </a:p>
+        </p:txBody>
+      </p:sp>
+      <p:sp>
+        <p:nvSpPr>
+          <p:cNvPr id="6" name="ZoneTexte 5">
+            <a:extLst>
+              <a:ext uri="{FF2B5EF4-FFF2-40B4-BE49-F238E27FC236}">
+                <a16:creationId xmlns:a16="http://schemas.microsoft.com/office/drawing/2014/main" id="{E81F5505-8C03-48E4-A224-F2037845698E}"/>
+              </a:ext>
+            </a:extLst>
+          </p:cNvPr>
+          <p:cNvSpPr txBox="1"/>
+          <p:nvPr/>
+        </p:nvSpPr>
+        <p:spPr>
+          <a:xfrm>
+            <a:off x="1175657" y="1854926"/>
+            <a:ext cx="10110652" cy="2246769"/>
+          </a:xfrm>
+          <a:prstGeom prst="rect">
+            <a:avLst/>
+          </a:prstGeom>
+          <a:noFill/>
+        </p:spPr>
+        <p:txBody>
+          <a:bodyPr wrap="square" rtlCol="0">
+            <a:spAutoFit/>
+          </a:bodyPr>
+          <a:lstStyle/>
+          <a:p>
+            <a:r>
+              <a:rPr lang="fr-FR" sz="2800" dirty="0"/>
+              <a:t>On lance le modèle qu’on a sélectionné (</a:t>
+            </a:r>
+            <a:r>
+              <a:rPr lang="fr-FR" sz="2800" dirty="0" err="1"/>
+              <a:t>GradientBoosting</a:t>
+            </a:r>
+            <a:r>
+              <a:rPr lang="fr-FR" sz="2800" dirty="0"/>
+              <a:t>) avec deux </a:t>
+            </a:r>
+            <a:r>
+              <a:rPr lang="fr-FR" sz="2800" dirty="0" err="1"/>
+              <a:t>datasets</a:t>
+            </a:r>
+            <a:r>
+              <a:rPr lang="fr-FR" sz="2800" dirty="0"/>
+              <a:t> :</a:t>
+            </a:r>
+          </a:p>
+          <a:p>
+            <a:pPr marL="914400" lvl="1" indent="-457200">
+              <a:buFont typeface="Arial" panose="020B0604020202020204" pitchFamily="34" charset="0"/>
+              <a:buChar char="•"/>
+            </a:pPr>
+            <a:r>
+              <a:rPr lang="fr-FR" sz="2800" dirty="0"/>
+              <a:t>Un </a:t>
+            </a:r>
+            <a:r>
+              <a:rPr lang="fr-FR" sz="2800" dirty="0" err="1"/>
+              <a:t>dataset</a:t>
+            </a:r>
+            <a:r>
+              <a:rPr lang="fr-FR" sz="2800" dirty="0"/>
+              <a:t> avec l’ENERGY STAR SCORE</a:t>
+            </a:r>
+          </a:p>
+          <a:p>
+            <a:pPr marL="914400" lvl="1" indent="-457200">
+              <a:buFont typeface="Arial" panose="020B0604020202020204" pitchFamily="34" charset="0"/>
+              <a:buChar char="•"/>
+            </a:pPr>
+            <a:r>
+              <a:rPr lang="fr-FR" sz="2800" dirty="0"/>
+              <a:t>Un </a:t>
+            </a:r>
+            <a:r>
+              <a:rPr lang="fr-FR" sz="2800" dirty="0" err="1"/>
+              <a:t>dataset</a:t>
+            </a:r>
+            <a:r>
+              <a:rPr lang="fr-FR" sz="2800" dirty="0"/>
+              <a:t> sans l’ENERGY STAR SCORE</a:t>
+            </a:r>
+          </a:p>
+          <a:p>
+            <a:pPr marL="914400" lvl="1" indent="-457200">
+              <a:buFont typeface="Arial" panose="020B0604020202020204" pitchFamily="34" charset="0"/>
+              <a:buChar char="•"/>
+            </a:pPr>
+            <a:endParaRPr lang="fr-FR" sz="2800" dirty="0"/>
+          </a:p>
+        </p:txBody>
+      </p:sp>
+      <p:sp>
+        <p:nvSpPr>
+          <p:cNvPr id="7" name="Espace réservé de la date 6">
+            <a:extLst>
+              <a:ext uri="{FF2B5EF4-FFF2-40B4-BE49-F238E27FC236}">
+                <a16:creationId xmlns:a16="http://schemas.microsoft.com/office/drawing/2014/main" id="{1549698E-F409-4D66-AE63-7AC3E06119E5}"/>
+              </a:ext>
+            </a:extLst>
+          </p:cNvPr>
+          <p:cNvSpPr>
+            <a:spLocks noGrp="1"/>
+          </p:cNvSpPr>
+          <p:nvPr>
+            <p:ph type="dt" sz="half" idx="10"/>
+          </p:nvPr>
+        </p:nvSpPr>
+        <p:spPr/>
+        <p:txBody>
+          <a:bodyPr/>
+          <a:lstStyle/>
+          <a:p>
+            <a:fld id="{F7DC8D78-FEC6-4A69-A6D2-E2505F58D776}" type="datetime1">
+              <a:rPr lang="fr-FR" smtClean="0"/>
+              <a:t>20/04/2022</a:t>
+            </a:fld>
+            <a:endParaRPr lang="fr-FR"/>
+          </a:p>
+        </p:txBody>
+      </p:sp>
+      <p:sp>
+        <p:nvSpPr>
+          <p:cNvPr id="8" name="Espace réservé du pied de page 7">
+            <a:extLst>
+              <a:ext uri="{FF2B5EF4-FFF2-40B4-BE49-F238E27FC236}">
+                <a16:creationId xmlns:a16="http://schemas.microsoft.com/office/drawing/2014/main" id="{10D847CD-1FE9-4ADA-AA60-D29647C60E49}"/>
+              </a:ext>
+            </a:extLst>
+          </p:cNvPr>
+          <p:cNvSpPr>
+            <a:spLocks noGrp="1"/>
+          </p:cNvSpPr>
+          <p:nvPr>
+            <p:ph type="ftr" sz="quarter" idx="11"/>
+          </p:nvPr>
+        </p:nvSpPr>
+        <p:spPr/>
+        <p:txBody>
+          <a:bodyPr/>
+          <a:lstStyle/>
+          <a:p>
+            <a:endParaRPr lang="fr-FR"/>
+          </a:p>
+        </p:txBody>
+      </p:sp>
+      <p:sp>
+        <p:nvSpPr>
+          <p:cNvPr id="9" name="Espace réservé du numéro de diapositive 8">
+            <a:extLst>
+              <a:ext uri="{FF2B5EF4-FFF2-40B4-BE49-F238E27FC236}">
+                <a16:creationId xmlns:a16="http://schemas.microsoft.com/office/drawing/2014/main" id="{CBC1AB3B-B7EA-427E-9EEC-941E8C9291F4}"/>
+              </a:ext>
+            </a:extLst>
+          </p:cNvPr>
+          <p:cNvSpPr>
+            <a:spLocks noGrp="1"/>
+          </p:cNvSpPr>
+          <p:nvPr>
+            <p:ph type="sldNum" sz="quarter" idx="12"/>
+          </p:nvPr>
+        </p:nvSpPr>
+        <p:spPr/>
+        <p:txBody>
+          <a:bodyPr/>
+          <a:lstStyle/>
+          <a:p>
+            <a:fld id="{18E746EB-9FA2-421E-BF58-AF3915BD22D4}" type="slidenum">
+              <a:rPr lang="fr-FR" smtClean="0"/>
+              <a:t>61</a:t>
+            </a:fld>
+            <a:endParaRPr lang="fr-FR"/>
+          </a:p>
+        </p:txBody>
+      </p:sp>
+    </p:spTree>
+    <p:extLst>
+      <p:ext uri="{BB962C8B-B14F-4D97-AF65-F5344CB8AC3E}">
+        <p14:creationId xmlns:p14="http://schemas.microsoft.com/office/powerpoint/2010/main" val="34301971"/>
+      </p:ext>
+    </p:extLst>
+  </p:cSld>
+  <p:clrMapOvr>
+    <a:masterClrMapping/>
+  </p:clrMapOvr>
+</p:sld>
+</file>
+
+<file path=ppt/slides/slide62.xml><?xml version="1.0" encoding="utf-8"?>
+<p:sld xmlns:a="http://schemas.openxmlformats.org/drawingml/2006/main" xmlns:r="http://schemas.openxmlformats.org/officeDocument/2006/relationships" xmlns:p="http://schemas.openxmlformats.org/presentationml/2006/main">
+  <p:cSld>
+    <p:spTree>
+      <p:nvGrpSpPr>
+        <p:cNvPr id="1" name=""/>
+        <p:cNvGrpSpPr/>
+        <p:nvPr/>
+      </p:nvGrpSpPr>
+      <p:grpSpPr>
+        <a:xfrm>
+          <a:off x="0" y="0"/>
+          <a:ext cx="0" cy="0"/>
+          <a:chOff x="0" y="0"/>
+          <a:chExt cx="0" cy="0"/>
+        </a:xfrm>
+      </p:grpSpPr>
+      <p:sp>
+        <p:nvSpPr>
+          <p:cNvPr id="2" name="Title 1"/>
+          <p:cNvSpPr>
+            <a:spLocks noGrp="1"/>
+          </p:cNvSpPr>
+          <p:nvPr>
+            <p:ph type="title"/>
+          </p:nvPr>
+        </p:nvSpPr>
+        <p:spPr/>
+        <p:txBody>
+          <a:bodyPr/>
+          <a:lstStyle/>
+          <a:p>
+            <a:r>
+              <a:rPr lang="fr-FR" dirty="0"/>
+              <a:t>Résultats de l’analyse</a:t>
+            </a:r>
+          </a:p>
+        </p:txBody>
+      </p:sp>
+      <p:pic>
+        <p:nvPicPr>
+          <p:cNvPr id="5" name="Image 4">
+            <a:extLst>
+              <a:ext uri="{FF2B5EF4-FFF2-40B4-BE49-F238E27FC236}">
+                <a16:creationId xmlns:a16="http://schemas.microsoft.com/office/drawing/2014/main" id="{160C450E-CE59-4912-BF2E-46E71E381277}"/>
+              </a:ext>
+            </a:extLst>
+          </p:cNvPr>
+          <p:cNvPicPr>
+            <a:picLocks noChangeAspect="1"/>
+          </p:cNvPicPr>
+          <p:nvPr/>
+        </p:nvPicPr>
+        <p:blipFill>
+          <a:blip r:embed="rId2"/>
+          <a:stretch>
+            <a:fillRect/>
+          </a:stretch>
+        </p:blipFill>
+        <p:spPr>
+          <a:xfrm>
+            <a:off x="1171166" y="1672131"/>
+            <a:ext cx="5020628" cy="4820744"/>
+          </a:xfrm>
+          <a:prstGeom prst="rect">
+            <a:avLst/>
+          </a:prstGeom>
+        </p:spPr>
+      </p:pic>
+      <p:sp>
+        <p:nvSpPr>
+          <p:cNvPr id="3" name="ZoneTexte 2">
+            <a:extLst>
+              <a:ext uri="{FF2B5EF4-FFF2-40B4-BE49-F238E27FC236}">
+                <a16:creationId xmlns:a16="http://schemas.microsoft.com/office/drawing/2014/main" id="{181B27E5-5CF4-4D81-B6B9-3604DAFFB6EF}"/>
+              </a:ext>
+            </a:extLst>
+          </p:cNvPr>
+          <p:cNvSpPr txBox="1"/>
+          <p:nvPr/>
+        </p:nvSpPr>
+        <p:spPr>
+          <a:xfrm>
+            <a:off x="6524760" y="1690688"/>
+            <a:ext cx="5381897" cy="3539430"/>
+          </a:xfrm>
+          <a:prstGeom prst="rect">
+            <a:avLst/>
+          </a:prstGeom>
+          <a:noFill/>
+        </p:spPr>
+        <p:txBody>
+          <a:bodyPr wrap="square" rtlCol="0">
+            <a:spAutoFit/>
+          </a:bodyPr>
+          <a:lstStyle/>
+          <a:p>
+            <a:r>
+              <a:rPr lang="fr-FR" sz="2800" dirty="0"/>
+              <a:t>Il y a un gain de 0.03 point pour le R2</a:t>
+            </a:r>
+          </a:p>
+          <a:p>
+            <a:endParaRPr lang="fr-FR" sz="2800" dirty="0"/>
+          </a:p>
+          <a:p>
+            <a:pPr marL="457200" indent="-457200">
+              <a:buFont typeface="Wingdings" panose="05000000000000000000" pitchFamily="2" charset="2"/>
+              <a:buChar char="Ø"/>
+            </a:pPr>
+            <a:r>
+              <a:rPr lang="fr-FR" sz="2800" dirty="0"/>
+              <a:t>Compte-tenu du caractère fastidieux du calcul de cette variable et le gain faible qu’elle représente, on choisit de renoncer à son calcul.</a:t>
+            </a:r>
+          </a:p>
+        </p:txBody>
+      </p:sp>
+      <p:sp>
+        <p:nvSpPr>
+          <p:cNvPr id="4" name="Espace réservé de la date 3">
+            <a:extLst>
+              <a:ext uri="{FF2B5EF4-FFF2-40B4-BE49-F238E27FC236}">
+                <a16:creationId xmlns:a16="http://schemas.microsoft.com/office/drawing/2014/main" id="{78AF651B-8D3F-4E9A-9C73-B3583F2FA821}"/>
+              </a:ext>
+            </a:extLst>
+          </p:cNvPr>
+          <p:cNvSpPr>
+            <a:spLocks noGrp="1"/>
+          </p:cNvSpPr>
+          <p:nvPr>
+            <p:ph type="dt" sz="half" idx="10"/>
+          </p:nvPr>
+        </p:nvSpPr>
+        <p:spPr/>
+        <p:txBody>
+          <a:bodyPr/>
+          <a:lstStyle/>
+          <a:p>
+            <a:fld id="{F24204DA-A500-4841-98D6-0284AF2AB116}" type="datetime1">
+              <a:rPr lang="fr-FR" smtClean="0"/>
+              <a:t>20/04/2022</a:t>
+            </a:fld>
+            <a:endParaRPr lang="fr-FR"/>
+          </a:p>
+        </p:txBody>
+      </p:sp>
+      <p:sp>
+        <p:nvSpPr>
+          <p:cNvPr id="6" name="Espace réservé du pied de page 5">
+            <a:extLst>
+              <a:ext uri="{FF2B5EF4-FFF2-40B4-BE49-F238E27FC236}">
+                <a16:creationId xmlns:a16="http://schemas.microsoft.com/office/drawing/2014/main" id="{A77CEC63-BD25-406F-91B5-1284072500C1}"/>
+              </a:ext>
+            </a:extLst>
+          </p:cNvPr>
+          <p:cNvSpPr>
+            <a:spLocks noGrp="1"/>
+          </p:cNvSpPr>
+          <p:nvPr>
+            <p:ph type="ftr" sz="quarter" idx="11"/>
+          </p:nvPr>
+        </p:nvSpPr>
+        <p:spPr/>
+        <p:txBody>
+          <a:bodyPr/>
+          <a:lstStyle/>
+          <a:p>
+            <a:endParaRPr lang="fr-FR"/>
+          </a:p>
+        </p:txBody>
+      </p:sp>
+      <p:sp>
+        <p:nvSpPr>
+          <p:cNvPr id="7" name="Espace réservé du numéro de diapositive 6">
+            <a:extLst>
+              <a:ext uri="{FF2B5EF4-FFF2-40B4-BE49-F238E27FC236}">
+                <a16:creationId xmlns:a16="http://schemas.microsoft.com/office/drawing/2014/main" id="{D273F020-7258-4CB3-9C7C-72F3868A71C5}"/>
+              </a:ext>
+            </a:extLst>
+          </p:cNvPr>
+          <p:cNvSpPr>
+            <a:spLocks noGrp="1"/>
+          </p:cNvSpPr>
+          <p:nvPr>
+            <p:ph type="sldNum" sz="quarter" idx="12"/>
+          </p:nvPr>
+        </p:nvSpPr>
+        <p:spPr/>
+        <p:txBody>
+          <a:bodyPr/>
+          <a:lstStyle/>
+          <a:p>
+            <a:fld id="{18E746EB-9FA2-421E-BF58-AF3915BD22D4}" type="slidenum">
+              <a:rPr lang="fr-FR" smtClean="0"/>
+              <a:t>62</a:t>
+            </a:fld>
+            <a:endParaRPr lang="fr-FR"/>
+          </a:p>
+        </p:txBody>
+      </p:sp>
+    </p:spTree>
+    <p:extLst>
+      <p:ext uri="{BB962C8B-B14F-4D97-AF65-F5344CB8AC3E}">
+        <p14:creationId xmlns:p14="http://schemas.microsoft.com/office/powerpoint/2010/main" val="1433333921"/>
+      </p:ext>
+    </p:extLst>
+  </p:cSld>
+  <p:clrMapOvr>
+    <a:masterClrMapping/>
+  </p:clrMapOvr>
+</p:sld>
+</file>
+
+<file path=ppt/slides/slide63.xml><?xml version="1.0" encoding="utf-8"?>
+<p:sld xmlns:a="http://schemas.openxmlformats.org/drawingml/2006/main" xmlns:r="http://schemas.openxmlformats.org/officeDocument/2006/relationships" xmlns:p="http://schemas.openxmlformats.org/presentationml/2006/main">
+  <p:cSld>
+    <p:spTree>
+      <p:nvGrpSpPr>
+        <p:cNvPr id="1" name=""/>
+        <p:cNvGrpSpPr/>
+        <p:nvPr/>
+      </p:nvGrpSpPr>
+      <p:grpSpPr>
+        <a:xfrm>
+          <a:off x="0" y="0"/>
+          <a:ext cx="0" cy="0"/>
+          <a:chOff x="0" y="0"/>
+          <a:chExt cx="0" cy="0"/>
+        </a:xfrm>
+      </p:grpSpPr>
+      <p:sp>
+        <p:nvSpPr>
+          <p:cNvPr id="2" name="Title 1"/>
+          <p:cNvSpPr>
+            <a:spLocks noGrp="1"/>
+          </p:cNvSpPr>
+          <p:nvPr>
             <p:ph type="ctrTitle"/>
           </p:nvPr>
         </p:nvSpPr>
@@ -25798,7 +26128,7 @@
           <a:p>
             <a:fld id="{18E746EB-9FA2-421E-BF58-AF3915BD22D4}" type="slidenum">
               <a:rPr lang="fr-FR" smtClean="0"/>
-              <a:t>61</a:t>
+              <a:t>63</a:t>
             </a:fld>
             <a:endParaRPr lang="fr-FR"/>
           </a:p>
